--- a/slides/python_biopython_Seq_Object_reduced.pptx
+++ b/slides/python_biopython_Seq_Object_reduced.pptx
@@ -243,6 +243,20 @@
         </p14:section>
       </p14:sectionLst>
     </p:ext>
+    <p:ext uri="{EFAFB233-063F-42B5-8137-9DF3F51BA10A}">
+      <p15:sldGuideLst xmlns:p15="http://schemas.microsoft.com/office/powerpoint/2012/main">
+        <p15:guide id="1" orient="horz" pos="2160">
+          <p15:clr>
+            <a:srgbClr val="A4A3A4"/>
+          </p15:clr>
+        </p15:guide>
+        <p15:guide id="2" pos="2880">
+          <p15:clr>
+            <a:srgbClr val="A4A3A4"/>
+          </p15:clr>
+        </p15:guide>
+      </p15:sldGuideLst>
+    </p:ext>
   </p:extLst>
 </p:presentation>
 </file>
@@ -329,7 +343,7 @@
           <a:p>
             <a:fld id="{5EB47243-285B-2741-8C7D-C88258D9CCFA}" type="datetimeFigureOut">
               <a:rPr lang="fr-FR" smtClean="0"/>
-              <a:t>16/11/16</a:t>
+              <a:t>08/11/2018</a:t>
             </a:fld>
             <a:endParaRPr lang="fr-FR"/>
           </a:p>
@@ -395,7 +409,7 @@
           <a:p>
             <a:fld id="{C5CA9166-BC48-2C47-B9BF-6F57720E77B8}" type="slidenum">
               <a:rPr lang="fr-FR" smtClean="0"/>
-              <a:t>‹#›</a:t>
+              <a:t>‹N°›</a:t>
             </a:fld>
             <a:endParaRPr lang="fr-FR"/>
           </a:p>
@@ -495,7 +509,7 @@
           <a:p>
             <a:fld id="{7D088D39-B4EA-D24B-B9C3-6A64886EABE2}" type="datetimeFigureOut">
               <a:rPr lang="fr-FR" smtClean="0"/>
-              <a:t>16/11/16</a:t>
+              <a:t>08/11/2018</a:t>
             </a:fld>
             <a:endParaRPr lang="fr-FR"/>
           </a:p>
@@ -559,38 +573,37 @@
           <a:p>
             <a:pPr lvl="0"/>
             <a:r>
-              <a:rPr lang="fr-FR" smtClean="0"/>
+              <a:rPr lang="fr-FR"/>
               <a:t>Cliquez pour modifier les styles du texte du masque</a:t>
             </a:r>
           </a:p>
           <a:p>
             <a:pPr lvl="1"/>
             <a:r>
-              <a:rPr lang="fr-FR" smtClean="0"/>
+              <a:rPr lang="fr-FR"/>
               <a:t>Deuxième niveau</a:t>
             </a:r>
           </a:p>
           <a:p>
             <a:pPr lvl="2"/>
             <a:r>
-              <a:rPr lang="fr-FR" smtClean="0"/>
+              <a:rPr lang="fr-FR"/>
               <a:t>Troisième niveau</a:t>
             </a:r>
           </a:p>
           <a:p>
             <a:pPr lvl="3"/>
             <a:r>
-              <a:rPr lang="fr-FR" smtClean="0"/>
+              <a:rPr lang="fr-FR"/>
               <a:t>Quatrième niveau</a:t>
             </a:r>
           </a:p>
           <a:p>
             <a:pPr lvl="4"/>
             <a:r>
-              <a:rPr lang="fr-FR" smtClean="0"/>
+              <a:rPr lang="fr-FR"/>
               <a:t>Cinquième niveau</a:t>
             </a:r>
-            <a:endParaRPr lang="fr-FR"/>
           </a:p>
         </p:txBody>
       </p:sp>
@@ -654,7 +667,7 @@
           <a:p>
             <a:fld id="{1C0E2CBA-6097-B848-A7DA-4D7BD6EB303B}" type="slidenum">
               <a:rPr lang="fr-FR" smtClean="0"/>
-              <a:t>‹#›</a:t>
+              <a:t>‹N°›</a:t>
             </a:fld>
             <a:endParaRPr lang="fr-FR"/>
           </a:p>
@@ -809,26 +822,26 @@
           <a:lstStyle/>
           <a:p>
             <a:r>
-              <a:rPr lang="fr-FR" dirty="0" smtClean="0"/>
+              <a:rPr lang="fr-FR" dirty="0"/>
               <a:t>Cpte élève:</a:t>
             </a:r>
             <a:r>
-              <a:rPr lang="fr-FR" baseline="0" dirty="0" smtClean="0"/>
+              <a:rPr lang="fr-FR" baseline="0" dirty="0"/>
               <a:t> </a:t>
             </a:r>
             <a:r>
-              <a:rPr lang="fr-FR" baseline="0" dirty="0" err="1" smtClean="0"/>
+              <a:rPr lang="fr-FR" baseline="0" dirty="0" err="1"/>
               <a:t>padawan</a:t>
             </a:r>
-            <a:endParaRPr lang="fr-FR" dirty="0" smtClean="0"/>
-          </a:p>
-          <a:p>
-            <a:r>
-              <a:rPr lang="fr-FR" dirty="0" smtClean="0"/>
+            <a:endParaRPr lang="fr-FR" dirty="0"/>
+          </a:p>
+          <a:p>
+            <a:r>
+              <a:rPr lang="fr-FR" dirty="0"/>
               <a:t>Mot de passe:</a:t>
             </a:r>
             <a:r>
-              <a:rPr lang="fr-FR" baseline="0" dirty="0" smtClean="0"/>
+              <a:rPr lang="fr-FR" baseline="0" dirty="0"/>
               <a:t> trust</a:t>
             </a:r>
             <a:endParaRPr lang="fr-FR" dirty="0"/>
@@ -916,7 +929,7 @@
           <a:lstStyle/>
           <a:p>
             <a:r>
-              <a:rPr lang="mr-IN" sz="1200" kern="1200" dirty="0" smtClean="0">
+              <a:rPr lang="mr-IN" sz="1200" kern="1200" dirty="0">
                 <a:solidFill>
                   <a:schemeClr val="tx1"/>
                 </a:solidFill>
@@ -930,7 +943,7 @@
           </a:p>
           <a:p>
             <a:r>
-              <a:rPr lang="mr-IN" sz="1200" kern="1200" dirty="0" smtClean="0">
+              <a:rPr lang="mr-IN" sz="1200" kern="1200" dirty="0">
                 <a:solidFill>
                   <a:schemeClr val="tx1"/>
                 </a:solidFill>
@@ -941,15 +954,6 @@
               </a:rPr>
               <a:t>Seq('acgt', DNAAlphabet())</a:t>
             </a:r>
-            <a:endParaRPr lang="mr-IN" sz="1200" kern="1200" dirty="0">
-              <a:solidFill>
-                <a:schemeClr val="tx1"/>
-              </a:solidFill>
-              <a:effectLst/>
-              <a:latin typeface="Arial"/>
-              <a:ea typeface="+mn-ea"/>
-              <a:cs typeface="Arial"/>
-            </a:endParaRPr>
           </a:p>
         </p:txBody>
       </p:sp>
@@ -1202,7 +1206,7 @@
           <a:lstStyle/>
           <a:p>
             <a:r>
-              <a:rPr lang="pt-BR" sz="1200" kern="1200" dirty="0" err="1" smtClean="0">
+              <a:rPr lang="pt-BR" sz="1200" kern="1200" dirty="0" err="1">
                 <a:solidFill>
                   <a:schemeClr val="tx1"/>
                 </a:solidFill>
@@ -1214,7 +1218,7 @@
               <a:t>Seq</a:t>
             </a:r>
             <a:r>
-              <a:rPr lang="pt-BR" sz="1200" kern="1200" dirty="0" smtClean="0">
+              <a:rPr lang="pt-BR" sz="1200" kern="1200" dirty="0">
                 <a:solidFill>
                   <a:schemeClr val="tx1"/>
                 </a:solidFill>
@@ -1226,7 +1230,7 @@
               <a:t>(‘CTATCGGGCACCCTTTCAGCGGCCCATTACAATGGCCAT’, </a:t>
             </a:r>
             <a:r>
-              <a:rPr lang="pt-BR" sz="1200" kern="1200" dirty="0" err="1" smtClean="0">
+              <a:rPr lang="pt-BR" sz="1200" kern="1200" dirty="0" err="1">
                 <a:solidFill>
                   <a:schemeClr val="tx1"/>
                 </a:solidFill>
@@ -1238,7 +1242,7 @@
               <a:t>IUPACUnambiguousDNA</a:t>
             </a:r>
             <a:r>
-              <a:rPr lang="pt-BR" sz="1200" kern="1200" dirty="0" smtClean="0">
+              <a:rPr lang="pt-BR" sz="1200" kern="1200" dirty="0">
                 <a:solidFill>
                   <a:schemeClr val="tx1"/>
                 </a:solidFill>
@@ -1336,7 +1340,7 @@
           <a:lstStyle/>
           <a:p>
             <a:r>
-              <a:rPr lang="en-US" sz="1200" kern="1200" dirty="0" smtClean="0">
+              <a:rPr lang="en-US" sz="1200" kern="1200" dirty="0">
                 <a:solidFill>
                   <a:schemeClr val="tx1"/>
                 </a:solidFill>
@@ -1348,7 +1352,7 @@
               <a:t>&gt;&gt;&gt; from </a:t>
             </a:r>
             <a:r>
-              <a:rPr lang="en-US" sz="1200" kern="1200" dirty="0" err="1" smtClean="0">
+              <a:rPr lang="en-US" sz="1200" kern="1200" dirty="0" err="1">
                 <a:solidFill>
                   <a:schemeClr val="tx1"/>
                 </a:solidFill>
@@ -1360,7 +1364,7 @@
               <a:t>Bio.Seq</a:t>
             </a:r>
             <a:r>
-              <a:rPr lang="en-US" sz="1200" kern="1200" dirty="0" smtClean="0">
+              <a:rPr lang="en-US" sz="1200" kern="1200" dirty="0">
                 <a:solidFill>
                   <a:schemeClr val="tx1"/>
                 </a:solidFill>
@@ -1372,7 +1376,7 @@
               <a:t> import </a:t>
             </a:r>
             <a:r>
-              <a:rPr lang="en-US" sz="1200" kern="1200" dirty="0" err="1" smtClean="0">
+              <a:rPr lang="en-US" sz="1200" kern="1200" dirty="0" err="1">
                 <a:solidFill>
                   <a:schemeClr val="tx1"/>
                 </a:solidFill>
@@ -1383,7 +1387,7 @@
               </a:rPr>
               <a:t>Seq</a:t>
             </a:r>
-            <a:endParaRPr lang="en-US" sz="1200" kern="1200" dirty="0" smtClean="0">
+            <a:endParaRPr lang="en-US" sz="1200" kern="1200" dirty="0">
               <a:solidFill>
                 <a:schemeClr val="tx1"/>
               </a:solidFill>
@@ -1395,7 +1399,7 @@
           </a:p>
           <a:p>
             <a:r>
-              <a:rPr lang="en-US" sz="1200" kern="1200" dirty="0" smtClean="0">
+              <a:rPr lang="en-US" sz="1200" kern="1200" dirty="0">
                 <a:solidFill>
                   <a:schemeClr val="tx1"/>
                 </a:solidFill>
@@ -1407,7 +1411,7 @@
               <a:t>&gt;&gt;&gt; from </a:t>
             </a:r>
             <a:r>
-              <a:rPr lang="en-US" sz="1200" kern="1200" dirty="0" err="1" smtClean="0">
+              <a:rPr lang="en-US" sz="1200" kern="1200" dirty="0" err="1">
                 <a:solidFill>
                   <a:schemeClr val="tx1"/>
                 </a:solidFill>
@@ -1419,7 +1423,7 @@
               <a:t>Bio.Alphabet</a:t>
             </a:r>
             <a:r>
-              <a:rPr lang="en-US" sz="1200" kern="1200" dirty="0" smtClean="0">
+              <a:rPr lang="en-US" sz="1200" kern="1200" dirty="0">
                 <a:solidFill>
                   <a:schemeClr val="tx1"/>
                 </a:solidFill>
@@ -1433,7 +1437,7 @@
           </a:p>
           <a:p>
             <a:r>
-              <a:rPr lang="en-US" sz="1200" kern="1200" dirty="0" smtClean="0">
+              <a:rPr lang="en-US" sz="1200" kern="1200" dirty="0">
                 <a:solidFill>
                   <a:schemeClr val="tx1"/>
                 </a:solidFill>
@@ -1445,7 +1449,7 @@
               <a:t>&gt;&gt;&gt; </a:t>
             </a:r>
             <a:r>
-              <a:rPr lang="en-US" sz="1200" kern="1200" dirty="0" err="1" smtClean="0">
+              <a:rPr lang="en-US" sz="1200" kern="1200" dirty="0" err="1">
                 <a:solidFill>
                   <a:schemeClr val="tx1"/>
                 </a:solidFill>
@@ -1457,7 +1461,7 @@
               <a:t>messenger_rna</a:t>
             </a:r>
             <a:r>
-              <a:rPr lang="en-US" sz="1200" kern="1200" dirty="0" smtClean="0">
+              <a:rPr lang="en-US" sz="1200" kern="1200" dirty="0">
                 <a:solidFill>
                   <a:schemeClr val="tx1"/>
                 </a:solidFill>
@@ -1469,7 +1473,7 @@
               <a:t> = </a:t>
             </a:r>
             <a:r>
-              <a:rPr lang="en-US" sz="1200" kern="1200" dirty="0" err="1" smtClean="0">
+              <a:rPr lang="en-US" sz="1200" kern="1200" dirty="0" err="1">
                 <a:solidFill>
                   <a:schemeClr val="tx1"/>
                 </a:solidFill>
@@ -1481,7 +1485,7 @@
               <a:t>Seq</a:t>
             </a:r>
             <a:r>
-              <a:rPr lang="en-US" sz="1200" kern="1200" dirty="0" smtClean="0">
+              <a:rPr lang="en-US" sz="1200" kern="1200" dirty="0">
                 <a:solidFill>
                   <a:schemeClr val="tx1"/>
                 </a:solidFill>
@@ -1493,7 +1497,7 @@
               <a:t>("AUGGCCAUUGUAAUGGGCCGCUGAAAGGGUGCCCGAUAG", </a:t>
             </a:r>
             <a:r>
-              <a:rPr lang="en-US" sz="1200" kern="1200" dirty="0" err="1" smtClean="0">
+              <a:rPr lang="en-US" sz="1200" kern="1200" dirty="0" err="1">
                 <a:solidFill>
                   <a:schemeClr val="tx1"/>
                 </a:solidFill>
@@ -1505,7 +1509,7 @@
               <a:t>IUPAC.unambiguous_rna</a:t>
             </a:r>
             <a:r>
-              <a:rPr lang="en-US" sz="1200" kern="1200" dirty="0" smtClean="0">
+              <a:rPr lang="en-US" sz="1200" kern="1200" dirty="0">
                 <a:solidFill>
                   <a:schemeClr val="tx1"/>
                 </a:solidFill>
@@ -1519,7 +1523,7 @@
           </a:p>
           <a:p>
             <a:r>
-              <a:rPr lang="en-US" sz="1200" kern="1200" dirty="0" smtClean="0">
+              <a:rPr lang="en-US" sz="1200" kern="1200" dirty="0">
                 <a:solidFill>
                   <a:schemeClr val="tx1"/>
                 </a:solidFill>
@@ -1531,7 +1535,7 @@
               <a:t>&gt;&gt;&gt; </a:t>
             </a:r>
             <a:r>
-              <a:rPr lang="en-US" sz="1200" kern="1200" dirty="0" err="1" smtClean="0">
+              <a:rPr lang="en-US" sz="1200" kern="1200" dirty="0" err="1">
                 <a:solidFill>
                   <a:schemeClr val="tx1"/>
                 </a:solidFill>
@@ -1652,7 +1656,7 @@
               <a:defRPr/>
             </a:pPr>
             <a:r>
-              <a:rPr lang="en-US" sz="1200" kern="1200" dirty="0" smtClean="0">
+              <a:rPr lang="en-US" sz="1200" kern="1200" dirty="0">
                 <a:solidFill>
                   <a:schemeClr val="tx1"/>
                 </a:solidFill>
@@ -1750,7 +1754,7 @@
           <a:lstStyle/>
           <a:p>
             <a:r>
-              <a:rPr lang="en-US" sz="1200" kern="1200" dirty="0" smtClean="0">
+              <a:rPr lang="en-US" sz="1200" kern="1200" dirty="0">
                 <a:solidFill>
                   <a:schemeClr val="tx1"/>
                 </a:solidFill>
@@ -1762,7 +1766,7 @@
               <a:t>translate the nucleotides up to the </a:t>
             </a:r>
             <a:r>
-              <a:rPr lang="en-US" sz="1200" kern="1200" dirty="0" err="1" smtClean="0">
+              <a:rPr lang="en-US" sz="1200" kern="1200" dirty="0" err="1">
                 <a:solidFill>
                   <a:schemeClr val="tx1"/>
                 </a:solidFill>
@@ -1774,7 +1778,7 @@
               <a:t>rst</a:t>
             </a:r>
             <a:r>
-              <a:rPr lang="en-US" sz="1200" kern="1200" dirty="0" smtClean="0">
+              <a:rPr lang="en-US" sz="1200" kern="1200" dirty="0">
                 <a:solidFill>
                   <a:schemeClr val="tx1"/>
                 </a:solidFill>
@@ -1786,7 +1790,7 @@
               <a:t> in frame stop codon, and then stop (as</a:t>
             </a:r>
             <a:r>
-              <a:rPr lang="en-US" sz="1200" kern="1200" baseline="0" dirty="0" smtClean="0">
+              <a:rPr lang="en-US" sz="1200" kern="1200" baseline="0" dirty="0">
                 <a:solidFill>
                   <a:schemeClr val="tx1"/>
                 </a:solidFill>
@@ -1798,7 +1802,7 @@
               <a:t> </a:t>
             </a:r>
             <a:r>
-              <a:rPr lang="en-US" sz="1200" kern="1200" dirty="0" smtClean="0">
+              <a:rPr lang="en-US" sz="1200" kern="1200" dirty="0">
                 <a:solidFill>
                   <a:schemeClr val="tx1"/>
                 </a:solidFill>
@@ -1809,15 +1813,6 @@
               </a:rPr>
               <a:t>happens in nature)</a:t>
             </a:r>
-            <a:endParaRPr lang="en-US" sz="1200" kern="1200" dirty="0">
-              <a:solidFill>
-                <a:schemeClr val="tx1"/>
-              </a:solidFill>
-              <a:effectLst/>
-              <a:latin typeface="+mn-lt"/>
-              <a:ea typeface="+mn-ea"/>
-              <a:cs typeface="+mn-cs"/>
-            </a:endParaRPr>
           </a:p>
         </p:txBody>
       </p:sp>
@@ -1902,7 +1897,7 @@
           <a:lstStyle/>
           <a:p>
             <a:r>
-              <a:rPr lang="en-US" sz="1200" kern="1200" dirty="0" smtClean="0">
+              <a:rPr lang="en-US" sz="1200" kern="1200" dirty="0">
                 <a:solidFill>
                   <a:schemeClr val="tx1"/>
                 </a:solidFill>
@@ -1914,7 +1909,7 @@
               <a:t>This happens a lot in</a:t>
             </a:r>
             <a:r>
-              <a:rPr lang="en-US" sz="1200" kern="1200" baseline="0" dirty="0" smtClean="0">
+              <a:rPr lang="en-US" sz="1200" kern="1200" baseline="0" dirty="0">
                 <a:solidFill>
                   <a:schemeClr val="tx1"/>
                 </a:solidFill>
@@ -1926,7 +1921,7 @@
               <a:t> </a:t>
             </a:r>
             <a:r>
-              <a:rPr lang="en-US" sz="1200" kern="1200" dirty="0" smtClean="0">
+              <a:rPr lang="en-US" sz="1200" kern="1200" dirty="0">
                 <a:solidFill>
                   <a:schemeClr val="tx1"/>
                 </a:solidFill>
@@ -1938,7 +1933,7 @@
               <a:t>bacteria,</a:t>
             </a:r>
             <a:r>
-              <a:rPr lang="en-US" sz="1200" kern="1200" baseline="0" dirty="0" smtClean="0">
+              <a:rPr lang="en-US" sz="1200" kern="1200" baseline="0" dirty="0">
                 <a:solidFill>
                   <a:schemeClr val="tx1"/>
                 </a:solidFill>
@@ -1950,7 +1945,7 @@
               <a:t> </a:t>
             </a:r>
             <a:r>
-              <a:rPr lang="en-US" sz="1200" kern="1200" dirty="0" smtClean="0">
+              <a:rPr lang="en-US" sz="1200" kern="1200" dirty="0">
                 <a:solidFill>
                   <a:schemeClr val="tx1"/>
                 </a:solidFill>
@@ -1962,7 +1957,7 @@
               <a:t>for example, the gene </a:t>
             </a:r>
             <a:r>
-              <a:rPr lang="en-US" sz="1200" kern="1200" dirty="0" err="1" smtClean="0">
+              <a:rPr lang="en-US" sz="1200" kern="1200" dirty="0" err="1">
                 <a:solidFill>
                   <a:schemeClr val="tx1"/>
                 </a:solidFill>
@@ -1974,7 +1969,7 @@
               <a:t>yaaX</a:t>
             </a:r>
             <a:r>
-              <a:rPr lang="en-US" sz="1200" kern="1200" dirty="0" smtClean="0">
+              <a:rPr lang="en-US" sz="1200" kern="1200" dirty="0">
                 <a:solidFill>
                   <a:schemeClr val="tx1"/>
                 </a:solidFill>
@@ -1986,7 +1981,7 @@
               <a:t> in</a:t>
             </a:r>
             <a:r>
-              <a:rPr lang="en-US" sz="1200" kern="1200" baseline="0" dirty="0" smtClean="0">
+              <a:rPr lang="en-US" sz="1200" kern="1200" baseline="0" dirty="0">
                 <a:solidFill>
                   <a:schemeClr val="tx1"/>
                 </a:solidFill>
@@ -1998,7 +1993,7 @@
               <a:t> </a:t>
             </a:r>
             <a:r>
-              <a:rPr lang="en-US" sz="1200" kern="1200" dirty="0" smtClean="0">
+              <a:rPr lang="en-US" sz="1200" kern="1200" dirty="0">
                 <a:solidFill>
                   <a:schemeClr val="tx1"/>
                 </a:solidFill>
@@ -2010,7 +2005,7 @@
               <a:t>E. coli</a:t>
             </a:r>
             <a:r>
-              <a:rPr lang="en-US" sz="1200" kern="1200" baseline="0" dirty="0" smtClean="0">
+              <a:rPr lang="en-US" sz="1200" kern="1200" baseline="0" dirty="0">
                 <a:solidFill>
                   <a:schemeClr val="tx1"/>
                 </a:solidFill>
@@ -2022,7 +2017,7 @@
               <a:t> </a:t>
             </a:r>
             <a:r>
-              <a:rPr lang="en-US" sz="1200" kern="1200" dirty="0" smtClean="0">
+              <a:rPr lang="en-US" sz="1200" kern="1200" dirty="0">
                 <a:solidFill>
                   <a:schemeClr val="tx1"/>
                 </a:solidFill>
@@ -2120,7 +2115,7 @@
           <a:lstStyle/>
           <a:p>
             <a:r>
-              <a:rPr lang="de-DE" sz="1200" kern="1200" dirty="0" smtClean="0">
+              <a:rPr lang="de-DE" sz="1200" kern="1200" dirty="0">
                 <a:solidFill>
                   <a:schemeClr val="tx1"/>
                 </a:solidFill>
@@ -2132,7 +2127,7 @@
             </a:r>
           </a:p>
           <a:p>
-            <a:endParaRPr lang="fr-FR" sz="1200" kern="1200" dirty="0" smtClean="0">
+            <a:endParaRPr lang="fr-FR" sz="1200" kern="1200" dirty="0">
               <a:solidFill>
                 <a:schemeClr val="tx1"/>
               </a:solidFill>
@@ -2143,7 +2138,7 @@
           </a:p>
           <a:p>
             <a:r>
-              <a:rPr lang="de-DE" sz="1200" kern="1200" dirty="0" smtClean="0">
+              <a:rPr lang="de-DE" sz="1200" kern="1200" dirty="0">
                 <a:solidFill>
                   <a:schemeClr val="tx1"/>
                 </a:solidFill>
@@ -2156,7 +2151,7 @@
           </a:p>
           <a:p>
             <a:r>
-              <a:rPr lang="mr-IN" sz="1200" kern="1200" dirty="0" smtClean="0">
+              <a:rPr lang="mr-IN" sz="1200" kern="1200" dirty="0">
                 <a:solidFill>
                   <a:schemeClr val="tx1"/>
                 </a:solidFill>
@@ -2169,7 +2164,7 @@
           </a:p>
           <a:p>
             <a:r>
-              <a:rPr lang="hr-HR" sz="1200" kern="1200" dirty="0" smtClean="0">
+              <a:rPr lang="hr-HR" sz="1200" kern="1200" dirty="0">
                 <a:solidFill>
                   <a:schemeClr val="tx1"/>
                 </a:solidFill>
@@ -2182,7 +2177,7 @@
           </a:p>
           <a:p>
             <a:r>
-              <a:rPr lang="hr-HR" sz="1200" kern="1200" dirty="0" smtClean="0">
+              <a:rPr lang="hr-HR" sz="1200" kern="1200" dirty="0">
                 <a:solidFill>
                   <a:schemeClr val="tx1"/>
                 </a:solidFill>
@@ -2195,7 +2190,7 @@
           </a:p>
           <a:p>
             <a:r>
-              <a:rPr lang="hr-HR" sz="1200" kern="1200" dirty="0" smtClean="0">
+              <a:rPr lang="hr-HR" sz="1200" kern="1200" dirty="0">
                 <a:solidFill>
                   <a:schemeClr val="tx1"/>
                 </a:solidFill>
@@ -2208,7 +2203,7 @@
           </a:p>
           <a:p>
             <a:r>
-              <a:rPr lang="hr-HR" sz="1200" kern="1200" dirty="0" smtClean="0">
+              <a:rPr lang="hr-HR" sz="1200" kern="1200" dirty="0">
                 <a:solidFill>
                   <a:schemeClr val="tx1"/>
                 </a:solidFill>
@@ -2221,7 +2216,7 @@
           </a:p>
           <a:p>
             <a:r>
-              <a:rPr lang="mr-IN" sz="1200" kern="1200" dirty="0" smtClean="0">
+              <a:rPr lang="mr-IN" sz="1200" kern="1200" dirty="0">
                 <a:solidFill>
                   <a:schemeClr val="tx1"/>
                 </a:solidFill>
@@ -2234,7 +2229,7 @@
           </a:p>
           <a:p>
             <a:r>
-              <a:rPr lang="hr-HR" sz="1200" kern="1200" dirty="0" smtClean="0">
+              <a:rPr lang="hr-HR" sz="1200" kern="1200" dirty="0">
                 <a:solidFill>
                   <a:schemeClr val="tx1"/>
                 </a:solidFill>
@@ -2247,7 +2242,7 @@
           </a:p>
           <a:p>
             <a:r>
-              <a:rPr lang="hr-HR" sz="1200" kern="1200" dirty="0" smtClean="0">
+              <a:rPr lang="hr-HR" sz="1200" kern="1200" dirty="0">
                 <a:solidFill>
                   <a:schemeClr val="tx1"/>
                 </a:solidFill>
@@ -2260,7 +2255,7 @@
           </a:p>
           <a:p>
             <a:r>
-              <a:rPr lang="hr-HR" sz="1200" kern="1200" dirty="0" smtClean="0">
+              <a:rPr lang="hr-HR" sz="1200" kern="1200" dirty="0">
                 <a:solidFill>
                   <a:schemeClr val="tx1"/>
                 </a:solidFill>
@@ -2273,7 +2268,7 @@
           </a:p>
           <a:p>
             <a:r>
-              <a:rPr lang="hr-HR" sz="1200" kern="1200" dirty="0" smtClean="0">
+              <a:rPr lang="hr-HR" sz="1200" kern="1200" dirty="0">
                 <a:solidFill>
                   <a:schemeClr val="tx1"/>
                 </a:solidFill>
@@ -2286,7 +2281,7 @@
           </a:p>
           <a:p>
             <a:r>
-              <a:rPr lang="mr-IN" sz="1200" kern="1200" dirty="0" smtClean="0">
+              <a:rPr lang="mr-IN" sz="1200" kern="1200" dirty="0">
                 <a:solidFill>
                   <a:schemeClr val="tx1"/>
                 </a:solidFill>
@@ -2299,7 +2294,7 @@
           </a:p>
           <a:p>
             <a:r>
-              <a:rPr lang="hr-HR" sz="1200" kern="1200" dirty="0" smtClean="0">
+              <a:rPr lang="hr-HR" sz="1200" kern="1200" dirty="0">
                 <a:solidFill>
                   <a:schemeClr val="tx1"/>
                 </a:solidFill>
@@ -2312,7 +2307,7 @@
           </a:p>
           <a:p>
             <a:r>
-              <a:rPr lang="hr-HR" sz="1200" kern="1200" dirty="0" smtClean="0">
+              <a:rPr lang="hr-HR" sz="1200" kern="1200" dirty="0">
                 <a:solidFill>
                   <a:schemeClr val="tx1"/>
                 </a:solidFill>
@@ -2325,7 +2320,7 @@
           </a:p>
           <a:p>
             <a:r>
-              <a:rPr lang="hr-HR" sz="1200" kern="1200" dirty="0" smtClean="0">
+              <a:rPr lang="hr-HR" sz="1200" kern="1200" dirty="0">
                 <a:solidFill>
                   <a:schemeClr val="tx1"/>
                 </a:solidFill>
@@ -2338,7 +2333,7 @@
           </a:p>
           <a:p>
             <a:r>
-              <a:rPr lang="hr-HR" sz="1200" kern="1200" dirty="0" smtClean="0">
+              <a:rPr lang="hr-HR" sz="1200" kern="1200" dirty="0">
                 <a:solidFill>
                   <a:schemeClr val="tx1"/>
                 </a:solidFill>
@@ -2351,7 +2346,7 @@
           </a:p>
           <a:p>
             <a:r>
-              <a:rPr lang="mr-IN" sz="1200" kern="1200" dirty="0" smtClean="0">
+              <a:rPr lang="mr-IN" sz="1200" kern="1200" dirty="0">
                 <a:solidFill>
                   <a:schemeClr val="tx1"/>
                 </a:solidFill>
@@ -2364,7 +2359,7 @@
           </a:p>
           <a:p>
             <a:r>
-              <a:rPr lang="hr-HR" sz="1200" kern="1200" dirty="0" smtClean="0">
+              <a:rPr lang="hr-HR" sz="1200" kern="1200" dirty="0">
                 <a:solidFill>
                   <a:schemeClr val="tx1"/>
                 </a:solidFill>
@@ -2377,7 +2372,7 @@
           </a:p>
           <a:p>
             <a:r>
-              <a:rPr lang="hr-HR" sz="1200" kern="1200" dirty="0" smtClean="0">
+              <a:rPr lang="hr-HR" sz="1200" kern="1200" dirty="0">
                 <a:solidFill>
                   <a:schemeClr val="tx1"/>
                 </a:solidFill>
@@ -2390,7 +2385,7 @@
           </a:p>
           <a:p>
             <a:r>
-              <a:rPr lang="hr-HR" sz="1200" kern="1200" dirty="0" smtClean="0">
+              <a:rPr lang="hr-HR" sz="1200" kern="1200" dirty="0">
                 <a:solidFill>
                   <a:schemeClr val="tx1"/>
                 </a:solidFill>
@@ -2403,7 +2398,7 @@
           </a:p>
           <a:p>
             <a:r>
-              <a:rPr lang="hr-HR" sz="1200" kern="1200" dirty="0" smtClean="0">
+              <a:rPr lang="hr-HR" sz="1200" kern="1200" dirty="0">
                 <a:solidFill>
                   <a:schemeClr val="tx1"/>
                 </a:solidFill>
@@ -2416,7 +2411,7 @@
           </a:p>
           <a:p>
             <a:r>
-              <a:rPr lang="mr-IN" sz="1200" kern="1200" dirty="0" smtClean="0">
+              <a:rPr lang="mr-IN" sz="1200" kern="1200" dirty="0">
                 <a:solidFill>
                   <a:schemeClr val="tx1"/>
                 </a:solidFill>
@@ -2511,7 +2506,7 @@
           <a:lstStyle/>
           <a:p>
             <a:r>
-              <a:rPr lang="mr-IN" sz="1200" kern="1200" dirty="0" smtClean="0">
+              <a:rPr lang="mr-IN" sz="1200" kern="1200" dirty="0">
                 <a:solidFill>
                   <a:schemeClr val="tx1"/>
                 </a:solidFill>
@@ -2525,7 +2520,7 @@
           </a:p>
           <a:p>
             <a:r>
-              <a:rPr lang="mr-IN" sz="1200" kern="1200" dirty="0" smtClean="0">
+              <a:rPr lang="mr-IN" sz="1200" kern="1200" dirty="0">
                 <a:solidFill>
                   <a:schemeClr val="tx1"/>
                 </a:solidFill>
@@ -2539,7 +2534,7 @@
           </a:p>
           <a:p>
             <a:r>
-              <a:rPr lang="mr-IN" sz="1200" kern="1200" dirty="0" smtClean="0">
+              <a:rPr lang="mr-IN" sz="1200" kern="1200" dirty="0">
                 <a:solidFill>
                   <a:schemeClr val="tx1"/>
                 </a:solidFill>
@@ -2553,7 +2548,7 @@
           </a:p>
           <a:p>
             <a:r>
-              <a:rPr lang="mr-IN" sz="1200" kern="1200" dirty="0" smtClean="0">
+              <a:rPr lang="mr-IN" sz="1200" kern="1200" dirty="0">
                 <a:solidFill>
                   <a:schemeClr val="tx1"/>
                 </a:solidFill>
@@ -2567,7 +2562,7 @@
           </a:p>
           <a:p>
             <a:r>
-              <a:rPr lang="mr-IN" sz="1200" kern="1200" dirty="0" smtClean="0">
+              <a:rPr lang="mr-IN" sz="1200" kern="1200" dirty="0">
                 <a:solidFill>
                   <a:schemeClr val="tx1"/>
                 </a:solidFill>
@@ -2581,7 +2576,7 @@
           </a:p>
           <a:p>
             <a:r>
-              <a:rPr lang="mr-IN" sz="1200" kern="1200" dirty="0" smtClean="0">
+              <a:rPr lang="mr-IN" sz="1200" kern="1200" dirty="0">
                 <a:solidFill>
                   <a:schemeClr val="tx1"/>
                 </a:solidFill>
@@ -2763,7 +2758,7 @@
           <a:lstStyle/>
           <a:p>
             <a:r>
-              <a:rPr lang="mr-IN" sz="1200" kern="1200" dirty="0" smtClean="0">
+              <a:rPr lang="mr-IN" sz="1200" kern="1200" dirty="0">
                 <a:solidFill>
                   <a:schemeClr val="tx1"/>
                 </a:solidFill>
@@ -2777,7 +2772,7 @@
           </a:p>
           <a:p>
             <a:r>
-              <a:rPr lang="mr-IN" sz="1200" kern="1200" dirty="0" smtClean="0">
+              <a:rPr lang="mr-IN" sz="1200" kern="1200" dirty="0">
                 <a:solidFill>
                   <a:schemeClr val="tx1"/>
                 </a:solidFill>
@@ -2791,7 +2786,7 @@
           </a:p>
           <a:p>
             <a:r>
-              <a:rPr lang="mr-IN" sz="1200" kern="1200" dirty="0" smtClean="0">
+              <a:rPr lang="mr-IN" sz="1200" kern="1200" dirty="0">
                 <a:solidFill>
                   <a:schemeClr val="tx1"/>
                 </a:solidFill>
@@ -2805,7 +2800,7 @@
           </a:p>
           <a:p>
             <a:r>
-              <a:rPr lang="mr-IN" sz="1200" kern="1200" dirty="0" smtClean="0">
+              <a:rPr lang="mr-IN" sz="1200" kern="1200" dirty="0">
                 <a:solidFill>
                   <a:schemeClr val="tx1"/>
                 </a:solidFill>
@@ -2920,7 +2915,7 @@
               <a:defRPr/>
             </a:pPr>
             <a:r>
-              <a:rPr lang="en-US" sz="1200" kern="1200" dirty="0" smtClean="0">
+              <a:rPr lang="en-US" sz="1200" kern="1200" dirty="0">
                 <a:solidFill>
                   <a:schemeClr val="tx1"/>
                 </a:solidFill>
@@ -2931,56 +2926,56 @@
               </a:rPr>
               <a:t>Observe what happens if you try to edit the sequence:</a:t>
             </a:r>
-            <a:endParaRPr lang="en-US" sz="1200" dirty="0" smtClean="0">
+            <a:endParaRPr lang="en-US" sz="1200" dirty="0">
               <a:latin typeface="Arial"/>
               <a:cs typeface="Arial"/>
             </a:endParaRPr>
           </a:p>
           <a:p>
             <a:r>
-              <a:rPr lang="en-US" sz="1200" dirty="0" smtClean="0">
+              <a:rPr lang="en-US" sz="1200" dirty="0">
                 <a:latin typeface="Arial"/>
                 <a:cs typeface="Arial"/>
               </a:rPr>
               <a:t>However, you can convert it into a mutable sequence (a</a:t>
             </a:r>
             <a:r>
-              <a:rPr lang="en-US" sz="1200" baseline="0" dirty="0" smtClean="0">
+              <a:rPr lang="en-US" sz="1200" baseline="0" dirty="0">
                 <a:latin typeface="Arial"/>
                 <a:cs typeface="Arial"/>
               </a:rPr>
               <a:t> </a:t>
             </a:r>
             <a:r>
-              <a:rPr lang="en-US" sz="1200" dirty="0" err="1" smtClean="0">
+              <a:rPr lang="en-US" sz="1200" dirty="0" err="1">
                 <a:latin typeface="Arial"/>
                 <a:cs typeface="Arial"/>
               </a:rPr>
               <a:t>MutableSeq</a:t>
             </a:r>
             <a:r>
-              <a:rPr lang="en-US" sz="1200" baseline="0" dirty="0" smtClean="0">
+              <a:rPr lang="en-US" sz="1200" baseline="0" dirty="0">
                 <a:latin typeface="Arial"/>
                 <a:cs typeface="Arial"/>
               </a:rPr>
               <a:t> </a:t>
             </a:r>
             <a:r>
-              <a:rPr lang="en-US" sz="1200" dirty="0" smtClean="0">
+              <a:rPr lang="en-US" sz="1200" dirty="0">
                 <a:latin typeface="Arial"/>
                 <a:cs typeface="Arial"/>
               </a:rPr>
               <a:t>object) and do pretty much anything</a:t>
             </a:r>
             <a:r>
-              <a:rPr lang="en-US" sz="1200" baseline="0" dirty="0" smtClean="0">
+              <a:rPr lang="en-US" sz="1200" baseline="0" dirty="0">
                 <a:latin typeface="Arial"/>
                 <a:cs typeface="Arial"/>
               </a:rPr>
               <a:t> </a:t>
             </a:r>
             <a:r>
-              <a:rPr lang="en-US" sz="1200" dirty="0" smtClean="0">
+              <a:rPr lang="en-US" sz="1200" dirty="0">
                 <a:latin typeface="Arial"/>
                 <a:cs typeface="Arial"/>
               </a:rPr>
@@ -3006,21 +3001,21 @@
               <a:defRPr/>
             </a:pPr>
             <a:r>
-              <a:rPr lang="en-US" sz="1200" dirty="0" smtClean="0">
+              <a:rPr lang="en-US" sz="1200" dirty="0">
                 <a:latin typeface="Arial"/>
                 <a:cs typeface="Arial"/>
               </a:rPr>
               <a:t>Alternatively, you can create a </a:t>
             </a:r>
             <a:r>
-              <a:rPr lang="en-US" sz="1200" dirty="0" err="1" smtClean="0">
+              <a:rPr lang="en-US" sz="1200" dirty="0" err="1">
                 <a:latin typeface="Arial"/>
                 <a:cs typeface="Arial"/>
               </a:rPr>
               <a:t>MutableSeq</a:t>
             </a:r>
             <a:r>
-              <a:rPr lang="en-US" sz="1200" dirty="0" smtClean="0">
+              <a:rPr lang="en-US" sz="1200" dirty="0">
                 <a:latin typeface="Arial"/>
                 <a:cs typeface="Arial"/>
               </a:rPr>
@@ -3028,7 +3023,7 @@
             </a:r>
           </a:p>
           <a:p>
-            <a:endParaRPr lang="en-US" sz="1200" dirty="0" smtClean="0">
+            <a:endParaRPr lang="en-US" sz="1200" dirty="0">
               <a:latin typeface="Arial"/>
               <a:cs typeface="Arial"/>
             </a:endParaRPr>
@@ -3119,7 +3114,7 @@
           <a:lstStyle/>
           <a:p>
             <a:r>
-              <a:rPr lang="en-US" dirty="0" smtClean="0"/>
+              <a:rPr lang="en-US" dirty="0"/>
               <a:t>specify the alphabet explicitly</a:t>
             </a:r>
             <a:endParaRPr lang="en-US" sz="1200" kern="1200" dirty="0">
@@ -3215,7 +3210,7 @@
           <a:lstStyle/>
           <a:p>
             <a:r>
-              <a:rPr lang="mr-IN" sz="1200" kern="1200" dirty="0" smtClean="0">
+              <a:rPr lang="mr-IN" sz="1200" kern="1200" dirty="0">
                 <a:solidFill>
                   <a:schemeClr val="tx1"/>
                 </a:solidFill>
@@ -3226,15 +3221,6 @@
               </a:rPr>
               <a:t>&gt;&gt;&gt; print(len(my_seq))</a:t>
             </a:r>
-            <a:endParaRPr lang="mr-IN" sz="1200" kern="1200" dirty="0">
-              <a:solidFill>
-                <a:schemeClr val="tx1"/>
-              </a:solidFill>
-              <a:effectLst/>
-              <a:latin typeface="+mn-lt"/>
-              <a:ea typeface="+mn-ea"/>
-              <a:cs typeface="+mn-cs"/>
-            </a:endParaRPr>
           </a:p>
         </p:txBody>
       </p:sp>
@@ -3319,92 +3305,92 @@
           <a:lstStyle/>
           <a:p>
             <a:r>
-              <a:rPr lang="en-US" dirty="0" smtClean="0"/>
+              <a:rPr lang="en-US" dirty="0"/>
               <a:t>&gt;&gt;&gt; from </a:t>
             </a:r>
             <a:r>
-              <a:rPr lang="en-US" dirty="0" err="1" smtClean="0"/>
+              <a:rPr lang="en-US" dirty="0" err="1"/>
               <a:t>Bio.Seq</a:t>
             </a:r>
             <a:r>
-              <a:rPr lang="en-US" dirty="0" smtClean="0"/>
+              <a:rPr lang="en-US" dirty="0"/>
               <a:t> import </a:t>
             </a:r>
             <a:r>
-              <a:rPr lang="en-US" dirty="0" err="1" smtClean="0"/>
+              <a:rPr lang="en-US" dirty="0" err="1"/>
               <a:t>Seq</a:t>
             </a:r>
-            <a:endParaRPr lang="en-US" dirty="0" smtClean="0"/>
-          </a:p>
-          <a:p>
-            <a:r>
-              <a:rPr lang="en-US" dirty="0" smtClean="0"/>
+            <a:endParaRPr lang="en-US" dirty="0"/>
+          </a:p>
+          <a:p>
+            <a:r>
+              <a:rPr lang="en-US" dirty="0"/>
               <a:t>&gt;&gt;&gt; from </a:t>
             </a:r>
             <a:r>
-              <a:rPr lang="en-US" dirty="0" err="1" smtClean="0"/>
+              <a:rPr lang="en-US" dirty="0" err="1"/>
               <a:t>Bio.Alphabet</a:t>
             </a:r>
             <a:r>
-              <a:rPr lang="en-US" dirty="0" smtClean="0"/>
+              <a:rPr lang="en-US" dirty="0"/>
               <a:t> import IUPAC</a:t>
             </a:r>
           </a:p>
           <a:p>
             <a:r>
-              <a:rPr lang="en-US" dirty="0" smtClean="0"/>
+              <a:rPr lang="en-US" dirty="0"/>
               <a:t>&gt;&gt;&gt; from </a:t>
             </a:r>
             <a:r>
-              <a:rPr lang="en-US" dirty="0" err="1" smtClean="0"/>
+              <a:rPr lang="en-US" dirty="0" err="1"/>
               <a:t>Bio.SeqUtils</a:t>
             </a:r>
             <a:r>
-              <a:rPr lang="en-US" dirty="0" smtClean="0"/>
+              <a:rPr lang="en-US" dirty="0"/>
               <a:t> import GC</a:t>
             </a:r>
           </a:p>
           <a:p>
             <a:r>
-              <a:rPr lang="en-US" dirty="0" smtClean="0"/>
+              <a:rPr lang="en-US" dirty="0"/>
               <a:t>&gt;&gt;&gt; </a:t>
             </a:r>
             <a:r>
-              <a:rPr lang="en-US" dirty="0" err="1" smtClean="0"/>
+              <a:rPr lang="en-US" dirty="0" err="1"/>
               <a:t>my_seq</a:t>
             </a:r>
             <a:r>
-              <a:rPr lang="en-US" dirty="0" smtClean="0"/>
+              <a:rPr lang="en-US" dirty="0"/>
               <a:t> = </a:t>
             </a:r>
             <a:r>
-              <a:rPr lang="en-US" dirty="0" err="1" smtClean="0"/>
+              <a:rPr lang="en-US" dirty="0" err="1"/>
               <a:t>Seq</a:t>
             </a:r>
             <a:r>
-              <a:rPr lang="en-US" dirty="0" smtClean="0"/>
+              <a:rPr lang="en-US" dirty="0"/>
               <a:t>('GATCGATGGGCCTATATAGGATCGAAAATCGC', </a:t>
             </a:r>
             <a:r>
-              <a:rPr lang="en-US" dirty="0" err="1" smtClean="0"/>
+              <a:rPr lang="en-US" dirty="0" err="1"/>
               <a:t>IUPAC.unambiguous_dna</a:t>
             </a:r>
             <a:r>
-              <a:rPr lang="en-US" dirty="0" smtClean="0"/>
+              <a:rPr lang="en-US" dirty="0"/>
               <a:t>)</a:t>
             </a:r>
           </a:p>
           <a:p>
             <a:r>
-              <a:rPr lang="en-US" dirty="0" smtClean="0"/>
+              <a:rPr lang="en-US" dirty="0"/>
               <a:t>&gt;&gt;&gt; GC(</a:t>
             </a:r>
             <a:r>
-              <a:rPr lang="en-US" dirty="0" err="1" smtClean="0"/>
+              <a:rPr lang="en-US" dirty="0" err="1"/>
               <a:t>my_seq</a:t>
             </a:r>
             <a:r>
-              <a:rPr lang="en-US" dirty="0" smtClean="0"/>
+              <a:rPr lang="en-US" dirty="0"/>
               <a:t>)</a:t>
             </a:r>
           </a:p>
@@ -3511,7 +3497,7 @@
               <a:defRPr/>
             </a:pPr>
             <a:r>
-              <a:rPr lang="en-US" dirty="0" smtClean="0"/>
+              <a:rPr lang="en-US" dirty="0"/>
               <a:t>First item is included (i.e. 4 in this case) and the last is excluded (12 in this case)</a:t>
             </a:r>
           </a:p>
@@ -3702,7 +3688,7 @@
               <a:defRPr/>
             </a:pPr>
             <a:r>
-              <a:rPr lang="en-US" dirty="0" smtClean="0"/>
+              <a:rPr lang="en-US" dirty="0"/>
               <a:t>Adding a generic nucleotide sequence to an unambiguous IUPAC DNA sequence, resulting in an ambiguous nucleotide sequence:</a:t>
             </a:r>
           </a:p>
@@ -3792,7 +3778,7 @@
           <a:lstStyle/>
           <a:p>
             <a:r>
-              <a:rPr lang="mr-IN" dirty="0" smtClean="0"/>
+              <a:rPr lang="mr-IN" dirty="0"/>
               <a:t>Seq('ACGTAACCGGTT', DNAAlphabet())</a:t>
             </a:r>
             <a:endParaRPr lang="fr-FR" dirty="0"/>
@@ -3897,7 +3883,7 @@
               <a:defRPr/>
             </a:pPr>
             <a:r>
-              <a:rPr kumimoji="0" lang="fr-FR" sz="1800" b="0" i="0" u="none" strike="noStrike" kern="0" cap="none" spc="0" normalizeH="0" baseline="0" noProof="0" dirty="0" smtClean="0">
+              <a:rPr kumimoji="0" lang="fr-FR" sz="1800" b="0" i="0" u="none" strike="noStrike" kern="0" cap="none" spc="0" normalizeH="0" baseline="0" noProof="0" dirty="0">
                 <a:ln>
                   <a:noFill/>
                 </a:ln>
@@ -3913,20 +3899,6 @@
               </a:rPr>
               <a:t> </a:t>
             </a:r>
-            <a:endParaRPr kumimoji="0" lang="fr-FR" sz="1800" b="0" i="0" u="none" strike="noStrike" kern="0" cap="none" spc="0" normalizeH="0" baseline="0" noProof="0" dirty="0">
-              <a:ln>
-                <a:noFill/>
-              </a:ln>
-              <a:solidFill>
-                <a:srgbClr val="000000"/>
-              </a:solidFill>
-              <a:effectLst/>
-              <a:uLnTx/>
-              <a:uFillTx/>
-              <a:latin typeface="Arial"/>
-              <a:ea typeface="+mn-ea"/>
-              <a:cs typeface="+mn-cs"/>
-            </a:endParaRPr>
           </a:p>
         </p:txBody>
       </p:sp>
@@ -4063,7 +4035,7 @@
               <a:defRPr/>
             </a:pPr>
             <a:r>
-              <a:rPr kumimoji="0" lang="fr-FR" sz="1800" b="0" i="0" u="none" strike="noStrike" kern="0" cap="none" spc="0" normalizeH="0" baseline="0" noProof="0" dirty="0" smtClean="0">
+              <a:rPr kumimoji="0" lang="fr-FR" sz="1800" b="0" i="0" u="none" strike="noStrike" kern="0" cap="none" spc="0" normalizeH="0" baseline="0" noProof="0" dirty="0">
                 <a:ln>
                   <a:noFill/>
                 </a:ln>
@@ -4076,17 +4048,6 @@
               </a:rPr>
               <a:t>Cliquez pour modifier le style des sous-titres du masque</a:t>
             </a:r>
-            <a:endParaRPr kumimoji="0" lang="fr-FR" sz="1800" b="0" i="0" u="none" strike="noStrike" kern="0" cap="none" spc="0" normalizeH="0" baseline="0" noProof="0" dirty="0">
-              <a:ln>
-                <a:noFill/>
-              </a:ln>
-              <a:solidFill>
-                <a:srgbClr val="FFFFFF"/>
-              </a:solidFill>
-              <a:effectLst/>
-              <a:uLnTx/>
-              <a:uFillTx/>
-            </a:endParaRPr>
           </a:p>
         </p:txBody>
       </p:sp>
@@ -4149,10 +4110,9 @@
           </a:lstStyle>
           <a:p>
             <a:r>
-              <a:rPr lang="fr-FR" dirty="0" smtClean="0"/>
+              <a:rPr lang="fr-FR" dirty="0"/>
               <a:t>Cliquez et modifiez le titre</a:t>
             </a:r>
-            <a:endParaRPr lang="fr-FR" dirty="0"/>
           </a:p>
         </p:txBody>
       </p:sp>
@@ -4166,13 +4126,6 @@
   <p:clrMapOvr>
     <a:masterClrMapping/>
   </p:clrMapOvr>
-  <p:timing>
-    <p:tnLst>
-      <p:par>
-        <p:cTn xmlns:p14="http://schemas.microsoft.com/office/powerpoint/2010/main" id="1" dur="indefinite" restart="never" nodeType="tmRoot"/>
-      </p:par>
-    </p:tnLst>
-  </p:timing>
 </p:sldLayout>
 </file>
 
@@ -4316,18 +4269,13 @@
           <a:p>
             <a:pPr algn="ctr"/>
             <a:r>
-              <a:rPr lang="fr-FR" dirty="0" smtClean="0">
+              <a:rPr lang="fr-FR" dirty="0">
                 <a:solidFill>
                   <a:schemeClr val="bg1"/>
                 </a:solidFill>
               </a:rPr>
               <a:t> </a:t>
             </a:r>
-            <a:endParaRPr lang="fr-FR" dirty="0">
-              <a:solidFill>
-                <a:schemeClr val="bg1"/>
-              </a:solidFill>
-            </a:endParaRPr>
           </a:p>
         </p:txBody>
       </p:sp>
@@ -4375,18 +4323,13 @@
           <a:p>
             <a:pPr algn="ctr"/>
             <a:r>
-              <a:rPr lang="fr-FR" dirty="0" smtClean="0">
+              <a:rPr lang="fr-FR" dirty="0">
                 <a:solidFill>
                   <a:schemeClr val="bg1"/>
                 </a:solidFill>
               </a:rPr>
               <a:t> </a:t>
             </a:r>
-            <a:endParaRPr lang="fr-FR" dirty="0">
-              <a:solidFill>
-                <a:schemeClr val="bg1"/>
-              </a:solidFill>
-            </a:endParaRPr>
           </a:p>
         </p:txBody>
       </p:sp>
@@ -4400,13 +4343,6 @@
   <p:clrMapOvr>
     <a:masterClrMapping/>
   </p:clrMapOvr>
-  <p:timing>
-    <p:tnLst>
-      <p:par>
-        <p:cTn xmlns:p14="http://schemas.microsoft.com/office/powerpoint/2010/main" id="1" dur="indefinite" restart="never" nodeType="tmRoot"/>
-      </p:par>
-    </p:tnLst>
-  </p:timing>
 </p:sldLayout>
 </file>
 
@@ -4506,10 +4442,9 @@
           </a:lstStyle>
           <a:p>
             <a:r>
-              <a:rPr lang="fr-FR" dirty="0" smtClean="0"/>
+              <a:rPr lang="fr-FR" dirty="0"/>
               <a:t>Cliquez et modifiez le titre</a:t>
             </a:r>
-            <a:endParaRPr lang="fr-FR" dirty="0"/>
           </a:p>
         </p:txBody>
       </p:sp>
@@ -4641,7 +4576,7 @@
               <a:defRPr/>
             </a:pPr>
             <a:r>
-              <a:rPr kumimoji="0" lang="fr-FR" sz="2000" b="0" i="0" u="none" strike="noStrike" kern="1200" cap="none" spc="0" normalizeH="0" baseline="0" noProof="0" dirty="0" smtClean="0">
+              <a:rPr kumimoji="0" lang="fr-FR" sz="2000" b="0" i="0" u="none" strike="noStrike" kern="1200" cap="none" spc="0" normalizeH="0" baseline="0" noProof="0" dirty="0">
                 <a:ln>
                   <a:noFill/>
                 </a:ln>
@@ -4679,7 +4614,7 @@
               <a:defRPr/>
             </a:pPr>
             <a:r>
-              <a:rPr kumimoji="0" lang="fr-FR" sz="1600" b="0" i="0" u="none" strike="noStrike" kern="1200" cap="none" spc="0" normalizeH="0" baseline="0" noProof="0" dirty="0" smtClean="0">
+              <a:rPr kumimoji="0" lang="fr-FR" sz="1600" b="0" i="0" u="none" strike="noStrike" kern="1200" cap="none" spc="0" normalizeH="0" baseline="0" noProof="0" dirty="0">
                 <a:ln>
                   <a:noFill/>
                 </a:ln>
@@ -4715,7 +4650,7 @@
               <a:defRPr/>
             </a:pPr>
             <a:r>
-              <a:rPr kumimoji="0" lang="fr-FR" sz="1600" b="0" i="0" u="none" strike="noStrike" kern="1200" cap="none" spc="0" normalizeH="0" baseline="0" noProof="0" dirty="0" smtClean="0">
+              <a:rPr kumimoji="0" lang="fr-FR" sz="1600" b="0" i="0" u="none" strike="noStrike" kern="1200" cap="none" spc="0" normalizeH="0" baseline="0" noProof="0" dirty="0">
                 <a:ln>
                   <a:noFill/>
                 </a:ln>
@@ -4751,7 +4686,7 @@
               <a:defRPr/>
             </a:pPr>
             <a:r>
-              <a:rPr kumimoji="0" lang="fr-FR" sz="1600" b="0" i="0" u="none" strike="noStrike" kern="1200" cap="none" spc="0" normalizeH="0" baseline="0" noProof="0" dirty="0" smtClean="0">
+              <a:rPr kumimoji="0" lang="fr-FR" sz="1600" b="0" i="0" u="none" strike="noStrike" kern="1200" cap="none" spc="0" normalizeH="0" baseline="0" noProof="0" dirty="0">
                 <a:ln>
                   <a:noFill/>
                 </a:ln>
@@ -4787,7 +4722,7 @@
               <a:defRPr/>
             </a:pPr>
             <a:r>
-              <a:rPr kumimoji="0" lang="fr-FR" sz="1600" b="0" i="0" u="none" strike="noStrike" kern="1200" cap="none" spc="0" normalizeH="0" baseline="0" noProof="0" dirty="0" smtClean="0">
+              <a:rPr kumimoji="0" lang="fr-FR" sz="1600" b="0" i="0" u="none" strike="noStrike" kern="1200" cap="none" spc="0" normalizeH="0" baseline="0" noProof="0" dirty="0">
                 <a:ln>
                   <a:noFill/>
                 </a:ln>
@@ -4803,20 +4738,6 @@
               </a:rPr>
               <a:t>Cinquième niveau</a:t>
             </a:r>
-            <a:endParaRPr kumimoji="0" lang="fr-FR" sz="1600" b="0" i="0" u="none" strike="noStrike" kern="1200" cap="none" spc="0" normalizeH="0" baseline="0" noProof="0" dirty="0">
-              <a:ln>
-                <a:noFill/>
-              </a:ln>
-              <a:solidFill>
-                <a:srgbClr val="000000"/>
-              </a:solidFill>
-              <a:effectLst/>
-              <a:uLnTx/>
-              <a:uFillTx/>
-              <a:latin typeface="+mn-lt"/>
-              <a:ea typeface="+mn-ea"/>
-              <a:cs typeface="+mn-cs"/>
-            </a:endParaRPr>
           </a:p>
         </p:txBody>
       </p:sp>
@@ -4853,7 +4774,7 @@
           <a:p>
             <a:fld id="{751463B9-2A29-154C-A5AC-383AEA094CA9}" type="datetime1">
               <a:rPr lang="fr-FR" smtClean="0"/>
-              <a:t>16/11/16</a:t>
+              <a:t>08/11/2018</a:t>
             </a:fld>
             <a:endParaRPr lang="fr-FR" dirty="0"/>
           </a:p>
@@ -4891,7 +4812,7 @@
           </a:lstStyle>
           <a:p>
             <a:r>
-              <a:rPr lang="fr-FR" smtClean="0"/>
+              <a:rPr lang="fr-FR"/>
               <a:t>Python pour la biologie</a:t>
             </a:r>
             <a:endParaRPr lang="fr-FR" dirty="0"/>
@@ -4932,7 +4853,7 @@
             <a:fld id="{DCE37727-CC04-7A46-938D-2CCFF056F773}" type="slidenum">
               <a:rPr lang="fr-FR" smtClean="0"/>
               <a:pPr/>
-              <a:t>‹#›</a:t>
+              <a:t>‹N°›</a:t>
             </a:fld>
             <a:endParaRPr lang="fr-FR" dirty="0"/>
           </a:p>
@@ -5004,13 +4925,6 @@
   <p:clrMapOvr>
     <a:masterClrMapping/>
   </p:clrMapOvr>
-  <p:timing>
-    <p:tnLst>
-      <p:par>
-        <p:cTn xmlns:p14="http://schemas.microsoft.com/office/powerpoint/2010/main" id="1" dur="indefinite" restart="never" nodeType="tmRoot"/>
-      </p:par>
-    </p:tnLst>
-  </p:timing>
 </p:sldLayout>
 </file>
 
@@ -5086,38 +5000,37 @@
           <a:p>
             <a:pPr lvl="0"/>
             <a:r>
-              <a:rPr lang="fr-FR" dirty="0" smtClean="0"/>
+              <a:rPr lang="fr-FR" dirty="0"/>
               <a:t>Cliquez pour modifier les styles du texte du masque</a:t>
             </a:r>
           </a:p>
           <a:p>
             <a:pPr lvl="1"/>
             <a:r>
-              <a:rPr lang="fr-FR" dirty="0" smtClean="0"/>
+              <a:rPr lang="fr-FR" dirty="0"/>
               <a:t>Deuxième niveau</a:t>
             </a:r>
           </a:p>
           <a:p>
             <a:pPr lvl="2"/>
             <a:r>
-              <a:rPr lang="fr-FR" dirty="0" smtClean="0"/>
+              <a:rPr lang="fr-FR" dirty="0"/>
               <a:t>Troisième niveau</a:t>
             </a:r>
           </a:p>
           <a:p>
             <a:pPr lvl="3"/>
             <a:r>
-              <a:rPr lang="fr-FR" dirty="0" smtClean="0"/>
+              <a:rPr lang="fr-FR" dirty="0"/>
               <a:t>Quatrième niveau</a:t>
             </a:r>
           </a:p>
           <a:p>
             <a:pPr lvl="4"/>
             <a:r>
-              <a:rPr lang="fr-FR" dirty="0" smtClean="0"/>
+              <a:rPr lang="fr-FR" dirty="0"/>
               <a:t>Cinquième niveau</a:t>
             </a:r>
-            <a:endParaRPr lang="fr-FR" dirty="0"/>
           </a:p>
         </p:txBody>
       </p:sp>
@@ -5176,38 +5089,37 @@
           <a:p>
             <a:pPr lvl="0"/>
             <a:r>
-              <a:rPr lang="fr-FR" dirty="0" smtClean="0"/>
+              <a:rPr lang="fr-FR" dirty="0"/>
               <a:t>Cliquez pour modifier les styles du texte du masque</a:t>
             </a:r>
           </a:p>
           <a:p>
             <a:pPr lvl="1"/>
             <a:r>
-              <a:rPr lang="fr-FR" dirty="0" smtClean="0"/>
+              <a:rPr lang="fr-FR" dirty="0"/>
               <a:t>Deuxième niveau</a:t>
             </a:r>
           </a:p>
           <a:p>
             <a:pPr lvl="2"/>
             <a:r>
-              <a:rPr lang="fr-FR" dirty="0" smtClean="0"/>
+              <a:rPr lang="fr-FR" dirty="0"/>
               <a:t>Troisième niveau</a:t>
             </a:r>
           </a:p>
           <a:p>
             <a:pPr lvl="3"/>
             <a:r>
-              <a:rPr lang="fr-FR" dirty="0" smtClean="0"/>
+              <a:rPr lang="fr-FR" dirty="0"/>
               <a:t>Quatrième niveau</a:t>
             </a:r>
           </a:p>
           <a:p>
             <a:pPr lvl="4"/>
             <a:r>
-              <a:rPr lang="fr-FR" dirty="0" smtClean="0"/>
+              <a:rPr lang="fr-FR" dirty="0"/>
               <a:t>Cinquième niveau</a:t>
             </a:r>
-            <a:endParaRPr lang="fr-FR" dirty="0"/>
           </a:p>
         </p:txBody>
       </p:sp>
@@ -5290,10 +5202,9 @@
           </a:lstStyle>
           <a:p>
             <a:r>
-              <a:rPr lang="fr-FR" dirty="0" smtClean="0"/>
+              <a:rPr lang="fr-FR" dirty="0"/>
               <a:t>Cliquez et modifiez le titre</a:t>
             </a:r>
-            <a:endParaRPr lang="fr-FR" dirty="0"/>
           </a:p>
         </p:txBody>
       </p:sp>
@@ -5354,7 +5265,7 @@
           <a:p>
             <a:fld id="{093F68C3-195D-9E4F-A0F2-F73993E4FFAC}" type="datetime1">
               <a:rPr lang="fr-FR" smtClean="0"/>
-              <a:t>16/11/16</a:t>
+              <a:t>08/11/2018</a:t>
             </a:fld>
             <a:endParaRPr lang="fr-FR" dirty="0"/>
           </a:p>
@@ -5392,7 +5303,7 @@
           </a:lstStyle>
           <a:p>
             <a:r>
-              <a:rPr lang="fr-FR" smtClean="0"/>
+              <a:rPr lang="fr-FR"/>
               <a:t>Python pour la biologie</a:t>
             </a:r>
             <a:endParaRPr lang="fr-FR" dirty="0"/>
@@ -5433,7 +5344,7 @@
             <a:fld id="{DCE37727-CC04-7A46-938D-2CCFF056F773}" type="slidenum">
               <a:rPr lang="fr-FR" smtClean="0"/>
               <a:pPr/>
-              <a:t>‹#›</a:t>
+              <a:t>‹N°›</a:t>
             </a:fld>
             <a:endParaRPr lang="fr-FR" dirty="0"/>
           </a:p>
@@ -5481,13 +5392,6 @@
   <p:clrMapOvr>
     <a:masterClrMapping/>
   </p:clrMapOvr>
-  <p:timing>
-    <p:tnLst>
-      <p:par>
-        <p:cTn xmlns:p14="http://schemas.microsoft.com/office/powerpoint/2010/main" id="1" dur="indefinite" restart="never" nodeType="tmRoot"/>
-      </p:par>
-    </p:tnLst>
-  </p:timing>
 </p:sldLayout>
 </file>
 
@@ -5575,18 +5479,13 @@
           <a:lstStyle/>
           <a:p>
             <a:r>
-              <a:rPr lang="fr-FR" sz="3200" dirty="0" smtClean="0">
+              <a:rPr lang="fr-FR" sz="3200" dirty="0">
                 <a:solidFill>
                   <a:srgbClr val="009DE0"/>
                 </a:solidFill>
               </a:rPr>
               <a:t>Chapitre 2</a:t>
             </a:r>
-            <a:endParaRPr lang="fr-FR" sz="3200" dirty="0">
-              <a:solidFill>
-                <a:srgbClr val="009DE0"/>
-              </a:solidFill>
-            </a:endParaRPr>
           </a:p>
         </p:txBody>
       </p:sp>
@@ -5682,13 +5581,6 @@
   <p:clrMapOvr>
     <a:masterClrMapping/>
   </p:clrMapOvr>
-  <p:timing>
-    <p:tnLst>
-      <p:par>
-        <p:cTn xmlns:p14="http://schemas.microsoft.com/office/powerpoint/2010/main" id="1" dur="indefinite" restart="never" nodeType="tmRoot"/>
-      </p:par>
-    </p:tnLst>
-  </p:timing>
 </p:sldLayout>
 </file>
 
@@ -5877,21 +5769,8 @@
                   <a:srgbClr val="FFFFFF"/>
                 </a:solidFill>
               </a:rPr>
-              <a:t>ditione dic tem hiciliciist, con rem aut volest, sedi doles erro te sa sam volum dolumqui aceprae eicipsa </a:t>
-            </a:r>
-            <a:r>
-              <a:rPr lang="fr-FR" baseline="30000" dirty="0" smtClean="0">
-                <a:solidFill>
-                  <a:srgbClr val="FFFFFF"/>
-                </a:solidFill>
-              </a:rPr>
-              <a:t>pelesequod</a:t>
-            </a:r>
-            <a:endParaRPr lang="fr-FR" baseline="30000" dirty="0">
-              <a:solidFill>
-                <a:srgbClr val="FFFFFF"/>
-              </a:solidFill>
-            </a:endParaRPr>
+              <a:t>ditione dic tem hiciliciist, con rem aut volest, sedi doles erro te sa sam volum dolumqui aceprae eicipsa pelesequod</a:t>
+            </a:r>
           </a:p>
         </p:txBody>
       </p:sp>
@@ -6092,18 +5971,13 @@
               <a:buNone/>
             </a:pPr>
             <a:r>
-              <a:rPr lang="fr-FR" sz="1200" b="1" dirty="0" smtClean="0">
+              <a:rPr lang="fr-FR" sz="1200" b="1" dirty="0">
                 <a:solidFill>
                   <a:schemeClr val="accent1"/>
                 </a:solidFill>
               </a:rPr>
               <a:t>titre</a:t>
             </a:r>
-            <a:endParaRPr lang="fr-FR" sz="1200" b="1" dirty="0">
-              <a:solidFill>
-                <a:schemeClr val="accent1"/>
-              </a:solidFill>
-            </a:endParaRPr>
           </a:p>
         </p:txBody>
       </p:sp>
@@ -6302,18 +6176,13 @@
               <a:buNone/>
             </a:pPr>
             <a:r>
-              <a:rPr lang="fr-FR" sz="1200" b="1" dirty="0" smtClean="0">
+              <a:rPr lang="fr-FR" sz="1200" b="1" dirty="0">
                 <a:solidFill>
                   <a:srgbClr val="FFFFFF"/>
                 </a:solidFill>
               </a:rPr>
               <a:t>titre</a:t>
             </a:r>
-            <a:endParaRPr lang="fr-FR" sz="1200" b="1" dirty="0">
-              <a:solidFill>
-                <a:srgbClr val="FFFFFF"/>
-              </a:solidFill>
-            </a:endParaRPr>
           </a:p>
         </p:txBody>
       </p:sp>
@@ -6351,19 +6220,14 @@
               <a:rPr lang="fr-FR" sz="3200" b="1" baseline="30000" dirty="0"/>
               <a:t>Itas eaquis et </a:t>
             </a:r>
-            <a:endParaRPr lang="fr-FR" sz="3200" b="1" baseline="30000" dirty="0" smtClean="0"/>
           </a:p>
           <a:p>
             <a:pPr>
               <a:buSzPct val="90000"/>
             </a:pPr>
             <a:r>
-              <a:rPr lang="fr-FR" sz="2400" b="1" baseline="30000" dirty="0" smtClean="0"/>
-              <a:t>excerferum </a:t>
-            </a:r>
-            <a:r>
               <a:rPr lang="fr-FR" sz="2400" b="1" baseline="30000" dirty="0"/>
-              <a:t>nuscien </a:t>
+              <a:t>excerferum nuscien </a:t>
             </a:r>
             <a:r>
               <a:rPr lang="fr-FR" sz="2400" baseline="30000" dirty="0"/>
@@ -6460,7 +6324,7 @@
               <a:t>, </a:t>
             </a:r>
             <a:r>
-              <a:rPr lang="fr-FR" sz="2400" baseline="30000" dirty="0" err="1" smtClean="0"/>
+              <a:rPr lang="fr-FR" sz="2400" baseline="30000" dirty="0" err="1"/>
               <a:t>iliquo</a:t>
             </a:r>
             <a:endParaRPr lang="fr-FR" sz="2400" baseline="30000" dirty="0"/>
@@ -6475,11 +6339,11 @@
               <a:buChar char="›"/>
             </a:pPr>
             <a:r>
-              <a:rPr lang="fr-FR" sz="2400" baseline="30000" dirty="0" err="1" smtClean="0"/>
+              <a:rPr lang="fr-FR" sz="2400" baseline="30000" dirty="0" err="1"/>
               <a:t>omnis</a:t>
             </a:r>
             <a:r>
-              <a:rPr lang="fr-FR" sz="2400" baseline="30000" dirty="0" smtClean="0"/>
+              <a:rPr lang="fr-FR" sz="2400" baseline="30000" dirty="0"/>
               <a:t> </a:t>
             </a:r>
             <a:r>
@@ -6563,71 +6427,71 @@
               <a:t> </a:t>
             </a:r>
             <a:r>
-              <a:rPr lang="fr-FR" sz="2400" baseline="30000" dirty="0" err="1" smtClean="0"/>
+              <a:rPr lang="fr-FR" sz="2400" baseline="30000" dirty="0" err="1"/>
               <a:t>iliciae</a:t>
             </a:r>
             <a:r>
-              <a:rPr lang="fr-FR" sz="2400" baseline="30000" dirty="0" smtClean="0"/>
+              <a:rPr lang="fr-FR" sz="2400" baseline="30000" dirty="0"/>
               <a:t> </a:t>
             </a:r>
             <a:r>
-              <a:rPr lang="fr-FR" sz="2400" baseline="30000" dirty="0" err="1" smtClean="0"/>
+              <a:rPr lang="fr-FR" sz="2400" baseline="30000" dirty="0" err="1"/>
               <a:t>cepernat</a:t>
             </a:r>
             <a:r>
-              <a:rPr lang="fr-FR" sz="2400" baseline="30000" dirty="0" smtClean="0"/>
+              <a:rPr lang="fr-FR" sz="2400" baseline="30000" dirty="0"/>
               <a:t> </a:t>
             </a:r>
             <a:r>
-              <a:rPr lang="fr-FR" sz="2400" baseline="30000" dirty="0" err="1" smtClean="0"/>
+              <a:rPr lang="fr-FR" sz="2400" baseline="30000" dirty="0" err="1"/>
               <a:t>fugitas</a:t>
             </a:r>
             <a:r>
-              <a:rPr lang="fr-FR" sz="2400" baseline="30000" dirty="0" smtClean="0"/>
+              <a:rPr lang="fr-FR" sz="2400" baseline="30000" dirty="0"/>
               <a:t> sa </a:t>
             </a:r>
             <a:r>
-              <a:rPr lang="fr-FR" sz="2400" baseline="30000" dirty="0" err="1" smtClean="0"/>
+              <a:rPr lang="fr-FR" sz="2400" baseline="30000" dirty="0" err="1"/>
               <a:t>conse</a:t>
             </a:r>
             <a:r>
-              <a:rPr lang="fr-FR" sz="2400" baseline="30000" dirty="0" smtClean="0"/>
+              <a:rPr lang="fr-FR" sz="2400" baseline="30000" dirty="0"/>
               <a:t> </a:t>
             </a:r>
             <a:r>
-              <a:rPr lang="fr-FR" sz="2400" baseline="30000" dirty="0" err="1" smtClean="0"/>
+              <a:rPr lang="fr-FR" sz="2400" baseline="30000" dirty="0" err="1"/>
               <a:t>molo</a:t>
             </a:r>
             <a:r>
-              <a:rPr lang="fr-FR" sz="2400" baseline="30000" dirty="0" smtClean="0"/>
+              <a:rPr lang="fr-FR" sz="2400" baseline="30000" dirty="0"/>
               <a:t> </a:t>
             </a:r>
             <a:r>
-              <a:rPr lang="fr-FR" sz="2400" baseline="30000" dirty="0" err="1" smtClean="0"/>
+              <a:rPr lang="fr-FR" sz="2400" baseline="30000" dirty="0" err="1"/>
               <a:t>modi</a:t>
             </a:r>
             <a:r>
-              <a:rPr lang="fr-FR" sz="2400" baseline="30000" dirty="0" smtClean="0"/>
+              <a:rPr lang="fr-FR" sz="2400" baseline="30000" dirty="0"/>
               <a:t> </a:t>
             </a:r>
             <a:r>
-              <a:rPr lang="fr-FR" sz="2400" baseline="30000" dirty="0" err="1" smtClean="0"/>
+              <a:rPr lang="fr-FR" sz="2400" baseline="30000" dirty="0" err="1"/>
               <a:t>berecti</a:t>
             </a:r>
             <a:r>
-              <a:rPr lang="fr-FR" sz="2400" baseline="30000" dirty="0" smtClean="0"/>
+              <a:rPr lang="fr-FR" sz="2400" baseline="30000" dirty="0"/>
               <a:t> tem </a:t>
             </a:r>
             <a:r>
-              <a:rPr lang="fr-FR" sz="2400" baseline="30000" dirty="0" err="1" smtClean="0"/>
+              <a:rPr lang="fr-FR" sz="2400" baseline="30000" dirty="0" err="1"/>
               <a:t>ius</a:t>
             </a:r>
             <a:r>
-              <a:rPr lang="fr-FR" sz="2400" baseline="30000" dirty="0" smtClean="0"/>
+              <a:rPr lang="fr-FR" sz="2400" baseline="30000" dirty="0"/>
               <a:t>, officie </a:t>
             </a:r>
             <a:r>
-              <a:rPr lang="fr-FR" sz="2400" baseline="30000" dirty="0" err="1" smtClean="0"/>
+              <a:rPr lang="fr-FR" sz="2400" baseline="30000" dirty="0" err="1"/>
               <a:t>ndiscipsam</a:t>
             </a:r>
             <a:endParaRPr lang="fr-FR" sz="2400" i="1" dirty="0"/>
@@ -6713,10 +6577,9 @@
           </a:lstStyle>
           <a:p>
             <a:r>
-              <a:rPr lang="fr-FR" dirty="0" smtClean="0"/>
+              <a:rPr lang="fr-FR" dirty="0"/>
               <a:t>Cliquez et modifiez le titre</a:t>
             </a:r>
-            <a:endParaRPr lang="fr-FR" dirty="0"/>
           </a:p>
         </p:txBody>
       </p:sp>
@@ -6777,7 +6640,7 @@
           <a:p>
             <a:fld id="{797E56E4-32A0-A24B-AE7B-5E5E4DFEC148}" type="datetime1">
               <a:rPr lang="fr-FR" smtClean="0"/>
-              <a:t>16/11/16</a:t>
+              <a:t>08/11/2018</a:t>
             </a:fld>
             <a:endParaRPr lang="fr-FR" dirty="0"/>
           </a:p>
@@ -6815,10 +6678,9 @@
           </a:lstStyle>
           <a:p>
             <a:r>
-              <a:rPr lang="fr-FR" smtClean="0"/>
+              <a:rPr lang="fr-FR"/>
               <a:t>Python pour la biologie</a:t>
             </a:r>
-            <a:endParaRPr lang="fr-FR"/>
           </a:p>
         </p:txBody>
       </p:sp>
@@ -6856,7 +6718,7 @@
             <a:fld id="{DCE37727-CC04-7A46-938D-2CCFF056F773}" type="slidenum">
               <a:rPr lang="fr-FR" smtClean="0"/>
               <a:pPr/>
-              <a:t>‹#›</a:t>
+              <a:t>‹N°›</a:t>
             </a:fld>
             <a:endParaRPr lang="fr-FR"/>
           </a:p>
@@ -7089,18 +6951,13 @@
               <a:buNone/>
             </a:pPr>
             <a:r>
-              <a:rPr lang="fr-FR" sz="1200" b="1" dirty="0" smtClean="0">
+              <a:rPr lang="fr-FR" sz="1200" b="1" dirty="0">
                 <a:solidFill>
                   <a:srgbClr val="FFFFFF"/>
                 </a:solidFill>
               </a:rPr>
               <a:t>titre</a:t>
             </a:r>
-            <a:endParaRPr lang="fr-FR" sz="1200" b="1" dirty="0">
-              <a:solidFill>
-                <a:srgbClr val="FFFFFF"/>
-              </a:solidFill>
-            </a:endParaRPr>
           </a:p>
         </p:txBody>
       </p:sp>
@@ -7114,13 +6971,6 @@
   <p:clrMapOvr>
     <a:masterClrMapping/>
   </p:clrMapOvr>
-  <p:timing>
-    <p:tnLst>
-      <p:par>
-        <p:cTn xmlns:p14="http://schemas.microsoft.com/office/powerpoint/2010/main" id="1" dur="indefinite" restart="never" nodeType="tmRoot"/>
-      </p:par>
-    </p:tnLst>
-  </p:timing>
 </p:sldLayout>
 </file>
 
@@ -7211,10 +7061,9 @@
               <a:tabLst/>
             </a:pPr>
             <a:r>
-              <a:rPr lang="fr-FR" sz="2800" b="1" i="0" baseline="30000" dirty="0" smtClean="0"/>
+              <a:rPr lang="fr-FR" sz="2800" b="1" i="0" baseline="30000" dirty="0"/>
               <a:t>excerferum nuscien</a:t>
             </a:r>
-            <a:endParaRPr lang="fr-FR" sz="2800" b="1" i="0" baseline="30000" dirty="0"/>
           </a:p>
           <a:p>
             <a:pPr marL="355600" indent="-355600" defTabSz="541338">
@@ -7230,14 +7079,9 @@
               <a:tabLst/>
             </a:pPr>
             <a:r>
-              <a:rPr lang="fr-FR" sz="2800" b="1" i="0" baseline="30000" dirty="0" smtClean="0"/>
-              <a:t>ditione </a:t>
-            </a:r>
-            <a:r>
               <a:rPr lang="fr-FR" sz="2800" b="1" i="0" baseline="30000" dirty="0"/>
-              <a:t>dic tem hiciliciist, con rem aut volest, sedi doles </a:t>
-            </a:r>
-            <a:endParaRPr lang="fr-FR" sz="2800" b="1" i="0" baseline="30000" dirty="0" smtClean="0"/>
+              <a:t>ditione dic tem hiciliciist, con rem aut volest, sedi doles </a:t>
+            </a:r>
           </a:p>
           <a:p>
             <a:pPr marL="355600" indent="-355600" defTabSz="541338">
@@ -7253,16 +7097,12 @@
               <a:tabLst/>
             </a:pPr>
             <a:r>
-              <a:rPr lang="fr-FR" sz="2800" b="1" i="0" baseline="30000" dirty="0" err="1" smtClean="0"/>
+              <a:rPr lang="fr-FR" sz="2800" b="1" i="0" baseline="30000" dirty="0" err="1"/>
               <a:t>erro</a:t>
             </a:r>
             <a:r>
-              <a:rPr lang="fr-FR" sz="2800" b="1" i="0" baseline="30000" dirty="0" smtClean="0"/>
-              <a:t> </a:t>
-            </a:r>
-            <a:r>
               <a:rPr lang="fr-FR" sz="2800" b="1" i="0" baseline="30000" dirty="0"/>
-              <a:t>te sa </a:t>
+              <a:t> te sa </a:t>
             </a:r>
             <a:r>
               <a:rPr lang="fr-FR" sz="2800" b="1" i="0" baseline="30000" dirty="0" err="1"/>
@@ -7297,10 +7137,10 @@
               <a:t> </a:t>
             </a:r>
             <a:r>
-              <a:rPr lang="fr-FR" sz="2800" b="1" i="0" baseline="30000" dirty="0" err="1" smtClean="0"/>
+              <a:rPr lang="fr-FR" sz="2800" b="1" i="0" baseline="30000" dirty="0" err="1"/>
               <a:t>eicipsa</a:t>
             </a:r>
-            <a:endParaRPr lang="fr-FR" sz="2800" b="1" i="0" baseline="30000" dirty="0" smtClean="0"/>
+            <a:endParaRPr lang="fr-FR" sz="2800" b="1" i="0" baseline="30000" dirty="0"/>
           </a:p>
           <a:p>
             <a:pPr marL="355600" indent="-355600" defTabSz="541338">
@@ -7316,19 +7156,15 @@
               <a:tabLst/>
             </a:pPr>
             <a:r>
-              <a:rPr lang="fr-FR" sz="2800" b="1" i="0" baseline="30000" dirty="0" err="1" smtClean="0"/>
+              <a:rPr lang="fr-FR" sz="2800" b="1" i="0" baseline="30000" dirty="0" err="1"/>
               <a:t>pelesequod</a:t>
             </a:r>
             <a:r>
-              <a:rPr lang="fr-FR" sz="2800" b="1" i="0" baseline="30000" dirty="0" smtClean="0"/>
-              <a:t> </a:t>
-            </a:r>
-            <a:r>
               <a:rPr lang="fr-FR" sz="2800" b="1" i="0" baseline="30000" dirty="0"/>
-              <a:t>que cum </a:t>
-            </a:r>
-            <a:r>
-              <a:rPr lang="fr-FR" sz="2800" b="1" i="0" baseline="30000" dirty="0" err="1" smtClean="0"/>
+              <a:t> que cum </a:t>
+            </a:r>
+            <a:r>
+              <a:rPr lang="fr-FR" sz="2800" b="1" i="0" baseline="30000" dirty="0" err="1"/>
               <a:t>hicieni</a:t>
             </a:r>
             <a:endParaRPr lang="fr-FR" sz="2800" b="1" i="0" dirty="0"/>
@@ -7530,7 +7366,7 @@
               <a:buNone/>
             </a:pPr>
             <a:r>
-              <a:rPr lang="fr-FR" sz="1800" b="1" smtClean="0">
+              <a:rPr lang="fr-FR" sz="1800" b="1">
                 <a:solidFill>
                   <a:srgbClr val="FFFFFF"/>
                 </a:solidFill>
@@ -7648,10 +7484,9 @@
           </a:lstStyle>
           <a:p>
             <a:r>
-              <a:rPr lang="fr-FR" dirty="0" smtClean="0"/>
+              <a:rPr lang="fr-FR" dirty="0"/>
               <a:t>Cliquez et modifiez le titre</a:t>
             </a:r>
-            <a:endParaRPr lang="fr-FR" dirty="0"/>
           </a:p>
         </p:txBody>
       </p:sp>
@@ -7688,7 +7523,7 @@
           <a:p>
             <a:fld id="{DE9A3856-CABC-754C-812C-14B8D30E1B18}" type="datetime1">
               <a:rPr lang="fr-FR" smtClean="0"/>
-              <a:t>16/11/16</a:t>
+              <a:t>08/11/2018</a:t>
             </a:fld>
             <a:endParaRPr lang="fr-FR" dirty="0"/>
           </a:p>
@@ -7726,10 +7561,9 @@
           </a:lstStyle>
           <a:p>
             <a:r>
-              <a:rPr lang="fr-FR" smtClean="0"/>
+              <a:rPr lang="fr-FR"/>
               <a:t>Python pour la biologie</a:t>
             </a:r>
-            <a:endParaRPr lang="fr-FR"/>
           </a:p>
         </p:txBody>
       </p:sp>
@@ -7767,7 +7601,7 @@
             <a:fld id="{DCE37727-CC04-7A46-938D-2CCFF056F773}" type="slidenum">
               <a:rPr lang="fr-FR" smtClean="0"/>
               <a:pPr/>
-              <a:t>‹#›</a:t>
+              <a:t>‹N°›</a:t>
             </a:fld>
             <a:endParaRPr lang="fr-FR"/>
           </a:p>
@@ -7815,13 +7649,6 @@
   <p:clrMapOvr>
     <a:masterClrMapping/>
   </p:clrMapOvr>
-  <p:timing>
-    <p:tnLst>
-      <p:par>
-        <p:cTn xmlns:p14="http://schemas.microsoft.com/office/powerpoint/2010/main" id="1" dur="indefinite" restart="never" nodeType="tmRoot"/>
-      </p:par>
-    </p:tnLst>
-  </p:timing>
 </p:sldLayout>
 </file>
 
@@ -7873,10 +7700,9 @@
           <a:lstStyle/>
           <a:p>
             <a:r>
-              <a:rPr lang="fr-FR" smtClean="0"/>
+              <a:rPr lang="fr-FR"/>
               <a:t>Cliquez et modifiez le titre</a:t>
             </a:r>
-            <a:endParaRPr lang="fr-FR"/>
           </a:p>
         </p:txBody>
       </p:sp>
@@ -7927,13 +7753,6 @@
     <p:sldLayoutId id="2147483655" r:id="rId6"/>
     <p:sldLayoutId id="2147483656" r:id="rId7"/>
   </p:sldLayoutIdLst>
-  <p:timing>
-    <p:tnLst>
-      <p:par>
-        <p:cTn xmlns:p14="http://schemas.microsoft.com/office/powerpoint/2010/main" id="1" dur="indefinite" restart="never" nodeType="tmRoot"/>
-      </p:par>
-    </p:tnLst>
-  </p:timing>
   <p:hf hdr="0"/>
   <p:txStyles>
     <p:titleStyle>
@@ -8230,16 +8049,9 @@
   <p:clrMapOvr>
     <a:masterClrMapping/>
   </p:clrMapOvr>
-  <p:transition xmlns:p14="http://schemas.microsoft.com/office/powerpoint/2010/main" spd="slow">
+  <p:transition spd="slow">
     <p:wipe/>
   </p:transition>
-  <p:timing>
-    <p:tnLst>
-      <p:par>
-        <p:cTn xmlns:p14="http://schemas.microsoft.com/office/powerpoint/2010/main" id="1" dur="indefinite" restart="never" nodeType="tmRoot"/>
-      </p:par>
-    </p:tnLst>
-  </p:timing>
 </p:sld>
 </file>
 
@@ -8339,18 +8151,7 @@
                 <a:ea typeface="Lucida Grande"/>
                 <a:cs typeface="Lucida Grande"/>
               </a:rPr>
-              <a:t> </a:t>
-            </a:r>
-            <a:r>
-              <a:rPr lang="fr-FR" dirty="0" smtClean="0">
-                <a:solidFill>
-                  <a:schemeClr val="bg1"/>
-                </a:solidFill>
-                <a:latin typeface="Lucida Grande"/>
-                <a:ea typeface="Lucida Grande"/>
-                <a:cs typeface="Lucida Grande"/>
-              </a:rPr>
-              <a:t>strings (1)</a:t>
+              <a:t> strings (1)</a:t>
             </a:r>
             <a:endParaRPr lang="fr-FR" dirty="0">
               <a:solidFill>
@@ -8382,15 +8183,7 @@
           <a:p>
             <a:r>
               <a:rPr lang="en-US" dirty="0"/>
-              <a:t>D</a:t>
-            </a:r>
-            <a:r>
-              <a:rPr lang="en-US" dirty="0" smtClean="0"/>
-              <a:t>eal </a:t>
-            </a:r>
-            <a:r>
-              <a:rPr lang="en-US" dirty="0"/>
-              <a:t>with </a:t>
+              <a:t>Deal with </a:t>
             </a:r>
             <a:r>
               <a:rPr lang="en-US" dirty="0" err="1"/>
@@ -8398,34 +8191,13 @@
             </a:r>
             <a:r>
               <a:rPr lang="en-US" dirty="0"/>
-              <a:t> objects as if they were normal Python </a:t>
-            </a:r>
-            <a:r>
-              <a:rPr lang="en-US" dirty="0" smtClean="0"/>
-              <a:t>strings</a:t>
-            </a:r>
-            <a:endParaRPr lang="en-US" dirty="0"/>
+              <a:t> objects as if they were normal Python strings</a:t>
+            </a:r>
           </a:p>
           <a:p>
             <a:r>
               <a:rPr lang="en-US" dirty="0"/>
-              <a:t>F</a:t>
-            </a:r>
-            <a:r>
-              <a:rPr lang="en-US" dirty="0" smtClean="0"/>
-              <a:t>or </a:t>
-            </a:r>
-            <a:r>
-              <a:rPr lang="en-US" dirty="0"/>
-              <a:t>example getting </a:t>
-            </a:r>
-            <a:r>
-              <a:rPr lang="en-US" dirty="0" smtClean="0"/>
-              <a:t>the length</a:t>
-            </a:r>
-            <a:r>
-              <a:rPr lang="en-US" dirty="0"/>
-              <a:t>, or iterating over the elements:</a:t>
+              <a:t>For example getting the length, or iterating over the elements:</a:t>
             </a:r>
           </a:p>
           <a:p>
@@ -8450,7 +8222,7 @@
           <a:p>
             <a:fld id="{4A36708A-A74F-D144-99B7-9E7373111E3F}" type="datetime1">
               <a:rPr lang="fr-FR" smtClean="0"/>
-              <a:t>16/11/16</a:t>
+              <a:t>08/11/2018</a:t>
             </a:fld>
             <a:endParaRPr lang="fr-FR" dirty="0"/>
           </a:p>
@@ -8472,7 +8244,7 @@
           <a:lstStyle/>
           <a:p>
             <a:r>
-              <a:rPr lang="fr-FR" smtClean="0"/>
+              <a:rPr lang="fr-FR"/>
               <a:t>Python pour la biologie</a:t>
             </a:r>
             <a:endParaRPr lang="fr-FR" dirty="0"/>
@@ -8541,12 +8313,8 @@
           </a:lstStyle>
           <a:p>
             <a:r>
-              <a:rPr lang="en-US" sz="1200" dirty="0" smtClean="0"/>
-              <a:t>&gt;</a:t>
-            </a:r>
-            <a:r>
               <a:rPr lang="en-US" sz="1200" dirty="0"/>
-              <a:t>&gt;&gt; from </a:t>
+              <a:t>&gt;&gt;&gt; from </a:t>
             </a:r>
             <a:r>
               <a:rPr lang="en-US" sz="1200" dirty="0" err="1"/>
@@ -8576,15 +8344,7 @@
             </a:r>
             <a:r>
               <a:rPr lang="en-US" sz="1200" dirty="0"/>
-              <a:t>("</a:t>
-            </a:r>
-            <a:r>
-              <a:rPr lang="en-US" sz="1200" dirty="0" smtClean="0"/>
-              <a:t>GATC"</a:t>
-            </a:r>
-            <a:r>
-              <a:rPr lang="en-US" sz="1200" dirty="0"/>
-              <a:t>, </a:t>
+              <a:t>("GATC", </a:t>
             </a:r>
             <a:r>
               <a:rPr lang="en-US" sz="1200" dirty="0" err="1"/>
@@ -8698,21 +8458,8 @@
                   <a:srgbClr val="FF0000"/>
                 </a:solidFill>
               </a:rPr>
-              <a:t>3 </a:t>
-            </a:r>
-            <a:r>
-              <a:rPr lang="tr-TR" sz="1200" dirty="0" smtClean="0">
-                <a:solidFill>
-                  <a:srgbClr val="FF0000"/>
-                </a:solidFill>
-              </a:rPr>
-              <a:t>C</a:t>
-            </a:r>
-            <a:endParaRPr lang="tr-TR" sz="1200" dirty="0">
-              <a:solidFill>
-                <a:srgbClr val="FF0000"/>
-              </a:solidFill>
-            </a:endParaRPr>
+              <a:t>3 C</a:t>
+            </a:r>
           </a:p>
         </p:txBody>
       </p:sp>
@@ -8754,31 +8501,31 @@
           </a:lstStyle>
           <a:p>
             <a:r>
-              <a:rPr lang="fr-FR" sz="1200" dirty="0" smtClean="0"/>
+              <a:rPr lang="fr-FR" sz="1200" dirty="0"/>
               <a:t>&gt;&gt;&gt; </a:t>
             </a:r>
             <a:r>
-              <a:rPr lang="mr-IN" sz="1200" dirty="0" smtClean="0"/>
+              <a:rPr lang="mr-IN" sz="1200" dirty="0"/>
               <a:t>print</a:t>
             </a:r>
             <a:r>
-              <a:rPr lang="fr-FR" sz="1200" dirty="0" smtClean="0"/>
+              <a:rPr lang="fr-FR" sz="1200" dirty="0"/>
               <a:t>(</a:t>
             </a:r>
             <a:r>
-              <a:rPr lang="mr-IN" sz="1200" dirty="0" smtClean="0"/>
+              <a:rPr lang="mr-IN" sz="1200" dirty="0"/>
               <a:t>len</a:t>
             </a:r>
             <a:r>
-              <a:rPr lang="fr-FR" sz="1200" dirty="0" smtClean="0"/>
+              <a:rPr lang="fr-FR" sz="1200" dirty="0"/>
               <a:t>(</a:t>
             </a:r>
             <a:r>
-              <a:rPr lang="mr-IN" sz="1200" dirty="0" smtClean="0"/>
+              <a:rPr lang="mr-IN" sz="1200" dirty="0"/>
               <a:t>my_seq</a:t>
             </a:r>
             <a:r>
-              <a:rPr lang="fr-FR" sz="1200" dirty="0" smtClean="0"/>
+              <a:rPr lang="fr-FR" sz="1200" dirty="0"/>
               <a:t>))</a:t>
             </a:r>
           </a:p>
@@ -8831,13 +8578,8 @@
             </a:r>
             <a:r>
               <a:rPr lang="en-US" sz="1200" dirty="0"/>
-              <a:t>[0]) #first </a:t>
-            </a:r>
-            <a:r>
-              <a:rPr lang="en-US" sz="1200" dirty="0" smtClean="0"/>
-              <a:t>letter</a:t>
-            </a:r>
-            <a:endParaRPr lang="en-US" sz="1200" dirty="0"/>
+              <a:t>[0]) #first letter</a:t>
+            </a:r>
           </a:p>
         </p:txBody>
       </p:sp>
@@ -8932,18 +8674,13 @@
           </a:lstStyle>
           <a:p>
             <a:r>
-              <a:rPr lang="en-US" sz="1200" dirty="0" smtClean="0">
+              <a:rPr lang="en-US" sz="1200" dirty="0">
                 <a:solidFill>
                   <a:srgbClr val="FF0000"/>
                 </a:solidFill>
               </a:rPr>
               <a:t>G</a:t>
             </a:r>
-            <a:endParaRPr lang="en-US" sz="1200" dirty="0">
-              <a:solidFill>
-                <a:srgbClr val="FF0000"/>
-              </a:solidFill>
-            </a:endParaRPr>
           </a:p>
         </p:txBody>
       </p:sp>
@@ -8985,12 +8722,8 @@
           </a:lstStyle>
           <a:p>
             <a:r>
-              <a:rPr lang="en-US" sz="1200" dirty="0" smtClean="0"/>
-              <a:t>&gt;</a:t>
-            </a:r>
-            <a:r>
               <a:rPr lang="en-US" sz="1200" dirty="0"/>
-              <a:t>&gt;&gt; print(</a:t>
+              <a:t>&gt;&gt;&gt; print(</a:t>
             </a:r>
             <a:r>
               <a:rPr lang="en-US" sz="1200" dirty="0" err="1"/>
@@ -8998,13 +8731,8 @@
             </a:r>
             <a:r>
               <a:rPr lang="en-US" sz="1200" dirty="0"/>
-              <a:t>[2]) #third </a:t>
-            </a:r>
-            <a:r>
-              <a:rPr lang="en-US" sz="1200" dirty="0" smtClean="0"/>
-              <a:t>letter</a:t>
-            </a:r>
-            <a:endParaRPr lang="en-US" sz="1200" dirty="0"/>
+              <a:t>[2]) #third letter</a:t>
+            </a:r>
           </a:p>
         </p:txBody>
       </p:sp>
@@ -9046,18 +8774,13 @@
           </a:lstStyle>
           <a:p>
             <a:r>
-              <a:rPr lang="en-US" sz="1200" dirty="0" smtClean="0">
+              <a:rPr lang="en-US" sz="1200" dirty="0">
                 <a:solidFill>
                   <a:srgbClr val="FF0000"/>
                 </a:solidFill>
               </a:rPr>
               <a:t>T</a:t>
             </a:r>
-            <a:endParaRPr lang="en-US" sz="1200" dirty="0">
-              <a:solidFill>
-                <a:srgbClr val="FF0000"/>
-              </a:solidFill>
-            </a:endParaRPr>
           </a:p>
         </p:txBody>
       </p:sp>
@@ -9099,12 +8822,8 @@
           </a:lstStyle>
           <a:p>
             <a:r>
-              <a:rPr lang="en-US" sz="1200" dirty="0" smtClean="0"/>
-              <a:t>&gt;</a:t>
-            </a:r>
-            <a:r>
               <a:rPr lang="en-US" sz="1200" dirty="0"/>
-              <a:t>&gt;&gt; print(</a:t>
+              <a:t>&gt;&gt;&gt; print(</a:t>
             </a:r>
             <a:r>
               <a:rPr lang="en-US" sz="1200" dirty="0" err="1"/>
@@ -9112,13 +8831,8 @@
             </a:r>
             <a:r>
               <a:rPr lang="en-US" sz="1200" dirty="0"/>
-              <a:t>[-1]) #last </a:t>
-            </a:r>
-            <a:r>
-              <a:rPr lang="en-US" sz="1200" dirty="0" smtClean="0"/>
-              <a:t>letter</a:t>
-            </a:r>
-            <a:endParaRPr lang="en-US" sz="1200" dirty="0"/>
+              <a:t>[-1]) #last letter</a:t>
+            </a:r>
           </a:p>
         </p:txBody>
       </p:sp>
@@ -9160,18 +8874,13 @@
           </a:lstStyle>
           <a:p>
             <a:r>
-              <a:rPr lang="en-US" sz="1200" dirty="0" smtClean="0">
+              <a:rPr lang="en-US" sz="1200" dirty="0">
                 <a:solidFill>
                   <a:srgbClr val="FF0000"/>
                 </a:solidFill>
               </a:rPr>
               <a:t>G</a:t>
             </a:r>
-            <a:endParaRPr lang="en-US" sz="1200" dirty="0">
-              <a:solidFill>
-                <a:srgbClr val="FF0000"/>
-              </a:solidFill>
-            </a:endParaRPr>
           </a:p>
         </p:txBody>
       </p:sp>
@@ -9384,16 +9093,8 @@
           </a:lstStyle>
           <a:p>
             <a:r>
-              <a:rPr lang="en-US" dirty="0" smtClean="0"/>
-              <a:t>Access </a:t>
-            </a:r>
-            <a:r>
               <a:rPr lang="en-US" dirty="0"/>
-              <a:t>elements of the sequence in the same way </a:t>
-            </a:r>
-            <a:r>
-              <a:rPr lang="en-US" dirty="0" smtClean="0"/>
-              <a:t>as </a:t>
+              <a:t>Access elements of the sequence in the same way as </a:t>
             </a:r>
             <a:r>
               <a:rPr lang="nb-NO" dirty="0"/>
@@ -9404,7 +9105,7 @@
               <a:t>string</a:t>
             </a:r>
             <a:r>
-              <a:rPr lang="en-US" dirty="0" smtClean="0"/>
+              <a:rPr lang="en-US" dirty="0"/>
               <a:t> </a:t>
             </a:r>
             <a:endParaRPr lang="fr-FR" dirty="0"/>
@@ -9421,13 +9122,6 @@
   <p:clrMapOvr>
     <a:masterClrMapping/>
   </p:clrMapOvr>
-  <p:timing>
-    <p:tnLst>
-      <p:par>
-        <p:cTn xmlns:p14="http://schemas.microsoft.com/office/powerpoint/2010/main" id="1" dur="indefinite" restart="never" nodeType="tmRoot"/>
-      </p:par>
-    </p:tnLst>
-  </p:timing>
 </p:sld>
 </file>
 
@@ -9509,15 +9203,7 @@
                 <a:ea typeface="Lucida Grande"/>
                 <a:cs typeface="Lucida Grande"/>
               </a:rPr>
-              <a:t> </a:t>
-            </a:r>
-            <a:r>
-              <a:rPr lang="fr-FR" dirty="0" smtClean="0">
-                <a:latin typeface="Lucida Grande"/>
-                <a:ea typeface="Lucida Grande"/>
-                <a:cs typeface="Lucida Grande"/>
-              </a:rPr>
-              <a:t>strings (2)</a:t>
+              <a:t> strings (2)</a:t>
             </a:r>
             <a:endParaRPr lang="fr-FR" dirty="0"/>
           </a:p>
@@ -9544,60 +9230,12 @@
           <a:lstStyle/>
           <a:p>
             <a:r>
-              <a:rPr lang="en-US" dirty="0" err="1" smtClean="0"/>
+              <a:rPr lang="en-US" dirty="0" err="1"/>
               <a:t>TheSeq</a:t>
             </a:r>
             <a:r>
               <a:rPr lang="en-US" dirty="0"/>
-              <a:t> </a:t>
-            </a:r>
-            <a:r>
-              <a:rPr lang="en-US" dirty="0" smtClean="0"/>
-              <a:t>object </a:t>
-            </a:r>
-            <a:r>
-              <a:rPr lang="en-US" dirty="0"/>
-              <a:t>has </a:t>
-            </a:r>
-            <a:r>
-              <a:rPr lang="en-US" dirty="0" smtClean="0"/>
-              <a:t>a “.count</a:t>
-            </a:r>
-            <a:r>
-              <a:rPr lang="en-US" dirty="0"/>
-              <a:t>(</a:t>
-            </a:r>
-            <a:r>
-              <a:rPr lang="en-US" dirty="0" smtClean="0"/>
-              <a:t>)” method</a:t>
-            </a:r>
-            <a:r>
-              <a:rPr lang="en-US" dirty="0"/>
-              <a:t>, just like a string. Note that this means that like a </a:t>
-            </a:r>
-            <a:r>
-              <a:rPr lang="en-US" dirty="0" smtClean="0"/>
-              <a:t>Python string</a:t>
-            </a:r>
-            <a:r>
-              <a:rPr lang="en-US" dirty="0"/>
-              <a:t>, this gives </a:t>
-            </a:r>
-            <a:r>
-              <a:rPr lang="en-US" dirty="0" smtClean="0"/>
-              <a:t>a non</a:t>
-            </a:r>
-            <a:r>
-              <a:rPr lang="en-US" dirty="0"/>
-              <a:t>-</a:t>
-            </a:r>
-            <a:r>
-              <a:rPr lang="en-US" dirty="0" smtClean="0"/>
-              <a:t>overlapping count</a:t>
-            </a:r>
-            <a:r>
-              <a:rPr lang="en-US" dirty="0"/>
-              <a:t>:</a:t>
+              <a:t> object has a “.count()” method, just like a string. Note that this means that like a Python string, this gives a non-overlapping count:</a:t>
             </a:r>
           </a:p>
           <a:p>
@@ -9622,7 +9260,7 @@
           <a:p>
             <a:fld id="{AB52CF4D-4ED3-CD4E-AAB3-2DE1E5BFD40C}" type="datetime1">
               <a:rPr lang="fr-FR" smtClean="0"/>
-              <a:t>16/11/16</a:t>
+              <a:t>08/11/2018</a:t>
             </a:fld>
             <a:endParaRPr lang="fr-FR" dirty="0"/>
           </a:p>
@@ -9644,7 +9282,7 @@
           <a:lstStyle/>
           <a:p>
             <a:r>
-              <a:rPr lang="fr-FR" smtClean="0"/>
+              <a:rPr lang="fr-FR"/>
               <a:t>Python pour la biologie</a:t>
             </a:r>
             <a:endParaRPr lang="fr-FR" dirty="0"/>
@@ -9713,25 +9351,18 @@
           </a:lstStyle>
           <a:p>
             <a:r>
-              <a:rPr lang="fr-FR" sz="1200" dirty="0" smtClean="0">
+              <a:rPr lang="fr-FR" sz="1200" dirty="0">
                 <a:latin typeface="Arial"/>
                 <a:cs typeface="Arial"/>
               </a:rPr>
               <a:t>&gt;&gt;&gt; </a:t>
-            </a:r>
-            <a:r>
-              <a:rPr lang="mr-IN" sz="1200" dirty="0" smtClean="0">
-                <a:latin typeface="Arial"/>
-                <a:cs typeface="Arial"/>
-              </a:rPr>
-              <a:t>"</a:t>
             </a:r>
             <a:r>
               <a:rPr lang="mr-IN" sz="1200" dirty="0">
                 <a:latin typeface="Arial"/>
                 <a:cs typeface="Arial"/>
               </a:rPr>
-              <a:t>AAAA".count("AA")</a:t>
+              <a:t>"AAAA".count("AA")</a:t>
             </a:r>
             <a:endParaRPr lang="en-US" sz="1200" dirty="0">
               <a:latin typeface="Arial"/>
@@ -9782,14 +9413,13 @@
               <a:t>&gt;&gt;&gt; from </a:t>
             </a:r>
             <a:r>
-              <a:rPr lang="en-US" sz="1200" dirty="0" err="1" smtClean="0"/>
+              <a:rPr lang="en-US" sz="1200" dirty="0" err="1"/>
               <a:t>Bio.Alphabet</a:t>
             </a:r>
             <a:r>
-              <a:rPr lang="en-US" sz="1200" dirty="0" smtClean="0"/>
+              <a:rPr lang="en-US" sz="1200" dirty="0"/>
               <a:t> import IUPAC</a:t>
             </a:r>
-            <a:endParaRPr lang="en-US" sz="1200" dirty="0"/>
           </a:p>
           <a:p>
             <a:r>
@@ -9839,10 +9469,10 @@
               <a:t>my_seq</a:t>
             </a:r>
             <a:r>
-              <a:rPr lang="en-US" sz="1200" dirty="0" smtClean="0"/>
+              <a:rPr lang="en-US" sz="1200" dirty="0"/>
               <a:t>)</a:t>
             </a:r>
-            <a:endParaRPr lang="fr-FR" sz="1200" dirty="0" smtClean="0"/>
+            <a:endParaRPr lang="fr-FR" sz="1200" dirty="0"/>
           </a:p>
         </p:txBody>
       </p:sp>
@@ -10056,23 +9686,7 @@
           <a:p>
             <a:r>
               <a:rPr lang="en-US" dirty="0"/>
-              <a:t>For some biological uses, you may actually want an overlapping count (i.e. 3 in this trivial example). </a:t>
-            </a:r>
-            <a:r>
-              <a:rPr lang="en-US" dirty="0" smtClean="0"/>
-              <a:t>When searching </a:t>
-            </a:r>
-            <a:r>
-              <a:rPr lang="en-US" dirty="0"/>
-              <a:t>for single letters, this makes no </a:t>
-            </a:r>
-            <a:r>
-              <a:rPr lang="en-US" dirty="0" smtClean="0"/>
-              <a:t>difference</a:t>
-            </a:r>
-            <a:r>
-              <a:rPr lang="en-US" dirty="0"/>
-              <a:t>:</a:t>
+              <a:t>For some biological uses, you may actually want an overlapping count (i.e. 3 in this trivial example). When searching for single letters, this makes no difference:</a:t>
             </a:r>
           </a:p>
           <a:p>
@@ -10118,18 +9732,13 @@
           </a:lstStyle>
           <a:p>
             <a:r>
-              <a:rPr lang="en-US" sz="1200" dirty="0" smtClean="0">
+              <a:rPr lang="en-US" sz="1200" dirty="0">
                 <a:solidFill>
                   <a:srgbClr val="FF0000"/>
                 </a:solidFill>
               </a:rPr>
               <a:t>2</a:t>
             </a:r>
-            <a:endParaRPr lang="en-US" sz="1200" dirty="0">
-              <a:solidFill>
-                <a:srgbClr val="FF0000"/>
-              </a:solidFill>
-            </a:endParaRPr>
           </a:p>
         </p:txBody>
       </p:sp>
@@ -10171,39 +9780,39 @@
           </a:lstStyle>
           <a:p>
             <a:r>
-              <a:rPr lang="fr-FR" sz="1200" dirty="0" smtClean="0"/>
+              <a:rPr lang="fr-FR" sz="1200" dirty="0"/>
               <a:t>&gt;&gt;&gt;</a:t>
             </a:r>
             <a:r>
-              <a:rPr lang="mr-IN" sz="1200" dirty="0" smtClean="0"/>
+              <a:rPr lang="mr-IN" sz="1200" dirty="0"/>
               <a:t> Seq</a:t>
             </a:r>
             <a:r>
-              <a:rPr lang="fr-FR" sz="1200" dirty="0" smtClean="0"/>
+              <a:rPr lang="fr-FR" sz="1200" dirty="0"/>
               <a:t>(</a:t>
             </a:r>
             <a:r>
-              <a:rPr lang="mr-IN" sz="1200" dirty="0" smtClean="0"/>
+              <a:rPr lang="mr-IN" sz="1200" dirty="0"/>
               <a:t>"AAAA”</a:t>
             </a:r>
             <a:r>
-              <a:rPr lang="fr-FR" sz="1200" dirty="0" smtClean="0"/>
+              <a:rPr lang="fr-FR" sz="1200" dirty="0"/>
               <a:t>)</a:t>
             </a:r>
             <a:r>
-              <a:rPr lang="mr-IN" sz="1200" dirty="0" smtClean="0"/>
+              <a:rPr lang="mr-IN" sz="1200" dirty="0"/>
               <a:t>.count</a:t>
             </a:r>
             <a:r>
-              <a:rPr lang="fr-FR" sz="1200" dirty="0" smtClean="0"/>
+              <a:rPr lang="fr-FR" sz="1200" dirty="0"/>
               <a:t>(</a:t>
             </a:r>
             <a:r>
-              <a:rPr lang="mr-IN" sz="1200" dirty="0" smtClean="0"/>
+              <a:rPr lang="mr-IN" sz="1200" dirty="0"/>
               <a:t>"AA”</a:t>
             </a:r>
             <a:r>
-              <a:rPr lang="fr-FR" sz="1200" dirty="0" smtClean="0"/>
+              <a:rPr lang="fr-FR" sz="1200" dirty="0"/>
               <a:t>)</a:t>
             </a:r>
             <a:endParaRPr lang="en-US" sz="1200" dirty="0"/>
@@ -10248,18 +9857,13 @@
           </a:lstStyle>
           <a:p>
             <a:r>
-              <a:rPr lang="en-US" sz="1200" dirty="0" smtClean="0">
+              <a:rPr lang="en-US" sz="1200" dirty="0">
                 <a:solidFill>
                   <a:srgbClr val="FF0000"/>
                 </a:solidFill>
               </a:rPr>
               <a:t>2</a:t>
             </a:r>
-            <a:endParaRPr lang="en-US" sz="1200" dirty="0">
-              <a:solidFill>
-                <a:srgbClr val="FF0000"/>
-              </a:solidFill>
-            </a:endParaRPr>
           </a:p>
         </p:txBody>
       </p:sp>
@@ -10349,7 +9953,7 @@
           </a:lstStyle>
           <a:p>
             <a:r>
-              <a:rPr lang="fr-FR" sz="1200" dirty="0" smtClean="0">
+              <a:rPr lang="fr-FR" sz="1200" dirty="0">
                 <a:solidFill>
                   <a:srgbClr val="FF0000"/>
                 </a:solidFill>
@@ -10402,7 +10006,7 @@
           </a:lstStyle>
           <a:p>
             <a:r>
-              <a:rPr lang="fr-FR" sz="1200" dirty="0" smtClean="0">
+              <a:rPr lang="fr-FR" sz="1200" dirty="0">
                 <a:solidFill>
                   <a:srgbClr val="FF0000"/>
                 </a:solidFill>
@@ -10455,87 +10059,63 @@
           </a:lstStyle>
           <a:p>
             <a:r>
-              <a:rPr lang="fr-FR" sz="1200" dirty="0" smtClean="0"/>
+              <a:rPr lang="fr-FR" sz="1200" dirty="0"/>
               <a:t>&gt;&gt;&gt;</a:t>
             </a:r>
             <a:r>
-              <a:rPr lang="mr-IN" sz="1200" dirty="0" smtClean="0"/>
-              <a:t> </a:t>
-            </a:r>
-            <a:r>
               <a:rPr lang="mr-IN" sz="1200" dirty="0"/>
-              <a:t>100 * </a:t>
-            </a:r>
-            <a:r>
-              <a:rPr lang="mr-IN" sz="1200" dirty="0" smtClean="0"/>
-              <a:t>float</a:t>
-            </a:r>
-            <a:r>
-              <a:rPr lang="fr-FR" sz="1200" dirty="0" smtClean="0"/>
+              <a:t> 100 * float</a:t>
+            </a:r>
+            <a:r>
+              <a:rPr lang="fr-FR" sz="1200" dirty="0"/>
               <a:t>(</a:t>
             </a:r>
             <a:r>
-              <a:rPr lang="mr-IN" sz="1200" dirty="0" smtClean="0"/>
+              <a:rPr lang="mr-IN" sz="1200" dirty="0"/>
               <a:t>my_seq.count</a:t>
             </a:r>
             <a:r>
-              <a:rPr lang="fr-FR" sz="1200" dirty="0" smtClean="0"/>
+              <a:rPr lang="fr-FR" sz="1200" dirty="0"/>
               <a:t>(‘</a:t>
             </a:r>
             <a:r>
-              <a:rPr lang="mr-IN" sz="1200" dirty="0" smtClean="0"/>
+              <a:rPr lang="mr-IN" sz="1200" dirty="0"/>
               <a:t>G</a:t>
             </a:r>
             <a:r>
-              <a:rPr lang="fr-FR" sz="1200" dirty="0" smtClean="0"/>
+              <a:rPr lang="fr-FR" sz="1200" dirty="0"/>
               <a:t>’)</a:t>
             </a:r>
             <a:r>
-              <a:rPr lang="mr-IN" sz="1200" dirty="0" smtClean="0"/>
-              <a:t> </a:t>
-            </a:r>
-            <a:r>
               <a:rPr lang="mr-IN" sz="1200" dirty="0"/>
-              <a:t>+ </a:t>
-            </a:r>
-            <a:r>
-              <a:rPr lang="mr-IN" sz="1200" dirty="0" smtClean="0"/>
-              <a:t>my_seq.count</a:t>
-            </a:r>
-            <a:r>
-              <a:rPr lang="fr-FR" sz="1200" dirty="0" smtClean="0"/>
+              <a:t> + my_seq.count</a:t>
+            </a:r>
+            <a:r>
+              <a:rPr lang="fr-FR" sz="1200" dirty="0"/>
               <a:t>(‘</a:t>
             </a:r>
             <a:r>
-              <a:rPr lang="mr-IN" sz="1200" dirty="0" smtClean="0"/>
+              <a:rPr lang="mr-IN" sz="1200" dirty="0"/>
               <a:t>C</a:t>
             </a:r>
             <a:r>
-              <a:rPr lang="fr-FR" sz="1200" dirty="0" smtClean="0"/>
+              <a:rPr lang="fr-FR" sz="1200" dirty="0"/>
               <a:t>’))</a:t>
             </a:r>
             <a:r>
-              <a:rPr lang="mr-IN" sz="1200" dirty="0" smtClean="0"/>
-              <a:t> </a:t>
-            </a:r>
-            <a:r>
               <a:rPr lang="mr-IN" sz="1200" dirty="0"/>
-              <a:t>/ </a:t>
-            </a:r>
-            <a:r>
-              <a:rPr lang="mr-IN" sz="1200" dirty="0" smtClean="0"/>
-              <a:t>len</a:t>
-            </a:r>
-            <a:r>
-              <a:rPr lang="fr-FR" sz="1200" dirty="0" smtClean="0"/>
+              <a:t> / len</a:t>
+            </a:r>
+            <a:r>
+              <a:rPr lang="fr-FR" sz="1200" dirty="0"/>
               <a:t>(</a:t>
             </a:r>
             <a:r>
-              <a:rPr lang="mr-IN" sz="1200" dirty="0" smtClean="0"/>
+              <a:rPr lang="mr-IN" sz="1200" dirty="0"/>
               <a:t>my_seq</a:t>
             </a:r>
             <a:r>
-              <a:rPr lang="fr-FR" sz="1200" dirty="0" smtClean="0"/>
+              <a:rPr lang="fr-FR" sz="1200" dirty="0"/>
               <a:t>)</a:t>
             </a:r>
             <a:endParaRPr lang="mr-IN" sz="1200" dirty="0"/>
@@ -10580,30 +10160,13 @@
           </a:lstStyle>
           <a:p>
             <a:r>
-              <a:rPr lang="fr-FR" sz="1200" dirty="0" smtClean="0"/>
-              <a:t>&gt;</a:t>
-            </a:r>
-            <a:r>
               <a:rPr lang="fr-FR" sz="1200" dirty="0"/>
-              <a:t>&gt;&gt;</a:t>
+              <a:t>&gt;&gt;&gt;</a:t>
             </a:r>
             <a:r>
               <a:rPr lang="mr-IN" sz="1200" dirty="0"/>
-              <a:t> </a:t>
-            </a:r>
-            <a:r>
-              <a:rPr lang="mr-IN" sz="1200" dirty="0" smtClean="0"/>
-              <a:t>my_seq.count</a:t>
-            </a:r>
-            <a:r>
-              <a:rPr lang="mr-IN" sz="1200" dirty="0"/>
-              <a:t>("</a:t>
-            </a:r>
-            <a:r>
-              <a:rPr lang="mr-IN" sz="1200" dirty="0" smtClean="0"/>
-              <a:t>G”)</a:t>
-            </a:r>
-            <a:endParaRPr lang="mr-IN" sz="1200" dirty="0"/>
+              <a:t> my_seq.count("G”)</a:t>
+            </a:r>
           </a:p>
         </p:txBody>
       </p:sp>
@@ -10617,13 +10180,6 @@
   <p:clrMapOvr>
     <a:masterClrMapping/>
   </p:clrMapOvr>
-  <p:timing>
-    <p:tnLst>
-      <p:par>
-        <p:cTn xmlns:p14="http://schemas.microsoft.com/office/powerpoint/2010/main" id="1" dur="indefinite" restart="never" nodeType="tmRoot"/>
-      </p:par>
-    </p:tnLst>
-  </p:timing>
 </p:sld>
 </file>
 
@@ -10705,15 +10261,7 @@
                 <a:ea typeface="Lucida Grande"/>
                 <a:cs typeface="Lucida Grande"/>
               </a:rPr>
-              <a:t> </a:t>
-            </a:r>
-            <a:r>
-              <a:rPr lang="fr-FR" dirty="0" smtClean="0">
-                <a:latin typeface="Lucida Grande"/>
-                <a:ea typeface="Lucida Grande"/>
-                <a:cs typeface="Lucida Grande"/>
-              </a:rPr>
-              <a:t>strings (3)</a:t>
+              <a:t> strings (3)</a:t>
             </a:r>
             <a:endParaRPr lang="fr-FR" dirty="0"/>
           </a:p>
@@ -10736,7 +10284,7 @@
           <a:p>
             <a:fld id="{96FB2786-AAD5-FD45-887E-EF5E7CD549BC}" type="datetime1">
               <a:rPr lang="fr-FR" smtClean="0"/>
-              <a:t>16/11/16</a:t>
+              <a:t>08/11/2018</a:t>
             </a:fld>
             <a:endParaRPr lang="fr-FR" dirty="0"/>
           </a:p>
@@ -10758,7 +10306,7 @@
           <a:lstStyle/>
           <a:p>
             <a:r>
-              <a:rPr lang="fr-FR" smtClean="0"/>
+              <a:rPr lang="fr-FR"/>
               <a:t>Python pour la biologie</a:t>
             </a:r>
             <a:endParaRPr lang="fr-FR" dirty="0"/>
@@ -11001,43 +10549,22 @@
           <a:p>
             <a:r>
               <a:rPr lang="en-US" dirty="0"/>
-              <a:t>While you could use the above snippet of code to calculate a GC%, note that </a:t>
-            </a:r>
-            <a:r>
-              <a:rPr lang="en-US" dirty="0" smtClean="0"/>
-              <a:t>the </a:t>
-            </a:r>
-            <a:r>
-              <a:rPr lang="en-US" dirty="0" err="1" smtClean="0"/>
+              <a:t>While you could use the above snippet of code to calculate a GC%, note that the </a:t>
+            </a:r>
+            <a:r>
+              <a:rPr lang="en-US" dirty="0" err="1"/>
               <a:t>Bio.SeqUtils</a:t>
             </a:r>
             <a:r>
               <a:rPr lang="en-US" dirty="0"/>
-              <a:t> </a:t>
-            </a:r>
-            <a:r>
-              <a:rPr lang="en-US" dirty="0" smtClean="0"/>
-              <a:t>module</a:t>
-            </a:r>
-            <a:r>
-              <a:rPr lang="en-US" dirty="0"/>
-              <a:t> </a:t>
-            </a:r>
-            <a:r>
-              <a:rPr lang="en-US" dirty="0" smtClean="0"/>
-              <a:t>has </a:t>
-            </a:r>
-            <a:r>
-              <a:rPr lang="en-US" dirty="0"/>
-              <a:t>several GC functions already built. </a:t>
-            </a:r>
-            <a:endParaRPr lang="en-US" dirty="0" smtClean="0"/>
+              <a:t> module has several GC functions already built. </a:t>
+            </a:r>
           </a:p>
           <a:p>
             <a:pPr marL="0" indent="0">
               <a:buNone/>
             </a:pPr>
-            <a:endParaRPr lang="en-US" dirty="0" smtClean="0"/>
+            <a:endParaRPr lang="en-US" dirty="0"/>
           </a:p>
         </p:txBody>
       </p:sp>
@@ -11388,13 +10915,8 @@
             </a:r>
             <a:r>
               <a:rPr lang="en-US" dirty="0"/>
-              <a:t>() function should automatically cope with mixed case sequences and the ambiguous nucleotide S which means G or C</a:t>
-            </a:r>
-            <a:r>
-              <a:rPr lang="en-US" dirty="0" smtClean="0"/>
-              <a:t>.</a:t>
-            </a:r>
-            <a:endParaRPr lang="en-US" dirty="0"/>
+              <a:t>() function should automatically cope with mixed case sequences and the ambiguous nucleotide S which means G or C.</a:t>
+            </a:r>
           </a:p>
         </p:txBody>
       </p:sp>
@@ -11607,12 +11129,8 @@
           </a:lstStyle>
           <a:p>
             <a:r>
-              <a:rPr lang="en-US" dirty="0" smtClean="0"/>
-              <a:t>Also </a:t>
-            </a:r>
-            <a:r>
               <a:rPr lang="en-US" dirty="0"/>
-              <a:t>note that just like a normal Python string, the </a:t>
+              <a:t>Also note that just like a normal Python string, the </a:t>
             </a:r>
             <a:r>
               <a:rPr lang="en-US" dirty="0" err="1"/>
@@ -11622,30 +11140,20 @@
               <a:rPr lang="en-US" dirty="0"/>
               <a:t> object is in some ways \read-only". </a:t>
             </a:r>
-            <a:endParaRPr lang="en-US" dirty="0" smtClean="0"/>
-          </a:p>
-          <a:p>
-            <a:r>
-              <a:rPr lang="en-US" dirty="0" smtClean="0"/>
-              <a:t>If </a:t>
-            </a:r>
+          </a:p>
+          <a:p>
             <a:r>
               <a:rPr lang="en-US" dirty="0"/>
-              <a:t>you need to edit your sequence, for example simulating a point mutation, </a:t>
-            </a:r>
-            <a:r>
-              <a:rPr lang="en-US" dirty="0" smtClean="0"/>
-              <a:t>you need to use a </a:t>
-            </a:r>
-            <a:r>
-              <a:rPr lang="en-US" dirty="0" err="1" smtClean="0"/>
+              <a:t>If you need to edit your sequence, for example simulating a point mutation, you need to use a </a:t>
+            </a:r>
+            <a:r>
+              <a:rPr lang="en-US" dirty="0" err="1"/>
               <a:t>MutableSeq</a:t>
             </a:r>
             <a:r>
-              <a:rPr lang="en-US" dirty="0" smtClean="0"/>
+              <a:rPr lang="en-US" dirty="0"/>
               <a:t> object).</a:t>
             </a:r>
-            <a:endParaRPr lang="en-US" dirty="0"/>
           </a:p>
           <a:p>
             <a:endParaRPr lang="en-US" dirty="0"/>
@@ -11710,13 +11218,6 @@
   <p:clrMapOvr>
     <a:masterClrMapping/>
   </p:clrMapOvr>
-  <p:timing>
-    <p:tnLst>
-      <p:par>
-        <p:cTn xmlns:p14="http://schemas.microsoft.com/office/powerpoint/2010/main" id="1" dur="indefinite" restart="never" nodeType="tmRoot"/>
-      </p:par>
-    </p:tnLst>
-  </p:timing>
 </p:sld>
 </file>
 
@@ -11753,15 +11254,15 @@
           <a:lstStyle/>
           <a:p>
             <a:r>
-              <a:rPr lang="fr-FR" dirty="0" err="1" smtClean="0"/>
+              <a:rPr lang="fr-FR" dirty="0" err="1"/>
               <a:t>Slicing</a:t>
             </a:r>
             <a:r>
-              <a:rPr lang="fr-FR" dirty="0" smtClean="0"/>
+              <a:rPr lang="fr-FR" dirty="0"/>
               <a:t> a </a:t>
             </a:r>
             <a:r>
-              <a:rPr lang="fr-FR" dirty="0" err="1" smtClean="0"/>
+              <a:rPr lang="fr-FR" dirty="0" err="1"/>
               <a:t>sequence</a:t>
             </a:r>
             <a:endParaRPr lang="fr-FR" dirty="0"/>
@@ -11790,15 +11291,7 @@
           <a:p>
             <a:r>
               <a:rPr lang="en-US" dirty="0"/>
-              <a:t>L</a:t>
-            </a:r>
-            <a:r>
-              <a:rPr lang="en-US" dirty="0" smtClean="0"/>
-              <a:t>et's </a:t>
-            </a:r>
-            <a:r>
-              <a:rPr lang="en-US" dirty="0"/>
-              <a:t>get a slice of the sequence</a:t>
+              <a:t>Let's get a slice of the sequence</a:t>
             </a:r>
             <a:endParaRPr lang="fr-FR" dirty="0"/>
           </a:p>
@@ -11821,7 +11314,7 @@
           <a:p>
             <a:fld id="{BAF8E10C-8EC3-0445-8AC7-B6EC4208D61D}" type="datetime1">
               <a:rPr lang="fr-FR" smtClean="0"/>
-              <a:t>16/11/16</a:t>
+              <a:t>08/11/2018</a:t>
             </a:fld>
             <a:endParaRPr lang="fr-FR" dirty="0"/>
           </a:p>
@@ -11843,7 +11336,7 @@
           <a:lstStyle/>
           <a:p>
             <a:r>
-              <a:rPr lang="fr-FR" smtClean="0"/>
+              <a:rPr lang="fr-FR"/>
               <a:t>Python pour la biologie</a:t>
             </a:r>
             <a:endParaRPr lang="fr-FR" dirty="0"/>
@@ -11984,13 +11477,8 @@
             </a:r>
             <a:r>
               <a:rPr lang="en-US" sz="1200" dirty="0"/>
-              <a:t>[4:12</a:t>
-            </a:r>
-            <a:r>
-              <a:rPr lang="en-US" sz="1200" dirty="0" smtClean="0"/>
-              <a:t>]</a:t>
-            </a:r>
-            <a:endParaRPr lang="en-US" sz="1200" dirty="0"/>
+              <a:t>[4:12]</a:t>
+            </a:r>
           </a:p>
         </p:txBody>
       </p:sp>
@@ -12032,31 +11520,31 @@
           </a:lstStyle>
           <a:p>
             <a:r>
-              <a:rPr lang="fr-FR" sz="1200" dirty="0" smtClean="0"/>
+              <a:rPr lang="fr-FR" sz="1200" dirty="0"/>
               <a:t>&gt;&gt;&gt; </a:t>
             </a:r>
             <a:r>
-              <a:rPr lang="mr-IN" sz="1200" dirty="0" smtClean="0"/>
+              <a:rPr lang="mr-IN" sz="1200" dirty="0"/>
               <a:t>my_seq</a:t>
             </a:r>
             <a:r>
-              <a:rPr lang="fr-FR" sz="1200" dirty="0" smtClean="0"/>
+              <a:rPr lang="fr-FR" sz="1200" dirty="0"/>
               <a:t>[</a:t>
             </a:r>
             <a:r>
-              <a:rPr lang="mr-IN" sz="1200" dirty="0" smtClean="0"/>
+              <a:rPr lang="mr-IN" sz="1200" dirty="0"/>
               <a:t>0</a:t>
             </a:r>
             <a:r>
-              <a:rPr lang="fr-FR" sz="1200" dirty="0" smtClean="0"/>
+              <a:rPr lang="fr-FR" sz="1200" dirty="0"/>
               <a:t>::</a:t>
             </a:r>
             <a:r>
-              <a:rPr lang="mr-IN" sz="1200" dirty="0" smtClean="0"/>
+              <a:rPr lang="mr-IN" sz="1200" dirty="0"/>
               <a:t>3</a:t>
             </a:r>
             <a:r>
-              <a:rPr lang="fr-FR" sz="1200" dirty="0" smtClean="0"/>
+              <a:rPr lang="fr-FR" sz="1200" dirty="0"/>
               <a:t>]</a:t>
             </a:r>
             <a:endParaRPr lang="en-US" sz="1200" dirty="0"/>
@@ -12117,28 +11605,12 @@
               <a:t>(</a:t>
             </a:r>
             <a:r>
-              <a:rPr lang="mr-IN" sz="1200" dirty="0" smtClean="0">
+              <a:rPr lang="mr-IN" sz="1200" dirty="0">
                 <a:solidFill>
                   <a:srgbClr val="FF0000"/>
                 </a:solidFill>
               </a:rPr>
-              <a:t>AGGCATGCATC</a:t>
-            </a:r>
-            <a:r>
-              <a:rPr lang="mr-IN" sz="1200" dirty="0">
-                <a:solidFill>
-                  <a:srgbClr val="FF0000"/>
-                </a:solidFill>
-              </a:rPr>
-              <a:t>', </a:t>
-            </a:r>
-            <a:r>
-              <a:rPr lang="mr-IN" sz="1200" dirty="0" smtClean="0">
-                <a:solidFill>
-                  <a:srgbClr val="FF0000"/>
-                </a:solidFill>
-              </a:rPr>
-              <a:t>IUPACUnambiguousDNA</a:t>
+              <a:t>AGGCATGCATC', IUPACUnambiguousDNA</a:t>
             </a:r>
             <a:r>
               <a:rPr lang="es-ES_tradnl" sz="1200" dirty="0">
@@ -12194,31 +11666,23 @@
           </a:lstStyle>
           <a:p>
             <a:r>
-              <a:rPr lang="fr-FR" sz="1200" dirty="0" smtClean="0"/>
+              <a:rPr lang="fr-FR" sz="1200" dirty="0"/>
               <a:t>&gt;&gt;&gt; </a:t>
             </a:r>
             <a:r>
-              <a:rPr lang="mr-IN" sz="1200" dirty="0" smtClean="0"/>
+              <a:rPr lang="mr-IN" sz="1200" dirty="0"/>
               <a:t>my_seq</a:t>
             </a:r>
             <a:r>
-              <a:rPr lang="fr-FR" sz="1200" dirty="0" smtClean="0"/>
-              <a:t>[</a:t>
-            </a:r>
-            <a:r>
               <a:rPr lang="fr-FR" sz="1200" dirty="0"/>
-              <a:t>1</a:t>
-            </a:r>
-            <a:r>
-              <a:rPr lang="fr-FR" sz="1200" dirty="0" smtClean="0"/>
-              <a:t>::</a:t>
-            </a:r>
-            <a:r>
-              <a:rPr lang="mr-IN" sz="1200" dirty="0" smtClean="0"/>
+              <a:t>[1::</a:t>
+            </a:r>
+            <a:r>
+              <a:rPr lang="mr-IN" sz="1200" dirty="0"/>
               <a:t>3</a:t>
             </a:r>
             <a:r>
-              <a:rPr lang="fr-FR" sz="1200" dirty="0" smtClean="0"/>
+              <a:rPr lang="fr-FR" sz="1200" dirty="0"/>
               <a:t>]</a:t>
             </a:r>
             <a:endParaRPr lang="en-US" sz="1200" dirty="0"/>
@@ -12263,23 +11727,23 @@
           </a:lstStyle>
           <a:p>
             <a:r>
-              <a:rPr lang="fr-FR" sz="1200" dirty="0" smtClean="0"/>
+              <a:rPr lang="fr-FR" sz="1200" dirty="0"/>
               <a:t>&gt;&gt;&gt; </a:t>
             </a:r>
             <a:r>
-              <a:rPr lang="mr-IN" sz="1200" dirty="0" smtClean="0"/>
+              <a:rPr lang="mr-IN" sz="1200" dirty="0"/>
               <a:t>my_seq</a:t>
             </a:r>
             <a:r>
-              <a:rPr lang="fr-FR" sz="1200" dirty="0" smtClean="0"/>
+              <a:rPr lang="fr-FR" sz="1200" dirty="0"/>
               <a:t>[2::</a:t>
             </a:r>
             <a:r>
-              <a:rPr lang="mr-IN" sz="1200" dirty="0" smtClean="0"/>
+              <a:rPr lang="mr-IN" sz="1200" dirty="0"/>
               <a:t>3</a:t>
             </a:r>
             <a:r>
-              <a:rPr lang="fr-FR" sz="1200" dirty="0" smtClean="0"/>
+              <a:rPr lang="fr-FR" sz="1200" dirty="0"/>
               <a:t>]</a:t>
             </a:r>
             <a:endParaRPr lang="en-US" sz="1200" dirty="0"/>
@@ -12430,15 +11894,7 @@
                   <a:srgbClr val="FF0000"/>
                 </a:solidFill>
               </a:rPr>
-              <a:t>()</a:t>
-            </a:r>
-            <a:r>
-              <a:rPr lang="es-ES_tradnl" sz="1200" dirty="0" smtClean="0">
-                <a:solidFill>
-                  <a:srgbClr val="FF0000"/>
-                </a:solidFill>
-              </a:rPr>
-              <a:t>)</a:t>
+              <a:t>())</a:t>
             </a:r>
           </a:p>
         </p:txBody>
@@ -12494,39 +11950,23 @@
                   <a:srgbClr val="FF0000"/>
                 </a:solidFill>
               </a:rPr>
-              <a:t>(</a:t>
-            </a:r>
-            <a:r>
-              <a:rPr lang="es-ES_tradnl" sz="1200" dirty="0" smtClean="0">
+              <a:t>('</a:t>
+            </a:r>
+            <a:r>
+              <a:rPr lang="en-US" sz="1200" dirty="0">
                 <a:solidFill>
                   <a:srgbClr val="FF0000"/>
                 </a:solidFill>
               </a:rPr>
-              <a:t>'</a:t>
-            </a:r>
-            <a:r>
-              <a:rPr lang="en-US" sz="1200" dirty="0">
+              <a:t>GATGGGCC</a:t>
+            </a:r>
+            <a:r>
+              <a:rPr lang="es-ES_tradnl" sz="1200" dirty="0">
                 <a:solidFill>
                   <a:srgbClr val="FF0000"/>
                 </a:solidFill>
               </a:rPr>
-              <a:t>GATGGGCC</a:t>
-            </a:r>
-            <a:r>
-              <a:rPr lang="es-ES_tradnl" sz="1200" dirty="0" smtClean="0">
-                <a:solidFill>
-                  <a:srgbClr val="FF0000"/>
-                </a:solidFill>
-              </a:rPr>
-              <a:t>'</a:t>
-            </a:r>
-            <a:r>
-              <a:rPr lang="es-ES_tradnl" sz="1200" dirty="0">
-                <a:solidFill>
-                  <a:srgbClr val="FF0000"/>
-                </a:solidFill>
-              </a:rPr>
-              <a:t>, </a:t>
+              <a:t>', </a:t>
             </a:r>
             <a:r>
               <a:rPr lang="es-ES_tradnl" sz="1200" dirty="0" err="1">
@@ -12762,75 +12202,30 @@
           <a:p>
             <a:r>
               <a:rPr lang="en-US" dirty="0"/>
-              <a:t>T</a:t>
-            </a:r>
-            <a:r>
-              <a:rPr lang="en-US" dirty="0" smtClean="0"/>
-              <a:t>he </a:t>
+              <a:t>The new object produced is another </a:t>
+            </a:r>
+            <a:r>
+              <a:rPr lang="en-US" dirty="0" err="1"/>
+              <a:t>Seq</a:t>
             </a:r>
             <a:r>
               <a:rPr lang="en-US" dirty="0"/>
-              <a:t>new </a:t>
-            </a:r>
-            <a:r>
-              <a:rPr lang="en-US" dirty="0" smtClean="0"/>
-              <a:t>object produced </a:t>
+              <a:t> object which retains the alphabet information from the original </a:t>
+            </a:r>
+            <a:r>
+              <a:rPr lang="en-US" dirty="0" err="1"/>
+              <a:t>Seq</a:t>
             </a:r>
             <a:r>
               <a:rPr lang="en-US" dirty="0"/>
-              <a:t>is </a:t>
-            </a:r>
-            <a:r>
-              <a:rPr lang="en-US" dirty="0" smtClean="0"/>
-              <a:t>another </a:t>
-            </a:r>
-            <a:r>
-              <a:rPr lang="en-US" dirty="0" err="1" smtClean="0"/>
-              <a:t>Seq</a:t>
-            </a:r>
+              <a:t> object</a:t>
+            </a:r>
+          </a:p>
+          <a:p>
             <a:r>
               <a:rPr lang="en-US" dirty="0"/>
-              <a:t> </a:t>
-            </a:r>
-            <a:r>
-              <a:rPr lang="en-US" dirty="0" smtClean="0"/>
-              <a:t>object </a:t>
-            </a:r>
-            <a:r>
-              <a:rPr lang="en-US" dirty="0"/>
-              <a:t>which retains </a:t>
-            </a:r>
-            <a:r>
-              <a:rPr lang="en-US" dirty="0" smtClean="0"/>
-              <a:t>the alphabet </a:t>
-            </a:r>
-            <a:r>
-              <a:rPr lang="en-US" dirty="0"/>
-              <a:t>information from the </a:t>
-            </a:r>
-            <a:r>
-              <a:rPr lang="en-US" dirty="0" smtClean="0"/>
-              <a:t>original </a:t>
-            </a:r>
-            <a:r>
-              <a:rPr lang="en-US" dirty="0" err="1" smtClean="0"/>
-              <a:t>Seq</a:t>
-            </a:r>
-            <a:r>
-              <a:rPr lang="en-US" dirty="0"/>
-              <a:t> </a:t>
-            </a:r>
-            <a:r>
-              <a:rPr lang="en-US" dirty="0" smtClean="0"/>
-              <a:t>object</a:t>
-            </a:r>
-          </a:p>
-          <a:p>
-            <a:r>
-              <a:rPr lang="en-US" dirty="0" smtClean="0"/>
               <a:t>Get the first, second and third codons positions using “stride” (“::”) :</a:t>
             </a:r>
-            <a:endParaRPr lang="en-US" dirty="0"/>
           </a:p>
         </p:txBody>
       </p:sp>
@@ -12872,27 +12267,27 @@
           </a:lstStyle>
           <a:p>
             <a:r>
-              <a:rPr lang="fr-FR" sz="1200" dirty="0" smtClean="0"/>
+              <a:rPr lang="fr-FR" sz="1200" dirty="0"/>
               <a:t>&gt;&gt;&gt; </a:t>
             </a:r>
             <a:r>
-              <a:rPr lang="mr-IN" sz="1200" dirty="0" smtClean="0"/>
+              <a:rPr lang="mr-IN" sz="1200" dirty="0"/>
               <a:t>my_seq</a:t>
             </a:r>
             <a:r>
-              <a:rPr lang="fr-FR" sz="1200" dirty="0" smtClean="0"/>
+              <a:rPr lang="fr-FR" sz="1200" dirty="0"/>
               <a:t>[::-1] ## </a:t>
             </a:r>
             <a:r>
-              <a:rPr lang="fr-FR" sz="1200" dirty="0" err="1" smtClean="0"/>
+              <a:rPr lang="fr-FR" sz="1200" dirty="0" err="1"/>
               <a:t>Get</a:t>
             </a:r>
             <a:r>
-              <a:rPr lang="fr-FR" sz="1200" dirty="0" smtClean="0"/>
+              <a:rPr lang="fr-FR" sz="1200" dirty="0"/>
               <a:t> the reverse </a:t>
             </a:r>
             <a:r>
-              <a:rPr lang="fr-FR" sz="1200" dirty="0" err="1" smtClean="0"/>
+              <a:rPr lang="fr-FR" sz="1200" dirty="0" err="1"/>
               <a:t>sequence</a:t>
             </a:r>
             <a:endParaRPr lang="en-US" sz="1200" dirty="0"/>
@@ -12950,31 +12345,31 @@
                   <a:srgbClr val="FF0000"/>
                 </a:solidFill>
               </a:rPr>
-              <a:t>(</a:t>
-            </a:r>
-            <a:r>
-              <a:rPr lang="es-ES_tradnl" sz="1200" dirty="0" smtClean="0">
+              <a:t>('</a:t>
+            </a:r>
+            <a:r>
+              <a:rPr lang="en-US" sz="1200" dirty="0">
                 <a:solidFill>
                   <a:srgbClr val="FF0000"/>
                 </a:solidFill>
               </a:rPr>
-              <a:t>'</a:t>
-            </a:r>
-            <a:r>
-              <a:rPr lang="en-US" sz="1200" dirty="0">
+              <a:t>CGCTAAAAGCTAGGATATATCCGGGTAGCTAG</a:t>
+            </a:r>
+            <a:r>
+              <a:rPr lang="es-ES_tradnl" sz="1200" dirty="0">
                 <a:solidFill>
                   <a:srgbClr val="FF0000"/>
                 </a:solidFill>
               </a:rPr>
-              <a:t>CGCTAAAAGCTAGGATATATCCGGGTAGCTAG</a:t>
-            </a:r>
-            <a:r>
-              <a:rPr lang="es-ES_tradnl" sz="1200" dirty="0" smtClean="0">
+              <a:t>', </a:t>
+            </a:r>
+            <a:r>
+              <a:rPr lang="es-ES_tradnl" sz="1200" dirty="0" err="1">
                 <a:solidFill>
                   <a:srgbClr val="FF0000"/>
                 </a:solidFill>
               </a:rPr>
-              <a:t>'</a:t>
+              <a:t>IUPACUnambiguousDNA</a:t>
             </a:r>
             <a:r>
               <a:rPr lang="es-ES_tradnl" sz="1200" dirty="0">
@@ -12982,31 +12377,7 @@
                   <a:srgbClr val="FF0000"/>
                 </a:solidFill>
               </a:rPr>
-              <a:t>, </a:t>
-            </a:r>
-            <a:r>
-              <a:rPr lang="es-ES_tradnl" sz="1200" dirty="0" err="1">
-                <a:solidFill>
-                  <a:srgbClr val="FF0000"/>
-                </a:solidFill>
-              </a:rPr>
-              <a:t>IUPACUnambiguousDNA</a:t>
-            </a:r>
-            <a:r>
-              <a:rPr lang="es-ES_tradnl" sz="1200" dirty="0">
-                <a:solidFill>
-                  <a:srgbClr val="FF0000"/>
-                </a:solidFill>
-              </a:rPr>
-              <a:t>()</a:t>
-            </a:r>
-            <a:r>
-              <a:rPr lang="es-ES_tradnl" sz="1200" dirty="0" smtClean="0">
-                <a:solidFill>
-                  <a:srgbClr val="FF0000"/>
-                </a:solidFill>
-              </a:rPr>
-              <a:t>)</a:t>
+              <a:t>())</a:t>
             </a:r>
           </a:p>
         </p:txBody>
@@ -13093,24 +12464,8 @@
           <a:lstStyle/>
           <a:p>
             <a:r>
-              <a:rPr lang="en-US" dirty="0" smtClean="0"/>
-              <a:t>To </a:t>
-            </a:r>
-            <a:r>
               <a:rPr lang="en-US" dirty="0"/>
-              <a:t>write to a </a:t>
-            </a:r>
-            <a:r>
-              <a:rPr lang="en-US" dirty="0" smtClean="0"/>
-              <a:t>file</a:t>
-            </a:r>
-            <a:r>
-              <a:rPr lang="en-US" dirty="0"/>
-              <a:t>, or insert into a </a:t>
-            </a:r>
-            <a:r>
-              <a:rPr lang="en-US" dirty="0" smtClean="0"/>
-              <a:t>database</a:t>
+              <a:t>To write to a file, or insert into a database</a:t>
             </a:r>
             <a:endParaRPr lang="fr-FR" dirty="0"/>
           </a:p>
@@ -13133,7 +12488,7 @@
           <a:p>
             <a:fld id="{699AB616-0234-D54F-99FF-8E04F0C35AB0}" type="datetime1">
               <a:rPr lang="fr-FR" smtClean="0"/>
-              <a:t>16/11/16</a:t>
+              <a:t>08/11/2018</a:t>
             </a:fld>
             <a:endParaRPr lang="fr-FR" dirty="0"/>
           </a:p>
@@ -13155,7 +12510,7 @@
           <a:lstStyle/>
           <a:p>
             <a:r>
-              <a:rPr lang="fr-FR" smtClean="0"/>
+              <a:rPr lang="fr-FR"/>
               <a:t>Python pour la biologie</a:t>
             </a:r>
             <a:endParaRPr lang="fr-FR" dirty="0"/>
@@ -13224,57 +12579,49 @@
           </a:lstStyle>
           <a:p>
             <a:r>
-              <a:rPr lang="fr-FR" sz="1200" dirty="0" smtClean="0"/>
+              <a:rPr lang="fr-FR" sz="1200" dirty="0"/>
               <a:t>&gt;&gt;&gt;</a:t>
             </a:r>
             <a:r>
-              <a:rPr lang="mr-IN" sz="1200" dirty="0" smtClean="0"/>
+              <a:rPr lang="mr-IN" sz="1200" dirty="0"/>
               <a:t> </a:t>
             </a:r>
             <a:r>
-              <a:rPr lang="mr-IN" sz="1200" smtClean="0"/>
+              <a:rPr lang="mr-IN" sz="1200"/>
               <a:t>fasta_format_string </a:t>
             </a:r>
             <a:r>
-              <a:rPr lang="fr-FR" sz="1200" smtClean="0"/>
+              <a:rPr lang="fr-FR" sz="1200"/>
               <a:t>=</a:t>
-            </a:r>
-            <a:r>
-              <a:rPr lang="mr-IN" sz="1200" dirty="0" smtClean="0"/>
-              <a:t>“</a:t>
-            </a:r>
-            <a:r>
-              <a:rPr lang="fr-FR" sz="1200" dirty="0" smtClean="0"/>
-              <a:t>&gt;</a:t>
-            </a:r>
-            <a:r>
-              <a:rPr lang="mr-IN" sz="1200" dirty="0" smtClean="0"/>
-              <a:t>Name\n%s\n</a:t>
             </a:r>
             <a:r>
               <a:rPr lang="mr-IN" sz="1200" dirty="0"/>
               <a:t>“</a:t>
             </a:r>
             <a:r>
-              <a:rPr lang="mr-IN" sz="1200" dirty="0" smtClean="0"/>
-              <a:t> % my_seq</a:t>
-            </a:r>
-          </a:p>
-          <a:p>
-            <a:r>
-              <a:rPr lang="fr-FR" sz="1200" dirty="0" smtClean="0"/>
+              <a:rPr lang="fr-FR" sz="1200" dirty="0"/>
+              <a:t>&gt;</a:t>
+            </a:r>
+            <a:r>
+              <a:rPr lang="mr-IN" sz="1200" dirty="0"/>
+              <a:t>Name\n%s\n“ % my_seq</a:t>
+            </a:r>
+          </a:p>
+          <a:p>
+            <a:r>
+              <a:rPr lang="fr-FR" sz="1200" dirty="0"/>
               <a:t>&gt;&gt;&gt;</a:t>
             </a:r>
             <a:r>
-              <a:rPr lang="mr-IN" sz="1200" dirty="0" smtClean="0"/>
+              <a:rPr lang="mr-IN" sz="1200" dirty="0"/>
               <a:t> print</a:t>
             </a:r>
             <a:r>
-              <a:rPr lang="fr-FR" sz="1200" dirty="0" smtClean="0"/>
+              <a:rPr lang="fr-FR" sz="1200" dirty="0"/>
               <a:t>(</a:t>
             </a:r>
             <a:r>
-              <a:rPr lang="mr-IN" sz="1200" dirty="0" smtClean="0"/>
+              <a:rPr lang="mr-IN" sz="1200" dirty="0"/>
               <a:t>fasta_format_string</a:t>
             </a:r>
             <a:r>
@@ -13323,23 +12670,23 @@
           </a:lstStyle>
           <a:p>
             <a:r>
-              <a:rPr lang="fr-FR" sz="1200" dirty="0" smtClean="0"/>
+              <a:rPr lang="fr-FR" sz="1200" dirty="0"/>
               <a:t>&gt;&gt;&gt; </a:t>
             </a:r>
             <a:r>
-              <a:rPr lang="mr-IN" sz="1200" dirty="0" smtClean="0"/>
+              <a:rPr lang="mr-IN" sz="1200" dirty="0"/>
               <a:t>print</a:t>
             </a:r>
             <a:r>
-              <a:rPr lang="fr-FR" sz="1200" dirty="0" smtClean="0"/>
+              <a:rPr lang="fr-FR" sz="1200" dirty="0"/>
               <a:t>(</a:t>
             </a:r>
             <a:r>
-              <a:rPr lang="mr-IN" sz="1200" dirty="0" smtClean="0"/>
+              <a:rPr lang="mr-IN" sz="1200" dirty="0"/>
               <a:t>my_se</a:t>
             </a:r>
             <a:r>
-              <a:rPr lang="fr-FR" sz="1200" dirty="0" smtClean="0"/>
+              <a:rPr lang="fr-FR" sz="1200" dirty="0"/>
               <a:t>q)</a:t>
             </a:r>
             <a:endParaRPr lang="en-US" sz="1200" dirty="0"/>
@@ -13432,23 +12779,23 @@
           </a:lstStyle>
           <a:p>
             <a:r>
-              <a:rPr lang="fr-FR" sz="1200" dirty="0" smtClean="0"/>
+              <a:rPr lang="fr-FR" sz="1200" dirty="0"/>
               <a:t>&gt;&gt;&gt; </a:t>
             </a:r>
             <a:r>
-              <a:rPr lang="mr-IN" sz="1200" dirty="0" smtClean="0"/>
+              <a:rPr lang="mr-IN" sz="1200" dirty="0"/>
               <a:t>str</a:t>
             </a:r>
             <a:r>
-              <a:rPr lang="fr-FR" sz="1200" dirty="0" smtClean="0"/>
+              <a:rPr lang="fr-FR" sz="1200" dirty="0"/>
               <a:t>(</a:t>
             </a:r>
             <a:r>
-              <a:rPr lang="mr-IN" sz="1200" dirty="0" smtClean="0"/>
+              <a:rPr lang="mr-IN" sz="1200" dirty="0"/>
               <a:t>my_seq</a:t>
             </a:r>
             <a:r>
-              <a:rPr lang="fr-FR" sz="1200" dirty="0" smtClean="0"/>
+              <a:rPr lang="fr-FR" sz="1200" dirty="0"/>
               <a:t>)</a:t>
             </a:r>
             <a:endParaRPr lang="en-US" sz="1200" dirty="0"/>
@@ -13808,11 +13155,7 @@
             </a:r>
             <a:r>
               <a:rPr lang="en-US" dirty="0"/>
-              <a:t> object returns the full sequence as a </a:t>
-            </a:r>
-            <a:r>
-              <a:rPr lang="en-US" dirty="0" smtClean="0"/>
-              <a:t>string</a:t>
+              <a:t> object returns the full sequence as a string</a:t>
             </a:r>
           </a:p>
           <a:p>
@@ -14032,12 +13375,8 @@
           </a:lstStyle>
           <a:p>
             <a:r>
-              <a:rPr lang="en-US" dirty="0" smtClean="0"/>
-              <a:t>Also </a:t>
-            </a:r>
-            <a:r>
               <a:rPr lang="en-US" dirty="0"/>
-              <a:t>use the </a:t>
+              <a:t>Also use the </a:t>
             </a:r>
             <a:r>
               <a:rPr lang="en-US" dirty="0" err="1"/>
@@ -14129,19 +13468,7 @@
           <a:p>
             <a:r>
               <a:rPr lang="en-US" dirty="0"/>
-              <a:t>C</a:t>
-            </a:r>
-            <a:r>
-              <a:rPr lang="en-US" dirty="0" smtClean="0"/>
-              <a:t>an't </a:t>
-            </a:r>
-            <a:r>
-              <a:rPr lang="en-US" dirty="0"/>
-              <a:t>add sequences with incompatible alphabets, </a:t>
-            </a:r>
-            <a:r>
-              <a:rPr lang="en-US" dirty="0" smtClean="0"/>
-              <a:t>(protein and DNA)</a:t>
+              <a:t>Can't add sequences with incompatible alphabets, (protein and DNA)</a:t>
             </a:r>
             <a:endParaRPr lang="fr-FR" dirty="0"/>
           </a:p>
@@ -14164,7 +13491,7 @@
           <a:p>
             <a:fld id="{60307B84-0F4B-7440-A630-E7011DC2BC1B}" type="datetime1">
               <a:rPr lang="fr-FR" smtClean="0"/>
-              <a:t>16/11/16</a:t>
+              <a:t>08/11/2018</a:t>
             </a:fld>
             <a:endParaRPr lang="fr-FR" dirty="0"/>
           </a:p>
@@ -14186,7 +13513,7 @@
           <a:lstStyle/>
           <a:p>
             <a:r>
-              <a:rPr lang="fr-FR" smtClean="0"/>
+              <a:rPr lang="fr-FR"/>
               <a:t>Python pour la biologie</a:t>
             </a:r>
             <a:endParaRPr lang="fr-FR" dirty="0"/>
@@ -14269,12 +13596,8 @@
           </a:p>
           <a:p>
             <a:r>
-              <a:rPr lang="en-US" sz="1200" dirty="0" smtClean="0"/>
-              <a:t>&gt;</a:t>
-            </a:r>
-            <a:r>
               <a:rPr lang="en-US" sz="1200" dirty="0"/>
-              <a:t>&gt;&gt; </a:t>
+              <a:t>&gt;&gt;&gt; </a:t>
             </a:r>
             <a:r>
               <a:rPr lang="en-US" sz="1200" dirty="0" err="1"/>
@@ -14345,7 +13668,7 @@
               <a:t> + </a:t>
             </a:r>
             <a:r>
-              <a:rPr lang="en-US" sz="1200" dirty="0" err="1" smtClean="0"/>
+              <a:rPr lang="en-US" sz="1200" dirty="0" err="1"/>
               <a:t>dna_seq</a:t>
             </a:r>
             <a:endParaRPr lang="en-US" sz="1200" dirty="0"/>
@@ -14459,7 +13782,7 @@
               <a:t> + </a:t>
             </a:r>
             <a:r>
-              <a:rPr lang="en-US" sz="1200" dirty="0" err="1" smtClean="0"/>
+              <a:rPr lang="en-US" sz="1200" dirty="0" err="1"/>
               <a:t>dna_seq</a:t>
             </a:r>
             <a:endParaRPr lang="en-US" sz="1200" dirty="0"/>
@@ -14675,7 +13998,7 @@
           </a:lstStyle>
           <a:p>
             <a:r>
-              <a:rPr lang="en-US" dirty="0" smtClean="0"/>
+              <a:rPr lang="en-US" dirty="0"/>
               <a:t>To do this, first give both sequences generic alphabets</a:t>
             </a:r>
           </a:p>
@@ -14722,7 +14045,7 @@
           </a:lstStyle>
           <a:p>
             <a:r>
-              <a:rPr lang="en-US" sz="1200" dirty="0" err="1" smtClean="0">
+              <a:rPr lang="en-US" sz="1200" dirty="0" err="1">
                 <a:solidFill>
                   <a:srgbClr val="FF0000"/>
                 </a:solidFill>
@@ -14730,20 +14053,12 @@
               <a:t>Traceback</a:t>
             </a:r>
             <a:r>
-              <a:rPr lang="en-US" sz="1200" dirty="0" smtClean="0">
+              <a:rPr lang="en-US" sz="1200" dirty="0">
                 <a:solidFill>
                   <a:srgbClr val="FF0000"/>
                 </a:solidFill>
               </a:rPr>
-              <a:t> </a:t>
-            </a:r>
-            <a:r>
-              <a:rPr lang="en-US" sz="1200" dirty="0">
-                <a:solidFill>
-                  <a:srgbClr val="FF0000"/>
-                </a:solidFill>
-              </a:rPr>
-              <a:t>(most recent call last):</a:t>
+              <a:t> (most recent call last):</a:t>
             </a:r>
           </a:p>
           <a:p>
@@ -14850,7 +14165,7 @@
           </a:lstStyle>
           <a:p>
             <a:r>
-              <a:rPr lang="en-US" sz="1200" dirty="0" err="1" smtClean="0">
+              <a:rPr lang="en-US" sz="1200" dirty="0" err="1">
                 <a:solidFill>
                   <a:srgbClr val="FF0000"/>
                 </a:solidFill>
@@ -15010,12 +14325,8 @@
               <a:t>&gt;&gt;&gt; </a:t>
             </a:r>
             <a:r>
-              <a:rPr lang="mr-IN" sz="1200" dirty="0" smtClean="0"/>
-              <a:t>nuc_seq </a:t>
-            </a:r>
-            <a:r>
               <a:rPr lang="mr-IN" sz="1200" dirty="0"/>
-              <a:t>+ dna_seq</a:t>
+              <a:t>nuc_seq + dna_seq</a:t>
             </a:r>
           </a:p>
         </p:txBody>
@@ -15307,23 +14618,7 @@
           <a:p>
             <a:r>
               <a:rPr lang="en-US" dirty="0"/>
-              <a:t>Adding a generic nucleotide </a:t>
-            </a:r>
-            <a:r>
-              <a:rPr lang="en-US" dirty="0" smtClean="0"/>
-              <a:t>seq. </a:t>
-            </a:r>
-            <a:r>
-              <a:rPr lang="en-US" dirty="0"/>
-              <a:t>to an unambiguous IUPAC </a:t>
-            </a:r>
-            <a:r>
-              <a:rPr lang="en-US" dirty="0" smtClean="0"/>
-              <a:t>DNA seq</a:t>
-            </a:r>
-            <a:r>
-              <a:rPr lang="en-US" dirty="0"/>
-              <a:t>.</a:t>
+              <a:t>Adding a generic nucleotide seq. to an unambiguous IUPAC DNA seq.</a:t>
             </a:r>
             <a:endParaRPr lang="fr-FR" dirty="0"/>
           </a:p>
@@ -15376,11 +14671,7 @@
           <a:p>
             <a:r>
               <a:rPr lang="en-US" dirty="0"/>
-              <a:t>Concatenating or adding </a:t>
-            </a:r>
-            <a:r>
-              <a:rPr lang="en-US" dirty="0" smtClean="0"/>
-              <a:t>sequences (2)</a:t>
+              <a:t>Concatenating or adding sequences (2)</a:t>
             </a:r>
             <a:endParaRPr lang="fr-FR" dirty="0"/>
           </a:p>
@@ -15408,13 +14699,8 @@
           <a:p>
             <a:r>
               <a:rPr lang="en-US" dirty="0"/>
-              <a:t>Many sequences to add </a:t>
-            </a:r>
-            <a:r>
-              <a:rPr lang="en-US" dirty="0" smtClean="0"/>
-              <a:t>together:</a:t>
-            </a:r>
-            <a:endParaRPr lang="en-US" dirty="0"/>
+              <a:t>Many sequences to add together:</a:t>
+            </a:r>
           </a:p>
           <a:p>
             <a:endParaRPr lang="fr-FR" dirty="0"/>
@@ -15438,7 +14724,7 @@
           <a:p>
             <a:fld id="{1FFBF990-51E3-ED4E-9917-247F77CC2235}" type="datetime1">
               <a:rPr lang="fr-FR" smtClean="0"/>
-              <a:t>16/11/16</a:t>
+              <a:t>08/11/2018</a:t>
             </a:fld>
             <a:endParaRPr lang="fr-FR" dirty="0"/>
           </a:p>
@@ -15460,7 +14746,7 @@
           <a:lstStyle/>
           <a:p>
             <a:r>
-              <a:rPr lang="fr-FR" smtClean="0"/>
+              <a:rPr lang="fr-FR"/>
               <a:t>Python pour la biologie</a:t>
             </a:r>
             <a:endParaRPr lang="fr-FR" dirty="0"/>
@@ -15529,37 +14815,29 @@
           </a:lstStyle>
           <a:p>
             <a:r>
-              <a:rPr lang="fr-FR" sz="1200" dirty="0" smtClean="0"/>
+              <a:rPr lang="fr-FR" sz="1200" dirty="0"/>
               <a:t>&gt;&gt;&gt;</a:t>
             </a:r>
             <a:r>
-              <a:rPr lang="mr-IN" sz="1200" dirty="0" smtClean="0"/>
-              <a:t> </a:t>
-            </a:r>
-            <a:r>
               <a:rPr lang="mr-IN" sz="1200" dirty="0"/>
-              <a:t>from Bio.Alphabet import generic_dna</a:t>
-            </a:r>
-          </a:p>
-          <a:p>
-            <a:r>
-              <a:rPr lang="fr-FR" sz="1200" dirty="0" smtClean="0"/>
+              <a:t> from Bio.Alphabet import generic_dna</a:t>
+            </a:r>
+          </a:p>
+          <a:p>
+            <a:r>
+              <a:rPr lang="fr-FR" sz="1200" dirty="0"/>
               <a:t>&gt;&gt;&gt;</a:t>
             </a:r>
             <a:r>
-              <a:rPr lang="mr-IN" sz="1200" dirty="0" smtClean="0"/>
-              <a:t> </a:t>
-            </a:r>
-            <a:r>
               <a:rPr lang="mr-IN" sz="1200" dirty="0"/>
-              <a:t>list_of_seqs = </a:t>
-            </a:r>
-            <a:r>
-              <a:rPr lang="fr-FR" sz="1200" dirty="0" smtClean="0"/>
+              <a:t> list_of_seqs = </a:t>
+            </a:r>
+            <a:r>
+              <a:rPr lang="fr-FR" sz="1200" dirty="0"/>
               <a:t>[</a:t>
             </a:r>
             <a:r>
-              <a:rPr lang="mr-IN" sz="1200" dirty="0" smtClean="0"/>
+              <a:rPr lang="mr-IN" sz="1200" dirty="0"/>
               <a:t>Seq</a:t>
             </a:r>
             <a:r>
@@ -15567,118 +14845,74 @@
               <a:t>(</a:t>
             </a:r>
             <a:r>
-              <a:rPr lang="mr-IN" sz="1200" dirty="0" smtClean="0"/>
-              <a:t>"</a:t>
-            </a:r>
-            <a:r>
               <a:rPr lang="mr-IN" sz="1200" dirty="0"/>
-              <a:t>ACGT", </a:t>
-            </a:r>
-            <a:r>
-              <a:rPr lang="mr-IN" sz="1200" dirty="0" smtClean="0"/>
-              <a:t>generic_dna</a:t>
-            </a:r>
-            <a:r>
-              <a:rPr lang="fr-FR" sz="1200" dirty="0" smtClean="0"/>
+              <a:t>"ACGT", generic_dna</a:t>
+            </a:r>
+            <a:r>
+              <a:rPr lang="fr-FR" sz="1200" dirty="0"/>
               <a:t>)</a:t>
             </a:r>
             <a:r>
-              <a:rPr lang="mr-IN" sz="1200" dirty="0" smtClean="0"/>
+              <a:rPr lang="mr-IN" sz="1200" dirty="0"/>
               <a:t>, Seq</a:t>
             </a:r>
             <a:r>
-              <a:rPr lang="fr-FR" sz="1200" dirty="0" smtClean="0"/>
+              <a:rPr lang="fr-FR" sz="1200" dirty="0"/>
               <a:t>(</a:t>
             </a:r>
             <a:r>
-              <a:rPr lang="mr-IN" sz="1200" dirty="0" smtClean="0"/>
-              <a:t>"</a:t>
-            </a:r>
-            <a:r>
               <a:rPr lang="mr-IN" sz="1200" dirty="0"/>
-              <a:t>AACC", </a:t>
-            </a:r>
-            <a:r>
-              <a:rPr lang="mr-IN" sz="1200" dirty="0" smtClean="0"/>
-              <a:t>generic_dna</a:t>
-            </a:r>
-            <a:r>
-              <a:rPr lang="fr-FR" sz="1200" dirty="0" smtClean="0"/>
+              <a:t>"AACC", generic_dna</a:t>
+            </a:r>
+            <a:r>
+              <a:rPr lang="fr-FR" sz="1200" dirty="0"/>
               <a:t>)</a:t>
             </a:r>
             <a:r>
-              <a:rPr lang="mr-IN" sz="1200" dirty="0" smtClean="0"/>
+              <a:rPr lang="mr-IN" sz="1200" dirty="0"/>
               <a:t>, Seq</a:t>
             </a:r>
             <a:r>
-              <a:rPr lang="fr-FR" sz="1200" dirty="0" smtClean="0"/>
+              <a:rPr lang="fr-FR" sz="1200" dirty="0"/>
               <a:t>(</a:t>
             </a:r>
             <a:r>
-              <a:rPr lang="mr-IN" sz="1200" dirty="0" smtClean="0"/>
-              <a:t>"</a:t>
-            </a:r>
-            <a:r>
               <a:rPr lang="mr-IN" sz="1200" dirty="0"/>
-              <a:t>GGTT", </a:t>
-            </a:r>
-            <a:r>
-              <a:rPr lang="mr-IN" sz="1200" dirty="0" smtClean="0"/>
-              <a:t>generic_dna</a:t>
-            </a:r>
-            <a:r>
-              <a:rPr lang="fr-FR" sz="1200" dirty="0" smtClean="0"/>
-              <a:t>)</a:t>
+              <a:t>"GGTT", generic_dna</a:t>
             </a:r>
             <a:r>
               <a:rPr lang="fr-FR" sz="1200" dirty="0"/>
-              <a:t>]</a:t>
+              <a:t>)]</a:t>
             </a:r>
             <a:endParaRPr lang="mr-IN" sz="1200" dirty="0"/>
           </a:p>
           <a:p>
             <a:r>
-              <a:rPr lang="fr-FR" sz="1200" dirty="0" smtClean="0"/>
+              <a:rPr lang="fr-FR" sz="1200" dirty="0"/>
               <a:t>&gt;&gt;&gt;</a:t>
             </a:r>
             <a:r>
-              <a:rPr lang="mr-IN" sz="1200" dirty="0" smtClean="0"/>
+              <a:rPr lang="mr-IN" sz="1200" dirty="0"/>
               <a:t> sum</a:t>
             </a:r>
             <a:r>
-              <a:rPr lang="fr-FR" sz="1200" dirty="0" smtClean="0"/>
+              <a:rPr lang="fr-FR" sz="1200" dirty="0"/>
               <a:t>(</a:t>
             </a:r>
             <a:r>
-              <a:rPr lang="mr-IN" sz="1200" dirty="0" smtClean="0"/>
-              <a:t>list_of_seqs</a:t>
-            </a:r>
-            <a:r>
               <a:rPr lang="mr-IN" sz="1200" dirty="0"/>
-              <a:t>, </a:t>
-            </a:r>
-            <a:r>
-              <a:rPr lang="mr-IN" sz="1200" dirty="0" smtClean="0"/>
-              <a:t>Seq</a:t>
-            </a:r>
-            <a:r>
-              <a:rPr lang="fr-FR" sz="1200" dirty="0" smtClean="0"/>
+              <a:t>list_of_seqs, Seq</a:t>
+            </a:r>
+            <a:r>
+              <a:rPr lang="fr-FR" sz="1200" dirty="0"/>
               <a:t>(</a:t>
             </a:r>
             <a:r>
-              <a:rPr lang="mr-IN" sz="1200" dirty="0" smtClean="0"/>
-              <a:t>"</a:t>
-            </a:r>
-            <a:r>
               <a:rPr lang="mr-IN" sz="1200" dirty="0"/>
-              <a:t>", </a:t>
-            </a:r>
-            <a:r>
-              <a:rPr lang="mr-IN" sz="1200" dirty="0" smtClean="0"/>
-              <a:t>generic_dna</a:t>
-            </a:r>
-            <a:r>
-              <a:rPr lang="fr-FR" sz="1200" dirty="0" smtClean="0"/>
+              <a:t>"", generic_dna</a:t>
+            </a:r>
+            <a:r>
+              <a:rPr lang="fr-FR" sz="1200" dirty="0"/>
               <a:t>))</a:t>
             </a:r>
             <a:endParaRPr lang="mr-IN" sz="1200" dirty="0"/>
@@ -15895,25 +15129,8 @@
           <a:p>
             <a:r>
               <a:rPr lang="en-US" dirty="0"/>
-              <a:t>more elegant </a:t>
-            </a:r>
-            <a:r>
-              <a:rPr lang="en-US" dirty="0" smtClean="0"/>
-              <a:t>approach </a:t>
-            </a:r>
-            <a:r>
-              <a:rPr lang="en-US" dirty="0"/>
-              <a:t>using </a:t>
-            </a:r>
-            <a:r>
-              <a:rPr lang="en-US" dirty="0" smtClean="0"/>
-              <a:t>sum function </a:t>
-            </a:r>
-            <a:r>
-              <a:rPr lang="en-US" dirty="0"/>
-              <a:t>with its optional start value argument</a:t>
-            </a:r>
-            <a:endParaRPr lang="en-US" dirty="0" smtClean="0"/>
+              <a:t>more elegant approach using sum function with its optional start value argument</a:t>
+            </a:r>
           </a:p>
           <a:p>
             <a:endParaRPr lang="fr-FR" dirty="0"/>
@@ -15958,139 +15175,138 @@
           </a:lstStyle>
           <a:p>
             <a:r>
-              <a:rPr lang="en-US" sz="1200" dirty="0" smtClean="0"/>
+              <a:rPr lang="en-US" sz="1200" dirty="0"/>
               <a:t>&gt;&gt;&gt; from </a:t>
             </a:r>
             <a:r>
-              <a:rPr lang="en-US" sz="1200" dirty="0" err="1" smtClean="0"/>
+              <a:rPr lang="en-US" sz="1200" dirty="0" err="1"/>
               <a:t>Bio.Alphabet</a:t>
             </a:r>
             <a:r>
-              <a:rPr lang="en-US" sz="1200" dirty="0" smtClean="0"/>
+              <a:rPr lang="en-US" sz="1200" dirty="0"/>
               <a:t> import </a:t>
             </a:r>
             <a:r>
-              <a:rPr lang="en-US" sz="1200" dirty="0" err="1" smtClean="0"/>
+              <a:rPr lang="en-US" sz="1200" dirty="0" err="1"/>
               <a:t>generic_dna</a:t>
             </a:r>
-            <a:endParaRPr lang="en-US" sz="1200" dirty="0" smtClean="0"/>
-          </a:p>
-          <a:p>
-            <a:r>
-              <a:rPr lang="en-US" sz="1200" dirty="0" smtClean="0"/>
+            <a:endParaRPr lang="en-US" sz="1200" dirty="0"/>
+          </a:p>
+          <a:p>
+            <a:r>
+              <a:rPr lang="en-US" sz="1200" dirty="0"/>
               <a:t>&gt;&gt;&gt; </a:t>
             </a:r>
             <a:r>
-              <a:rPr lang="en-US" sz="1200" dirty="0" err="1" smtClean="0"/>
+              <a:rPr lang="en-US" sz="1200" dirty="0" err="1"/>
               <a:t>list_of_seqs</a:t>
             </a:r>
             <a:r>
-              <a:rPr lang="en-US" sz="1200" dirty="0" smtClean="0"/>
+              <a:rPr lang="en-US" sz="1200" dirty="0"/>
               <a:t> = [</a:t>
             </a:r>
             <a:r>
-              <a:rPr lang="en-US" sz="1200" dirty="0" err="1" smtClean="0"/>
+              <a:rPr lang="en-US" sz="1200" dirty="0" err="1"/>
               <a:t>Seq</a:t>
             </a:r>
             <a:r>
-              <a:rPr lang="en-US" sz="1200" dirty="0" smtClean="0"/>
+              <a:rPr lang="en-US" sz="1200" dirty="0"/>
               <a:t>("ACGT", </a:t>
             </a:r>
             <a:r>
-              <a:rPr lang="en-US" sz="1200" dirty="0" err="1" smtClean="0"/>
+              <a:rPr lang="en-US" sz="1200" dirty="0" err="1"/>
               <a:t>generic_dna</a:t>
             </a:r>
             <a:r>
-              <a:rPr lang="en-US" sz="1200" dirty="0" smtClean="0"/>
+              <a:rPr lang="en-US" sz="1200" dirty="0"/>
               <a:t>), </a:t>
             </a:r>
             <a:r>
-              <a:rPr lang="en-US" sz="1200" dirty="0" err="1" smtClean="0"/>
+              <a:rPr lang="en-US" sz="1200" dirty="0" err="1"/>
               <a:t>Seq</a:t>
             </a:r>
             <a:r>
-              <a:rPr lang="en-US" sz="1200" dirty="0" smtClean="0"/>
+              <a:rPr lang="en-US" sz="1200" dirty="0"/>
               <a:t>("AACC", </a:t>
             </a:r>
             <a:r>
-              <a:rPr lang="en-US" sz="1200" dirty="0" err="1" smtClean="0"/>
+              <a:rPr lang="en-US" sz="1200" dirty="0" err="1"/>
               <a:t>generic_dna</a:t>
             </a:r>
             <a:r>
-              <a:rPr lang="en-US" sz="1200" dirty="0" smtClean="0"/>
+              <a:rPr lang="en-US" sz="1200" dirty="0"/>
               <a:t>), </a:t>
             </a:r>
             <a:r>
-              <a:rPr lang="en-US" sz="1200" dirty="0" err="1" smtClean="0"/>
+              <a:rPr lang="en-US" sz="1200" dirty="0" err="1"/>
               <a:t>Seq</a:t>
             </a:r>
             <a:r>
-              <a:rPr lang="en-US" sz="1200" dirty="0" smtClean="0"/>
+              <a:rPr lang="en-US" sz="1200" dirty="0"/>
               <a:t>("GGTT", </a:t>
             </a:r>
             <a:r>
-              <a:rPr lang="en-US" sz="1200" dirty="0" err="1" smtClean="0"/>
+              <a:rPr lang="en-US" sz="1200" dirty="0" err="1"/>
               <a:t>generic_dna</a:t>
             </a:r>
             <a:r>
-              <a:rPr lang="en-US" sz="1200" dirty="0" smtClean="0"/>
+              <a:rPr lang="en-US" sz="1200" dirty="0"/>
               <a:t>)]</a:t>
             </a:r>
           </a:p>
           <a:p>
             <a:r>
-              <a:rPr lang="en-US" sz="1200" dirty="0" smtClean="0"/>
+              <a:rPr lang="en-US" sz="1200" dirty="0"/>
               <a:t>&gt;&gt;&gt; concatenated = </a:t>
             </a:r>
             <a:r>
-              <a:rPr lang="en-US" sz="1200" dirty="0" err="1" smtClean="0"/>
+              <a:rPr lang="en-US" sz="1200" dirty="0" err="1"/>
               <a:t>Seq</a:t>
             </a:r>
             <a:r>
-              <a:rPr lang="en-US" sz="1200" dirty="0" smtClean="0"/>
+              <a:rPr lang="en-US" sz="1200" dirty="0"/>
               <a:t>("", </a:t>
             </a:r>
             <a:r>
-              <a:rPr lang="en-US" sz="1200" dirty="0" err="1" smtClean="0"/>
+              <a:rPr lang="en-US" sz="1200" dirty="0" err="1"/>
               <a:t>generic_dna</a:t>
             </a:r>
             <a:r>
-              <a:rPr lang="en-US" sz="1200" dirty="0" smtClean="0"/>
+              <a:rPr lang="en-US" sz="1200" dirty="0"/>
               <a:t>)</a:t>
             </a:r>
           </a:p>
           <a:p>
             <a:r>
-              <a:rPr lang="en-US" sz="1200" dirty="0" smtClean="0"/>
+              <a:rPr lang="en-US" sz="1200" dirty="0"/>
               <a:t>&gt;&gt;&gt; for s in </a:t>
             </a:r>
             <a:r>
-              <a:rPr lang="en-US" sz="1200" dirty="0" err="1" smtClean="0"/>
+              <a:rPr lang="en-US" sz="1200" dirty="0" err="1"/>
               <a:t>list_of_seqs</a:t>
             </a:r>
             <a:r>
-              <a:rPr lang="en-US" sz="1200" dirty="0" smtClean="0"/>
+              <a:rPr lang="en-US" sz="1200" dirty="0"/>
               <a:t>:</a:t>
             </a:r>
           </a:p>
           <a:p>
             <a:r>
-              <a:rPr lang="en-US" sz="1200" dirty="0" smtClean="0"/>
+              <a:rPr lang="en-US" sz="1200" dirty="0"/>
               <a:t>... concatenated += s</a:t>
             </a:r>
           </a:p>
           <a:p>
             <a:r>
-              <a:rPr lang="en-US" sz="1200" dirty="0" smtClean="0"/>
+              <a:rPr lang="en-US" sz="1200" dirty="0"/>
               <a:t>...</a:t>
             </a:r>
           </a:p>
           <a:p>
             <a:r>
-              <a:rPr lang="en-US" sz="1200" dirty="0" smtClean="0"/>
+              <a:rPr lang="en-US" sz="1200" dirty="0"/>
               <a:t>&gt;&gt;&gt; concatenated</a:t>
             </a:r>
-            <a:endParaRPr lang="en-US" sz="1200" dirty="0"/>
           </a:p>
         </p:txBody>
       </p:sp>
@@ -16132,7 +15348,7 @@
           </a:lstStyle>
           <a:p>
             <a:r>
-              <a:rPr lang="mr-IN" sz="1200" dirty="0" smtClean="0">
+              <a:rPr lang="mr-IN" sz="1200" dirty="0">
                 <a:solidFill>
                   <a:srgbClr val="FF0000"/>
                 </a:solidFill>
@@ -16140,7 +15356,7 @@
               <a:t>Seq</a:t>
             </a:r>
             <a:r>
-              <a:rPr lang="fr-FR" sz="1200" dirty="0" smtClean="0">
+              <a:rPr lang="fr-FR" sz="1200" dirty="0">
                 <a:solidFill>
                   <a:srgbClr val="FF0000"/>
                 </a:solidFill>
@@ -16148,38 +15364,22 @@
               <a:t>(</a:t>
             </a:r>
             <a:r>
-              <a:rPr lang="mr-IN" sz="1200" dirty="0" smtClean="0">
+              <a:rPr lang="mr-IN" sz="1200" dirty="0">
                 <a:solidFill>
                   <a:srgbClr val="FF0000"/>
                 </a:solidFill>
               </a:rPr>
-              <a:t>ACGTAACCGGTT</a:t>
-            </a:r>
-            <a:r>
-              <a:rPr lang="mr-IN" sz="1200" dirty="0">
+              <a:t>ACGTAACCGGTT', DNAAlphabet</a:t>
+            </a:r>
+            <a:r>
+              <a:rPr lang="fr-FR" sz="1200" dirty="0">
                 <a:solidFill>
                   <a:srgbClr val="FF0000"/>
                 </a:solidFill>
               </a:rPr>
-              <a:t>', </a:t>
-            </a:r>
-            <a:r>
-              <a:rPr lang="mr-IN" sz="1200" dirty="0" smtClean="0">
-                <a:solidFill>
-                  <a:srgbClr val="FF0000"/>
-                </a:solidFill>
-              </a:rPr>
-              <a:t>DNAAlphabet</a:t>
-            </a:r>
-            <a:r>
-              <a:rPr lang="fr-FR" sz="1200" dirty="0" smtClean="0">
-                <a:solidFill>
-                  <a:srgbClr val="FF0000"/>
-                </a:solidFill>
-              </a:rPr>
               <a:t>())</a:t>
             </a:r>
-            <a:endParaRPr lang="en-US" sz="1200" dirty="0" smtClean="0">
+            <a:endParaRPr lang="en-US" sz="1200" dirty="0">
               <a:solidFill>
                 <a:srgbClr val="FF0000"/>
               </a:solidFill>
@@ -16225,7 +15425,7 @@
           </a:lstStyle>
           <a:p>
             <a:r>
-              <a:rPr lang="mr-IN" sz="1200" dirty="0" smtClean="0">
+              <a:rPr lang="mr-IN" sz="1200" dirty="0">
                 <a:solidFill>
                   <a:srgbClr val="FF0000"/>
                 </a:solidFill>
@@ -16233,7 +15433,7 @@
               <a:t>Seq</a:t>
             </a:r>
             <a:r>
-              <a:rPr lang="fr-FR" sz="1200" dirty="0" smtClean="0">
+              <a:rPr lang="fr-FR" sz="1200" dirty="0">
                 <a:solidFill>
                   <a:srgbClr val="FF0000"/>
                 </a:solidFill>
@@ -16241,42 +15441,21 @@
               <a:t>(</a:t>
             </a:r>
             <a:r>
-              <a:rPr lang="mr-IN" sz="1200" dirty="0" smtClean="0">
+              <a:rPr lang="mr-IN" sz="1200" dirty="0">
                 <a:solidFill>
                   <a:srgbClr val="FF0000"/>
                 </a:solidFill>
               </a:rPr>
-              <a:t>ACGTAACCGGTT</a:t>
-            </a:r>
-            <a:r>
-              <a:rPr lang="mr-IN" sz="1200" dirty="0">
+              <a:t>ACGTAACCGGTT', DNAAlphabet</a:t>
+            </a:r>
+            <a:r>
+              <a:rPr lang="fr-FR" sz="1200" dirty="0">
                 <a:solidFill>
                   <a:srgbClr val="FF0000"/>
                 </a:solidFill>
               </a:rPr>
-              <a:t>', </a:t>
-            </a:r>
-            <a:r>
-              <a:rPr lang="mr-IN" sz="1200" dirty="0" smtClean="0">
-                <a:solidFill>
-                  <a:srgbClr val="FF0000"/>
-                </a:solidFill>
-              </a:rPr>
-              <a:t>DNAAlphabet</a:t>
-            </a:r>
-            <a:r>
-              <a:rPr lang="fr-FR" sz="1200" dirty="0" smtClean="0">
-                <a:solidFill>
-                  <a:srgbClr val="FF0000"/>
-                </a:solidFill>
-              </a:rPr>
               <a:t>())</a:t>
             </a:r>
-            <a:endParaRPr lang="fr-FR" sz="1200" dirty="0">
-              <a:solidFill>
-                <a:srgbClr val="FF0000"/>
-              </a:solidFill>
-            </a:endParaRPr>
           </a:p>
         </p:txBody>
       </p:sp>
@@ -16332,39 +15511,7 @@
           <a:p>
             <a:r>
               <a:rPr lang="en-US" dirty="0"/>
-              <a:t>very </a:t>
-            </a:r>
-            <a:r>
-              <a:rPr lang="en-US" dirty="0" smtClean="0"/>
-              <a:t>useful upper</a:t>
-            </a:r>
-            <a:r>
-              <a:rPr lang="en-US" dirty="0"/>
-              <a:t> </a:t>
-            </a:r>
-            <a:r>
-              <a:rPr lang="en-US" dirty="0" smtClean="0"/>
-              <a:t>and</a:t>
-            </a:r>
-            <a:r>
-              <a:rPr lang="en-US" dirty="0"/>
-              <a:t> </a:t>
-            </a:r>
-            <a:r>
-              <a:rPr lang="en-US" dirty="0" smtClean="0"/>
-              <a:t>lower</a:t>
-            </a:r>
-            <a:r>
-              <a:rPr lang="en-US" dirty="0"/>
-              <a:t> </a:t>
-            </a:r>
-            <a:r>
-              <a:rPr lang="en-US" dirty="0" smtClean="0"/>
-              <a:t>methods </a:t>
-            </a:r>
-            <a:r>
-              <a:rPr lang="en-US" dirty="0"/>
-              <a:t>for changing the case</a:t>
+              <a:t>very useful upper and lower methods for changing the case</a:t>
             </a:r>
           </a:p>
         </p:txBody>
@@ -16386,7 +15533,7 @@
           <a:p>
             <a:fld id="{879AD418-6C33-B94F-B67F-88D6EBB6E0D6}" type="datetime1">
               <a:rPr lang="fr-FR" smtClean="0"/>
-              <a:t>16/11/16</a:t>
+              <a:t>08/11/2018</a:t>
             </a:fld>
             <a:endParaRPr lang="fr-FR" dirty="0"/>
           </a:p>
@@ -16408,7 +15555,7 @@
           <a:lstStyle/>
           <a:p>
             <a:r>
-              <a:rPr lang="fr-FR" smtClean="0"/>
+              <a:rPr lang="fr-FR"/>
               <a:t>Python pour la biologie</a:t>
             </a:r>
             <a:endParaRPr lang="fr-FR" dirty="0"/>
@@ -16477,12 +15624,8 @@
           </a:lstStyle>
           <a:p>
             <a:r>
-              <a:rPr lang="en-US" sz="1200" dirty="0" smtClean="0"/>
-              <a:t>&gt;</a:t>
-            </a:r>
-            <a:r>
               <a:rPr lang="en-US" sz="1200" dirty="0"/>
-              <a:t>&gt;&gt; from </a:t>
+              <a:t>&gt;&gt;&gt; from </a:t>
             </a:r>
             <a:r>
               <a:rPr lang="en-US" sz="1200" dirty="0" err="1"/>
@@ -16587,21 +15730,21 @@
           </a:lstStyle>
           <a:p>
             <a:r>
-              <a:rPr lang="fr-FR" sz="1200" dirty="0" smtClean="0">
+              <a:rPr lang="fr-FR" sz="1200" dirty="0">
                 <a:latin typeface="Arial"/>
                 <a:cs typeface="Arial"/>
               </a:rPr>
               <a:t>&gt;&gt;&gt; </a:t>
             </a:r>
             <a:r>
-              <a:rPr lang="mr-IN" sz="1200" dirty="0" smtClean="0">
+              <a:rPr lang="mr-IN" sz="1200" dirty="0">
                 <a:latin typeface="Arial"/>
                 <a:cs typeface="Arial"/>
               </a:rPr>
               <a:t>dna_seq.upper</a:t>
             </a:r>
             <a:r>
-              <a:rPr lang="fr-FR" sz="1200" dirty="0" smtClean="0">
+              <a:rPr lang="fr-FR" sz="1200" dirty="0">
                 <a:latin typeface="Arial"/>
                 <a:cs typeface="Arial"/>
               </a:rPr>
@@ -16652,7 +15795,7 @@
           </a:lstStyle>
           <a:p>
             <a:r>
-              <a:rPr lang="fr-FR" sz="1200" dirty="0" smtClean="0">
+              <a:rPr lang="fr-FR" sz="1200" dirty="0">
                 <a:solidFill>
                   <a:srgbClr val="FF0000"/>
                 </a:solidFill>
@@ -16705,25 +15848,18 @@
           </a:lstStyle>
           <a:p>
             <a:r>
-              <a:rPr lang="fr-FR" sz="1200" dirty="0" smtClean="0">
+              <a:rPr lang="fr-FR" sz="1200" dirty="0">
                 <a:latin typeface="Arial"/>
                 <a:cs typeface="Arial"/>
               </a:rPr>
               <a:t>&gt;&gt;&gt; </a:t>
-            </a:r>
-            <a:r>
-              <a:rPr lang="mr-IN" sz="1200" dirty="0" smtClean="0">
-                <a:latin typeface="Arial"/>
-                <a:cs typeface="Arial"/>
-              </a:rPr>
-              <a:t>"</a:t>
             </a:r>
             <a:r>
               <a:rPr lang="mr-IN" sz="1200" dirty="0">
                 <a:latin typeface="Arial"/>
                 <a:cs typeface="Arial"/>
               </a:rPr>
-              <a:t>GTAC" in dna_seq</a:t>
+              <a:t>"GTAC" in dna_seq</a:t>
             </a:r>
             <a:endParaRPr lang="en-US" sz="1200" dirty="0">
               <a:latin typeface="Arial"/>
@@ -16770,49 +15906,35 @@
           </a:lstStyle>
           <a:p>
             <a:r>
-              <a:rPr lang="fr-FR" sz="1200" dirty="0" smtClean="0">
+              <a:rPr lang="fr-FR" sz="1200" dirty="0">
                 <a:latin typeface="Arial"/>
                 <a:cs typeface="Arial"/>
               </a:rPr>
               <a:t>&gt;&gt;&gt;</a:t>
-            </a:r>
-            <a:r>
-              <a:rPr lang="mr-IN" sz="1200" dirty="0" smtClean="0">
-                <a:latin typeface="Arial"/>
-                <a:cs typeface="Arial"/>
-              </a:rPr>
-              <a:t> </a:t>
             </a:r>
             <a:r>
               <a:rPr lang="mr-IN" sz="1200" dirty="0">
                 <a:latin typeface="Arial"/>
                 <a:cs typeface="Arial"/>
               </a:rPr>
-              <a:t>"GTAC" in </a:t>
-            </a:r>
-            <a:r>
-              <a:rPr lang="mr-IN" sz="1200" dirty="0" smtClean="0">
+              <a:t> "GTAC" in dna_seq</a:t>
+            </a:r>
+            <a:r>
+              <a:rPr lang="fr-FR" sz="1200" dirty="0">
                 <a:latin typeface="Arial"/>
                 <a:cs typeface="Arial"/>
               </a:rPr>
-              <a:t>dna_seq</a:t>
-            </a:r>
-            <a:r>
-              <a:rPr lang="fr-FR" sz="1200" dirty="0" smtClean="0">
+              <a:t>.</a:t>
+            </a:r>
+            <a:r>
+              <a:rPr lang="fr-FR" sz="1200" dirty="0" err="1">
                 <a:latin typeface="Arial"/>
                 <a:cs typeface="Arial"/>
               </a:rPr>
-              <a:t>.</a:t>
-            </a:r>
-            <a:r>
-              <a:rPr lang="fr-FR" sz="1200" dirty="0" err="1" smtClean="0">
-                <a:latin typeface="Arial"/>
-                <a:cs typeface="Arial"/>
-              </a:rPr>
               <a:t>upper</a:t>
             </a:r>
             <a:r>
-              <a:rPr lang="fr-FR" sz="1200" dirty="0" smtClean="0">
+              <a:rPr lang="fr-FR" sz="1200" dirty="0">
                 <a:latin typeface="Arial"/>
                 <a:cs typeface="Arial"/>
               </a:rPr>
@@ -16863,7 +15985,7 @@
           </a:lstStyle>
           <a:p>
             <a:r>
-              <a:rPr lang="mr-IN" sz="1200" dirty="0" smtClean="0">
+              <a:rPr lang="mr-IN" sz="1200" dirty="0">
                 <a:solidFill>
                   <a:srgbClr val="FF0000"/>
                 </a:solidFill>
@@ -16873,7 +15995,7 @@
               <a:t>Seq</a:t>
             </a:r>
             <a:r>
-              <a:rPr lang="fr-FR" sz="1200" dirty="0" smtClean="0">
+              <a:rPr lang="fr-FR" sz="1200" dirty="0">
                 <a:solidFill>
                   <a:srgbClr val="FF0000"/>
                 </a:solidFill>
@@ -16883,37 +16005,17 @@
               <a:t>(</a:t>
             </a:r>
             <a:r>
-              <a:rPr lang="mr-IN" sz="1200" dirty="0" smtClean="0">
+              <a:rPr lang="mr-IN" sz="1200" dirty="0">
                 <a:solidFill>
                   <a:srgbClr val="FF0000"/>
                 </a:solidFill>
                 <a:latin typeface="Arial"/>
                 <a:cs typeface="Arial"/>
               </a:rPr>
-              <a:t>ACGTACGT</a:t>
-            </a:r>
-            <a:r>
-              <a:rPr lang="mr-IN" sz="1200" dirty="0">
-                <a:solidFill>
-                  <a:srgbClr val="FF0000"/>
-                </a:solidFill>
-                <a:latin typeface="Arial"/>
-                <a:cs typeface="Arial"/>
-              </a:rPr>
-              <a:t>', </a:t>
-            </a:r>
-            <a:r>
-              <a:rPr lang="mr-IN" sz="1200" dirty="0" smtClean="0">
-                <a:solidFill>
-                  <a:srgbClr val="FF0000"/>
-                </a:solidFill>
-                <a:latin typeface="Arial"/>
-                <a:cs typeface="Arial"/>
-              </a:rPr>
-              <a:t>DNAAlphabet</a:t>
-            </a:r>
-            <a:r>
-              <a:rPr lang="fr-FR" sz="1200" dirty="0" smtClean="0">
+              <a:t>ACGTACGT', DNAAlphabet</a:t>
+            </a:r>
+            <a:r>
+              <a:rPr lang="fr-FR" sz="1200" dirty="0">
                 <a:solidFill>
                   <a:srgbClr val="FF0000"/>
                 </a:solidFill>
@@ -16970,7 +16072,7 @@
           </a:lstStyle>
           <a:p>
             <a:r>
-              <a:rPr lang="es-ES_tradnl" sz="1200" dirty="0" smtClean="0">
+              <a:rPr lang="es-ES_tradnl" sz="1200" dirty="0">
                 <a:solidFill>
                   <a:srgbClr val="FF0000"/>
                 </a:solidFill>
@@ -17075,35 +16177,35 @@
           </a:lstStyle>
           <a:p>
             <a:r>
-              <a:rPr lang="fr-FR" sz="1200" dirty="0" smtClean="0">
+              <a:rPr lang="fr-FR" sz="1200" dirty="0">
                 <a:latin typeface="Arial"/>
                 <a:cs typeface="Arial"/>
               </a:rPr>
               <a:t>&gt;&gt;&gt; </a:t>
             </a:r>
             <a:r>
-              <a:rPr lang="mr-IN" sz="1200" dirty="0" smtClean="0">
+              <a:rPr lang="mr-IN" sz="1200" dirty="0">
                 <a:latin typeface="Arial"/>
                 <a:cs typeface="Arial"/>
               </a:rPr>
               <a:t>dna_seq.</a:t>
             </a:r>
             <a:r>
-              <a:rPr lang="fr-FR" sz="1200" dirty="0" err="1" smtClean="0">
+              <a:rPr lang="fr-FR" sz="1200" dirty="0" err="1">
                 <a:latin typeface="Arial"/>
                 <a:cs typeface="Arial"/>
               </a:rPr>
               <a:t>low</a:t>
             </a:r>
             <a:r>
-              <a:rPr lang="mr-IN" sz="1200" dirty="0" smtClean="0">
+              <a:rPr lang="mr-IN" sz="1200" dirty="0">
                 <a:latin typeface="Arial"/>
                 <a:cs typeface="Arial"/>
               </a:rPr>
               <a:t>er</a:t>
             </a:r>
             <a:r>
-              <a:rPr lang="fr-FR" sz="1200" dirty="0" smtClean="0">
+              <a:rPr lang="fr-FR" sz="1200" dirty="0">
                 <a:latin typeface="Arial"/>
                 <a:cs typeface="Arial"/>
               </a:rPr>
@@ -17154,7 +16256,7 @@
           </a:lstStyle>
           <a:p>
             <a:r>
-              <a:rPr lang="mr-IN" sz="1200" dirty="0" smtClean="0">
+              <a:rPr lang="mr-IN" sz="1200" dirty="0">
                 <a:solidFill>
                   <a:srgbClr val="FF0000"/>
                 </a:solidFill>
@@ -17162,7 +16264,7 @@
               <a:t>Seq</a:t>
             </a:r>
             <a:r>
-              <a:rPr lang="fr-FR" sz="1200" dirty="0" smtClean="0">
+              <a:rPr lang="fr-FR" sz="1200" dirty="0">
                 <a:solidFill>
                   <a:srgbClr val="FF0000"/>
                 </a:solidFill>
@@ -17170,7 +16272,7 @@
               <a:t>(</a:t>
             </a:r>
             <a:r>
-              <a:rPr lang="fr-FR" sz="1200" dirty="0" err="1" smtClean="0">
+              <a:rPr lang="fr-FR" sz="1200" dirty="0" err="1">
                 <a:solidFill>
                   <a:srgbClr val="FF0000"/>
                 </a:solidFill>
@@ -17178,7 +16280,7 @@
               <a:t>acgtacgt</a:t>
             </a:r>
             <a:r>
-              <a:rPr lang="mr-IN" sz="1200" dirty="0" smtClean="0">
+              <a:rPr lang="mr-IN" sz="1200" dirty="0">
                 <a:solidFill>
                   <a:srgbClr val="FF0000"/>
                 </a:solidFill>
@@ -17186,7 +16288,7 @@
               <a:t>, DNAAlphabet</a:t>
             </a:r>
             <a:r>
-              <a:rPr lang="fr-FR" sz="1200" dirty="0" smtClean="0">
+              <a:rPr lang="fr-FR" sz="1200" dirty="0">
                 <a:solidFill>
                   <a:srgbClr val="FF0000"/>
                 </a:solidFill>
@@ -17262,12 +16364,8 @@
           </a:lstStyle>
           <a:p>
             <a:r>
-              <a:rPr lang="en-US" sz="1200" dirty="0" smtClean="0"/>
-              <a:t>&gt;</a:t>
-            </a:r>
-            <a:r>
               <a:rPr lang="en-US" sz="1200" dirty="0"/>
-              <a:t>&gt;&gt; from </a:t>
+              <a:t>&gt;&gt;&gt; from </a:t>
             </a:r>
             <a:r>
               <a:rPr lang="en-US" sz="1200" dirty="0" err="1"/>
@@ -17459,25 +16557,18 @@
           </a:lstStyle>
           <a:p>
             <a:r>
-              <a:rPr lang="fr-FR" sz="1200" dirty="0" smtClean="0">
+              <a:rPr lang="fr-FR" sz="1200" dirty="0">
                 <a:latin typeface="Arial"/>
                 <a:cs typeface="Arial"/>
               </a:rPr>
               <a:t>&gt;&gt;&gt;</a:t>
-            </a:r>
-            <a:r>
-              <a:rPr lang="mr-IN" sz="1200" dirty="0" smtClean="0">
-                <a:latin typeface="Arial"/>
-                <a:cs typeface="Arial"/>
-              </a:rPr>
-              <a:t> </a:t>
             </a:r>
             <a:r>
               <a:rPr lang="mr-IN" sz="1200" dirty="0">
                 <a:latin typeface="Arial"/>
                 <a:cs typeface="Arial"/>
               </a:rPr>
-              <a:t>dna_seq.lower()</a:t>
+              <a:t> dna_seq.lower()</a:t>
             </a:r>
           </a:p>
         </p:txBody>
@@ -17580,16 +16671,8 @@
           <a:lstStyle/>
           <a:p>
             <a:r>
-              <a:rPr lang="en-US" dirty="0" smtClean="0"/>
-              <a:t>Nucleotide </a:t>
-            </a:r>
-            <a:r>
               <a:rPr lang="en-US" dirty="0"/>
-              <a:t>sequences and (reverse) </a:t>
-            </a:r>
-            <a:r>
-              <a:rPr lang="en-US" dirty="0" smtClean="0"/>
-              <a:t>complements</a:t>
+              <a:t>Nucleotide sequences and (reverse) complements</a:t>
             </a:r>
             <a:endParaRPr lang="fr-FR" dirty="0"/>
           </a:p>
@@ -17617,27 +16700,15 @@
           <a:p>
             <a:r>
               <a:rPr lang="en-US" dirty="0"/>
-              <a:t>For nucleotide sequences, you can easily obtain the complement or reverse complement of </a:t>
-            </a:r>
-            <a:r>
-              <a:rPr lang="en-US" dirty="0" smtClean="0"/>
-              <a:t>a </a:t>
-            </a:r>
-            <a:r>
-              <a:rPr lang="en-US" dirty="0" err="1" smtClean="0"/>
+              <a:t>For nucleotide sequences, you can easily obtain the complement or reverse complement of a </a:t>
+            </a:r>
+            <a:r>
+              <a:rPr lang="en-US" dirty="0" err="1"/>
               <a:t>Seq</a:t>
             </a:r>
             <a:r>
               <a:rPr lang="en-US" dirty="0"/>
-              <a:t> </a:t>
-            </a:r>
-            <a:r>
-              <a:rPr lang="en-US" dirty="0" smtClean="0"/>
-              <a:t>object using its </a:t>
-            </a:r>
-            <a:r>
-              <a:rPr lang="en-US" dirty="0"/>
-              <a:t>built-in methods:</a:t>
+              <a:t> object using its built-in methods:</a:t>
             </a:r>
           </a:p>
         </p:txBody>
@@ -17659,7 +16730,7 @@
           <a:p>
             <a:fld id="{D3144878-28D7-2449-A858-242300DEEEF2}" type="datetime1">
               <a:rPr lang="fr-FR" smtClean="0"/>
-              <a:t>16/11/16</a:t>
+              <a:t>08/11/2018</a:t>
             </a:fld>
             <a:endParaRPr lang="fr-FR" dirty="0"/>
           </a:p>
@@ -17681,7 +16752,7 @@
           <a:lstStyle/>
           <a:p>
             <a:r>
-              <a:rPr lang="fr-FR" smtClean="0"/>
+              <a:rPr lang="fr-FR"/>
               <a:t>Python pour la biologie</a:t>
             </a:r>
             <a:endParaRPr lang="fr-FR" dirty="0"/>
@@ -17750,12 +16821,8 @@
           </a:lstStyle>
           <a:p>
             <a:r>
-              <a:rPr lang="en-US" sz="1200" dirty="0" smtClean="0"/>
-              <a:t>&gt;</a:t>
-            </a:r>
-            <a:r>
               <a:rPr lang="en-US" sz="1200" dirty="0"/>
-              <a:t>&gt;&gt; from </a:t>
+              <a:t>&gt;&gt;&gt; from </a:t>
             </a:r>
             <a:r>
               <a:rPr lang="en-US" sz="1200" dirty="0" err="1"/>
@@ -17851,19 +16918,8 @@
                 <a:latin typeface="Arial"/>
                 <a:cs typeface="Arial"/>
               </a:rPr>
-              <a:t>&gt;&gt;&gt; my_seq.complement(</a:t>
-            </a:r>
-            <a:r>
-              <a:rPr lang="mr-IN" sz="1200" dirty="0" smtClean="0">
-                <a:latin typeface="Arial"/>
-                <a:cs typeface="Arial"/>
-              </a:rPr>
-              <a:t>)</a:t>
-            </a:r>
-            <a:endParaRPr lang="mr-IN" sz="1200" dirty="0">
-              <a:latin typeface="Arial"/>
-              <a:cs typeface="Arial"/>
-            </a:endParaRPr>
+              <a:t>&gt;&gt;&gt; my_seq.complement()</a:t>
+            </a:r>
           </a:p>
         </p:txBody>
       </p:sp>
@@ -18295,10 +17351,9 @@
           <a:lstStyle/>
           <a:p>
             <a:r>
-              <a:rPr lang="fr-FR" dirty="0" smtClean="0"/>
+              <a:rPr lang="fr-FR" dirty="0"/>
               <a:t>Transcription</a:t>
             </a:r>
-            <a:endParaRPr lang="fr-FR" dirty="0"/>
           </a:p>
         </p:txBody>
       </p:sp>
@@ -18352,7 +17407,7 @@
           <a:p>
             <a:fld id="{25BE81B4-6103-C545-A085-99043BCEEEB0}" type="datetime1">
               <a:rPr lang="fr-FR" smtClean="0"/>
-              <a:t>16/11/16</a:t>
+              <a:t>08/11/2018</a:t>
             </a:fld>
             <a:endParaRPr lang="fr-FR" dirty="0"/>
           </a:p>
@@ -18374,7 +17429,7 @@
           <a:lstStyle/>
           <a:p>
             <a:r>
-              <a:rPr lang="fr-FR" smtClean="0"/>
+              <a:rPr lang="fr-FR"/>
               <a:t>Python pour la biologie</a:t>
             </a:r>
             <a:endParaRPr lang="fr-FR" dirty="0"/>
@@ -18614,16 +17669,8 @@
           </a:lstStyle>
           <a:p>
             <a:r>
-              <a:rPr lang="en-US" dirty="0" smtClean="0"/>
-              <a:t>Consider </a:t>
-            </a:r>
-            <a:r>
               <a:rPr lang="en-US" dirty="0"/>
-              <a:t>the </a:t>
-            </a:r>
-            <a:r>
-              <a:rPr lang="en-US" dirty="0" smtClean="0"/>
-              <a:t>following:</a:t>
+              <a:t>Consider the following:</a:t>
             </a:r>
             <a:endParaRPr lang="fr-FR" dirty="0"/>
           </a:p>
@@ -18839,37 +17886,8 @@
           <a:p>
             <a:r>
               <a:rPr lang="en-US" dirty="0"/>
-              <a:t>The actual biological transcription process works from the template strand, doing a reverse </a:t>
-            </a:r>
-            <a:r>
-              <a:rPr lang="en-US" dirty="0" smtClean="0"/>
-              <a:t>complement (TCAG -&gt; CUGA</a:t>
-            </a:r>
-            <a:r>
-              <a:rPr lang="en-US" dirty="0"/>
-              <a:t>) to give the mRNA. However, in Biopython and bioinformatics in general, we </a:t>
-            </a:r>
-            <a:r>
-              <a:rPr lang="en-US" dirty="0" smtClean="0"/>
-              <a:t>typically work </a:t>
-            </a:r>
-            <a:r>
-              <a:rPr lang="en-US" dirty="0"/>
-              <a:t>directly with the coding strand because this means we can get the mRNA sequence just by </a:t>
-            </a:r>
-            <a:r>
-              <a:rPr lang="en-US" dirty="0" smtClean="0"/>
-              <a:t>switching T</a:t>
-            </a:r>
-            <a:r>
-              <a:rPr lang="en-US" dirty="0"/>
-              <a:t> </a:t>
-            </a:r>
-            <a:r>
-              <a:rPr lang="en-US" dirty="0" smtClean="0"/>
-              <a:t>-&gt; U</a:t>
-            </a:r>
-            <a:endParaRPr lang="en-US" dirty="0"/>
+              <a:t>The actual biological transcription process works from the template strand, doing a reverse complement (TCAG -&gt; CUGA) to give the mRNA. However, in Biopython and bioinformatics in general, we typically work directly with the coding strand because this means we can get the mRNA sequence just by switching T -&gt; U</a:t>
+            </a:r>
           </a:p>
         </p:txBody>
       </p:sp>
@@ -18925,10 +17943,9 @@
           <a:p>
             <a:pPr algn="ctr"/>
             <a:r>
-              <a:rPr lang="fr-FR" dirty="0" smtClean="0"/>
+              <a:rPr lang="fr-FR" dirty="0"/>
               <a:t>Biopython</a:t>
             </a:r>
-            <a:endParaRPr lang="fr-FR" dirty="0"/>
           </a:p>
         </p:txBody>
       </p:sp>
@@ -18954,44 +17971,32 @@
           </a:bodyPr>
           <a:lstStyle/>
           <a:p>
-            <a:r>
-              <a:rPr lang="fr-FR" dirty="0" smtClean="0"/>
-              <a:t/>
-            </a:r>
-            <a:br>
-              <a:rPr lang="fr-FR" dirty="0" smtClean="0"/>
-            </a:br>
-            <a:r>
-              <a:rPr lang="fr-FR" dirty="0"/>
-              <a:t/>
-            </a:r>
             <a:br>
               <a:rPr lang="fr-FR" dirty="0"/>
             </a:br>
-            <a:r>
-              <a:rPr lang="fr-FR" dirty="0" smtClean="0">
+            <a:br>
+              <a:rPr lang="fr-FR" dirty="0"/>
+            </a:br>
+            <a:r>
+              <a:rPr lang="fr-FR" dirty="0">
                 <a:solidFill>
                   <a:schemeClr val="tx1"/>
                 </a:solidFill>
               </a:rPr>
               <a:t>Formation CNRS</a:t>
             </a:r>
-            <a:r>
-              <a:rPr lang="fr-FR" dirty="0" smtClean="0"/>
-              <a:t/>
-            </a:r>
             <a:br>
-              <a:rPr lang="fr-FR" dirty="0" smtClean="0"/>
+              <a:rPr lang="fr-FR"/>
             </a:br>
             <a:r>
-              <a:rPr lang="fr-FR" dirty="0" smtClean="0"/>
-              <a:t>18 Novembre 2016</a:t>
+              <a:rPr lang="fr-FR"/>
+              <a:t>8 Novembre 2018</a:t>
             </a:r>
             <a:br>
-              <a:rPr lang="fr-FR" dirty="0" smtClean="0"/>
+              <a:rPr lang="fr-FR" dirty="0"/>
             </a:br>
             <a:r>
-              <a:rPr lang="en-US" b="1" dirty="0" smtClean="0">
+              <a:rPr lang="en-US" b="1" dirty="0">
                 <a:solidFill>
                   <a:schemeClr val="tx1"/>
                 </a:solidFill>
@@ -18999,24 +18004,16 @@
               <a:t>Python pour la </a:t>
             </a:r>
             <a:r>
-              <a:rPr lang="en-US" b="1" dirty="0" err="1" smtClean="0">
+              <a:rPr lang="en-US" b="1" dirty="0" err="1">
                 <a:solidFill>
                   <a:schemeClr val="tx1"/>
                 </a:solidFill>
               </a:rPr>
               <a:t>biologie</a:t>
-            </a:r>
-            <a:r>
-              <a:rPr lang="en-US" b="1" dirty="0"/>
-              <a:t/>
             </a:r>
             <a:br>
               <a:rPr lang="en-US" b="1" dirty="0"/>
             </a:br>
-            <a:r>
-              <a:rPr lang="fr-FR" dirty="0"/>
-              <a:t/>
-            </a:r>
             <a:br>
               <a:rPr lang="fr-FR" dirty="0"/>
             </a:br>
@@ -19094,16 +18091,9 @@
   <p:clrMapOvr>
     <a:masterClrMapping/>
   </p:clrMapOvr>
-  <p:transition xmlns:p14="http://schemas.microsoft.com/office/powerpoint/2010/main" spd="slow">
+  <p:transition spd="slow">
     <p:wipe/>
   </p:transition>
-  <p:timing>
-    <p:tnLst>
-      <p:par>
-        <p:cTn xmlns:p14="http://schemas.microsoft.com/office/powerpoint/2010/main" id="1" dur="indefinite" restart="never" nodeType="tmRoot"/>
-      </p:par>
-    </p:tnLst>
-  </p:timing>
 </p:sld>
 </file>
 
@@ -19141,13 +18131,8 @@
           <a:p>
             <a:r>
               <a:rPr lang="fr-FR" dirty="0"/>
-              <a:t>Transcription </a:t>
-            </a:r>
-            <a:r>
-              <a:rPr lang="fr-FR" dirty="0" smtClean="0"/>
-              <a:t>(2)</a:t>
-            </a:r>
-            <a:endParaRPr lang="fr-FR" dirty="0"/>
+              <a:t>Transcription (2)</a:t>
+            </a:r>
           </a:p>
         </p:txBody>
       </p:sp>
@@ -19173,46 +18158,14 @@
           <a:p>
             <a:r>
               <a:rPr lang="en-US" dirty="0"/>
-              <a:t>M</a:t>
-            </a:r>
-            <a:r>
-              <a:rPr lang="en-US" dirty="0" smtClean="0"/>
-              <a:t>atch </a:t>
-            </a:r>
-            <a:r>
-              <a:rPr lang="en-US" dirty="0"/>
-              <a:t>the </a:t>
-            </a:r>
-            <a:r>
-              <a:rPr lang="en-US" dirty="0" smtClean="0"/>
-              <a:t>figure above</a:t>
+              <a:t>Match the figure above</a:t>
             </a:r>
           </a:p>
           <a:p>
             <a:pPr lvl="1"/>
             <a:r>
-              <a:rPr lang="en-US" sz="1600" dirty="0" smtClean="0"/>
-              <a:t>remember </a:t>
-            </a:r>
-            <a:r>
               <a:rPr lang="en-US" sz="1600" dirty="0"/>
-              <a:t>by convention nucleotide sequences are normally read </a:t>
-            </a:r>
-            <a:r>
-              <a:rPr lang="en-US" sz="1600" dirty="0" smtClean="0"/>
-              <a:t>from the </a:t>
-            </a:r>
-            <a:r>
-              <a:rPr lang="en-US" sz="1600" dirty="0"/>
-              <a:t>5’ to 3’ direction, while in the </a:t>
-            </a:r>
-            <a:r>
-              <a:rPr lang="en-US" sz="1600" dirty="0" smtClean="0"/>
-              <a:t>figure </a:t>
-            </a:r>
-            <a:r>
-              <a:rPr lang="en-US" sz="1600" dirty="0"/>
-              <a:t>the template strand is shown reversed.</a:t>
+              <a:t>remember by convention nucleotide sequences are normally read from the 5’ to 3’ direction, while in the figure the template strand is shown reversed.</a:t>
             </a:r>
           </a:p>
           <a:p>
@@ -19237,7 +18190,7 @@
           <a:p>
             <a:fld id="{1C313947-E3B0-C84E-9706-2E44F61BCD95}" type="datetime1">
               <a:rPr lang="fr-FR" smtClean="0"/>
-              <a:t>16/11/16</a:t>
+              <a:t>08/11/2018</a:t>
             </a:fld>
             <a:endParaRPr lang="fr-FR" dirty="0"/>
           </a:p>
@@ -19259,10 +18212,9 @@
           <a:lstStyle/>
           <a:p>
             <a:r>
-              <a:rPr lang="fr-FR" dirty="0" smtClean="0"/>
+              <a:rPr lang="fr-FR" dirty="0"/>
               <a:t>Python pour la biologie</a:t>
             </a:r>
-            <a:endParaRPr lang="fr-FR" dirty="0"/>
           </a:p>
         </p:txBody>
       </p:sp>
@@ -19328,12 +18280,8 @@
           </a:lstStyle>
           <a:p>
             <a:r>
-              <a:rPr lang="en-US" sz="1200" dirty="0" smtClean="0"/>
-              <a:t>&gt;</a:t>
-            </a:r>
-            <a:r>
               <a:rPr lang="en-US" sz="1200" dirty="0"/>
-              <a:t>&gt;&gt; from </a:t>
+              <a:t>&gt;&gt;&gt; from </a:t>
             </a:r>
             <a:r>
               <a:rPr lang="en-US" sz="1200" dirty="0" err="1"/>
@@ -19429,7 +18377,7 @@
               <a:t>&gt;&gt;&gt; </a:t>
             </a:r>
             <a:r>
-              <a:rPr lang="mr-IN" sz="1200" dirty="0" smtClean="0"/>
+              <a:rPr lang="mr-IN" sz="1200" dirty="0"/>
               <a:t>template_dna </a:t>
             </a:r>
             <a:r>
@@ -19437,11 +18385,11 @@
               <a:t>=</a:t>
             </a:r>
             <a:r>
-              <a:rPr lang="mr-IN" sz="1200" dirty="0" smtClean="0"/>
+              <a:rPr lang="mr-IN" sz="1200" dirty="0"/>
               <a:t> coding_dna.reverse_complement</a:t>
             </a:r>
             <a:r>
-              <a:rPr lang="fr-FR" sz="1200" dirty="0" smtClean="0"/>
+              <a:rPr lang="fr-FR" sz="1200" dirty="0"/>
               <a:t>()</a:t>
             </a:r>
             <a:endParaRPr lang="mr-IN" sz="1200" dirty="0"/>
@@ -19452,10 +18400,9 @@
               <a:t>&gt;&gt;&gt; </a:t>
             </a:r>
             <a:r>
-              <a:rPr lang="mr-IN" sz="1200" dirty="0" smtClean="0"/>
+              <a:rPr lang="mr-IN" sz="1200" dirty="0"/>
               <a:t>template_dna</a:t>
             </a:r>
-            <a:endParaRPr lang="mr-IN" sz="1200" dirty="0"/>
           </a:p>
         </p:txBody>
       </p:sp>
@@ -19813,32 +18760,19 @@
           <a:p>
             <a:r>
               <a:rPr lang="en-US" dirty="0"/>
-              <a:t>T</a:t>
-            </a:r>
-            <a:r>
-              <a:rPr lang="en-US" dirty="0" smtClean="0"/>
-              <a:t>ranscribe the coding strand into corresponding mRNA, using </a:t>
-            </a:r>
-            <a:r>
-              <a:rPr lang="en-US" dirty="0" err="1" smtClean="0"/>
+              <a:t>Transcribe the coding strand into corresponding mRNA, using </a:t>
+            </a:r>
+            <a:r>
+              <a:rPr lang="en-US" dirty="0" err="1"/>
               <a:t>Seq</a:t>
             </a:r>
             <a:r>
-              <a:rPr lang="en-US" dirty="0" smtClean="0"/>
-              <a:t> object's built in transcribe method (switch T-&gt;U and adjust </a:t>
-            </a:r>
-            <a:r>
               <a:rPr lang="en-US" dirty="0"/>
-              <a:t>the </a:t>
-            </a:r>
-            <a:r>
-              <a:rPr lang="en-US" dirty="0" smtClean="0"/>
-              <a:t>alphabet)</a:t>
-            </a:r>
+              <a:t> object's built in transcribe method (switch T-&gt;U and adjust the alphabet)</a:t>
+            </a:r>
+          </a:p>
+          <a:p>
             <a:endParaRPr lang="en-US" dirty="0"/>
-          </a:p>
-          <a:p>
-            <a:endParaRPr lang="en-US" dirty="0" smtClean="0"/>
           </a:p>
           <a:p>
             <a:endParaRPr lang="fr-FR" dirty="0"/>
@@ -20035,10 +18969,9 @@
               <a:t>&gt;&gt;&gt; </a:t>
             </a:r>
             <a:r>
-              <a:rPr lang="mr-IN" sz="1200" dirty="0" smtClean="0"/>
+              <a:rPr lang="mr-IN" sz="1200" dirty="0"/>
               <a:t>coding_dna</a:t>
             </a:r>
-            <a:endParaRPr lang="mr-IN" sz="1200" dirty="0"/>
           </a:p>
         </p:txBody>
       </p:sp>
@@ -20165,19 +19098,19 @@
           <a:lstStyle/>
           <a:p>
             <a:r>
-              <a:rPr lang="fr-FR" dirty="0" smtClean="0"/>
+              <a:rPr lang="fr-FR" dirty="0"/>
               <a:t>Transcription (3) (</a:t>
             </a:r>
             <a:r>
-              <a:rPr lang="fr-FR" dirty="0" err="1" smtClean="0"/>
+              <a:rPr lang="fr-FR" dirty="0" err="1"/>
               <a:t>added</a:t>
             </a:r>
             <a:r>
-              <a:rPr lang="fr-FR" dirty="0" smtClean="0"/>
+              <a:rPr lang="fr-FR" dirty="0"/>
               <a:t> in </a:t>
             </a:r>
             <a:r>
-              <a:rPr lang="en-US" dirty="0" smtClean="0"/>
+              <a:rPr lang="en-US" dirty="0"/>
               <a:t>Biopython 1.49)</a:t>
             </a:r>
             <a:endParaRPr lang="fr-FR" dirty="0"/>
@@ -20201,7 +19134,7 @@
           <a:p>
             <a:fld id="{D451B79B-677F-5E43-B8AA-276A40053AD2}" type="datetime1">
               <a:rPr lang="fr-FR" smtClean="0"/>
-              <a:t>16/11/16</a:t>
+              <a:t>08/11/2018</a:t>
             </a:fld>
             <a:endParaRPr lang="fr-FR" dirty="0"/>
           </a:p>
@@ -20223,7 +19156,7 @@
           <a:lstStyle/>
           <a:p>
             <a:r>
-              <a:rPr lang="fr-FR" smtClean="0"/>
+              <a:rPr lang="fr-FR"/>
               <a:t>Python pour la biologie</a:t>
             </a:r>
             <a:endParaRPr lang="fr-FR" dirty="0"/>
@@ -20292,12 +19225,8 @@
           </a:lstStyle>
           <a:p>
             <a:r>
-              <a:rPr lang="en-US" sz="1200" dirty="0" smtClean="0"/>
-              <a:t>&gt;</a:t>
-            </a:r>
-            <a:r>
               <a:rPr lang="en-US" sz="1200" dirty="0"/>
-              <a:t>&gt;&gt; from </a:t>
+              <a:t>&gt;&gt;&gt; from </a:t>
             </a:r>
             <a:r>
               <a:rPr lang="en-US" sz="1200" dirty="0" err="1"/>
@@ -20527,39 +19456,23 @@
                   <a:srgbClr val="FF0000"/>
                 </a:solidFill>
               </a:rPr>
-              <a:t>(</a:t>
-            </a:r>
-            <a:r>
-              <a:rPr lang="en-US" sz="1200" dirty="0" smtClean="0">
+              <a:t>(‘</a:t>
+            </a:r>
+            <a:r>
+              <a:rPr lang="fr-FR" sz="1200" dirty="0">
                 <a:solidFill>
                   <a:srgbClr val="FF0000"/>
                 </a:solidFill>
               </a:rPr>
-              <a:t>‘</a:t>
-            </a:r>
-            <a:r>
-              <a:rPr lang="fr-FR" sz="1200" dirty="0">
+              <a:t>AUGGCCAUUGUAAUGGGCCGCUGAAAGGGUGCCCGAUAG</a:t>
+            </a:r>
+            <a:r>
+              <a:rPr lang="en-US" sz="1200" dirty="0">
                 <a:solidFill>
                   <a:srgbClr val="FF0000"/>
                 </a:solidFill>
               </a:rPr>
-              <a:t>AUGGCCAUUGUAAUGGGCCGCUGAAAGGGUGCCCGAUAG</a:t>
-            </a:r>
-            <a:r>
-              <a:rPr lang="en-US" sz="1200" dirty="0" smtClean="0">
-                <a:solidFill>
-                  <a:srgbClr val="FF0000"/>
-                </a:solidFill>
-              </a:rPr>
-              <a:t>’</a:t>
-            </a:r>
-            <a:r>
-              <a:rPr lang="en-US" sz="1200" dirty="0">
-                <a:solidFill>
-                  <a:srgbClr val="FF0000"/>
-                </a:solidFill>
-              </a:rPr>
-              <a:t>, </a:t>
+              <a:t>’, </a:t>
             </a:r>
             <a:r>
               <a:rPr lang="en-US" sz="1200" dirty="0" err="1">
@@ -20607,21 +19520,8 @@
           <a:p>
             <a:r>
               <a:rPr lang="en-US" dirty="0"/>
-              <a:t>D</a:t>
-            </a:r>
-            <a:r>
-              <a:rPr lang="en-US" dirty="0" smtClean="0"/>
-              <a:t>o </a:t>
-            </a:r>
-            <a:r>
-              <a:rPr lang="en-US" dirty="0"/>
-              <a:t>a true biological transcription starting with the template strand</a:t>
-            </a:r>
-            <a:r>
-              <a:rPr lang="en-US" dirty="0" smtClean="0"/>
-              <a:t>:</a:t>
-            </a:r>
-            <a:endParaRPr lang="en-US" dirty="0"/>
+              <a:t>Do a true biological transcription starting with the template strand:</a:t>
+            </a:r>
           </a:p>
         </p:txBody>
       </p:sp>
@@ -20834,42 +19734,21 @@
           </a:lstStyle>
           <a:p>
             <a:r>
-              <a:rPr lang="fr-FR" dirty="0" smtClean="0"/>
+              <a:rPr lang="fr-FR" dirty="0"/>
               <a:t>Th</a:t>
             </a:r>
             <a:r>
-              <a:rPr lang="en-US" dirty="0" smtClean="0"/>
+              <a:rPr lang="en-US" dirty="0"/>
               <a:t>e </a:t>
             </a:r>
             <a:r>
-              <a:rPr lang="en-US" dirty="0" err="1" smtClean="0"/>
+              <a:rPr lang="en-US" dirty="0" err="1"/>
               <a:t>Seq</a:t>
             </a:r>
             <a:r>
               <a:rPr lang="en-US" dirty="0"/>
-              <a:t> </a:t>
-            </a:r>
-            <a:r>
-              <a:rPr lang="en-US" dirty="0" smtClean="0"/>
-              <a:t>object </a:t>
-            </a:r>
-            <a:r>
-              <a:rPr lang="en-US" dirty="0"/>
-              <a:t>also includes a back-transcription method for going from the mRNA to the coding </a:t>
-            </a:r>
-            <a:r>
-              <a:rPr lang="en-US" dirty="0" smtClean="0"/>
-              <a:t>strand of </a:t>
-            </a:r>
-            <a:r>
-              <a:rPr lang="en-US" dirty="0"/>
-              <a:t>the </a:t>
-            </a:r>
-            <a:r>
-              <a:rPr lang="en-US" dirty="0" smtClean="0"/>
-              <a:t>DNA:</a:t>
-            </a:r>
-            <a:endParaRPr lang="en-US" dirty="0"/>
+              <a:t> object also includes a back-transcription method for going from the mRNA to the coding strand of the DNA:</a:t>
+            </a:r>
           </a:p>
         </p:txBody>
       </p:sp>
@@ -21043,10 +19922,9 @@
           <a:lstStyle/>
           <a:p>
             <a:r>
-              <a:rPr lang="fr-FR" dirty="0" smtClean="0"/>
+              <a:rPr lang="fr-FR" dirty="0"/>
               <a:t>Translation</a:t>
             </a:r>
-            <a:endParaRPr lang="fr-FR" dirty="0"/>
           </a:p>
         </p:txBody>
       </p:sp>
@@ -21071,20 +19949,16 @@
           <a:lstStyle/>
           <a:p>
             <a:r>
-              <a:rPr lang="fr-FR" dirty="0" err="1" smtClean="0"/>
+              <a:rPr lang="fr-FR" dirty="0" err="1"/>
               <a:t>T</a:t>
             </a:r>
             <a:r>
-              <a:rPr lang="en-US" dirty="0" err="1" smtClean="0"/>
+              <a:rPr lang="en-US" dirty="0" err="1"/>
               <a:t>ranslate</a:t>
             </a:r>
             <a:r>
-              <a:rPr lang="en-US" dirty="0" smtClean="0"/>
-              <a:t> mRNA into </a:t>
-            </a:r>
-            <a:r>
               <a:rPr lang="en-US" dirty="0"/>
-              <a:t>the corresponding protein sequence</a:t>
+              <a:t> mRNA into the corresponding protein sequence</a:t>
             </a:r>
           </a:p>
           <a:p>
@@ -21109,7 +19983,7 @@
           <a:p>
             <a:fld id="{2D279393-B109-1841-B1A2-56CECB19BBFD}" type="datetime1">
               <a:rPr lang="fr-FR" smtClean="0"/>
-              <a:t>16/11/16</a:t>
+              <a:t>08/11/2018</a:t>
             </a:fld>
             <a:endParaRPr lang="fr-FR" dirty="0"/>
           </a:p>
@@ -21131,7 +20005,7 @@
           <a:lstStyle/>
           <a:p>
             <a:r>
-              <a:rPr lang="fr-FR" smtClean="0"/>
+              <a:rPr lang="fr-FR"/>
               <a:t>Python pour la biologie</a:t>
             </a:r>
             <a:endParaRPr lang="fr-FR" dirty="0"/>
@@ -21200,12 +20074,8 @@
           </a:lstStyle>
           <a:p>
             <a:r>
-              <a:rPr lang="en-US" sz="1200" dirty="0" smtClean="0"/>
-              <a:t>&gt;</a:t>
-            </a:r>
-            <a:r>
               <a:rPr lang="en-US" sz="1200" dirty="0"/>
-              <a:t>&gt;&gt; from </a:t>
+              <a:t>&gt;&gt;&gt; from </a:t>
             </a:r>
             <a:r>
               <a:rPr lang="en-US" sz="1200" dirty="0" err="1"/>
@@ -21597,24 +20467,14 @@
           </a:lstStyle>
           <a:p>
             <a:r>
-              <a:rPr lang="mr-IN" sz="1200" dirty="0" smtClean="0">
+              <a:rPr lang="mr-IN" sz="1200" dirty="0">
                 <a:solidFill>
                   <a:srgbClr val="FF0000"/>
                 </a:solidFill>
                 <a:latin typeface="Arial"/>
                 <a:cs typeface="Arial"/>
               </a:rPr>
-              <a:t>Seq</a:t>
-            </a:r>
-            <a:r>
-              <a:rPr lang="mr-IN" sz="1200" dirty="0">
-                <a:solidFill>
-                  <a:srgbClr val="FF0000"/>
-                </a:solidFill>
-                <a:latin typeface="Arial"/>
-                <a:cs typeface="Arial"/>
-              </a:rPr>
-              <a:t>('MAIVMGR*KGAR*', HasStopCodon(IUPACProtein(), '*'))</a:t>
+              <a:t>Seq('MAIVMGR*KGAR*', HasStopCodon(IUPACProtein(), '*'))</a:t>
             </a:r>
           </a:p>
         </p:txBody>
@@ -21984,11 +20844,7 @@
           <a:p>
             <a:r>
               <a:rPr lang="en-US" dirty="0"/>
-              <a:t>A</a:t>
-            </a:r>
-            <a:r>
-              <a:rPr lang="en-US" dirty="0" smtClean="0"/>
-              <a:t>vailable in Biopython from the NCBI</a:t>
+              <a:t>Available in Biopython from the NCBI</a:t>
             </a:r>
             <a:endParaRPr lang="fr-FR" dirty="0"/>
           </a:p>
@@ -22379,12 +21235,8 @@
           </a:lstStyle>
           <a:p>
             <a:r>
-              <a:rPr lang="en-US" dirty="0" smtClean="0"/>
-              <a:t>Using </a:t>
-            </a:r>
-            <a:r>
               <a:rPr lang="en-US" dirty="0"/>
-              <a:t>the NCBI table number</a:t>
+              <a:t>Using the NCBI table number</a:t>
             </a:r>
             <a:endParaRPr lang="fr-FR" dirty="0"/>
           </a:p>
@@ -22475,12 +21327,8 @@
           </a:lstStyle>
           <a:p>
             <a:r>
-              <a:rPr lang="en-US" sz="1200" dirty="0" smtClean="0"/>
-              <a:t>&gt;</a:t>
-            </a:r>
-            <a:r>
               <a:rPr lang="en-US" sz="1200" dirty="0"/>
-              <a:t>&gt;&gt; from </a:t>
+              <a:t>&gt;&gt;&gt; from </a:t>
             </a:r>
             <a:r>
               <a:rPr lang="en-US" sz="1200" dirty="0" err="1"/>
@@ -22494,23 +21342,15 @@
           <a:p>
             <a:r>
               <a:rPr lang="en-US" sz="1200" dirty="0"/>
-              <a:t>&gt;&gt;</a:t>
-            </a:r>
-            <a:r>
-              <a:rPr lang="en-US" sz="1200" dirty="0" smtClean="0"/>
-              <a:t>&gt; </a:t>
-            </a:r>
-            <a:r>
-              <a:rPr lang="en-US" sz="1200" dirty="0" err="1" smtClean="0"/>
+              <a:t>&gt;&gt;&gt; </a:t>
+            </a:r>
+            <a:r>
+              <a:rPr lang="en-US" sz="1200" dirty="0" err="1"/>
               <a:t>coding_dna</a:t>
             </a:r>
             <a:r>
-              <a:rPr lang="en-US" sz="1200" dirty="0" smtClean="0"/>
-              <a:t> </a:t>
-            </a:r>
-            <a:r>
               <a:rPr lang="en-US" sz="1200" dirty="0"/>
-              <a:t>= </a:t>
+              <a:t> = </a:t>
             </a:r>
             <a:r>
               <a:rPr lang="en-US" sz="1200" dirty="0" err="1"/>
@@ -22535,7 +21375,7 @@
               <a:t>&gt;&gt;&gt; </a:t>
             </a:r>
             <a:r>
-              <a:rPr lang="en-US" sz="1200" dirty="0" err="1" smtClean="0"/>
+              <a:rPr lang="en-US" sz="1200" dirty="0" err="1"/>
               <a:t>coding_dna</a:t>
             </a:r>
             <a:endParaRPr lang="en-US" sz="1200" dirty="0"/>
@@ -22588,10 +21428,9 @@
           <a:lstStyle/>
           <a:p>
             <a:r>
-              <a:rPr lang="fr-FR" dirty="0" smtClean="0"/>
+              <a:rPr lang="fr-FR" dirty="0"/>
               <a:t>Translation (2)</a:t>
             </a:r>
-            <a:endParaRPr lang="fr-FR" dirty="0"/>
           </a:p>
         </p:txBody>
       </p:sp>
@@ -22612,7 +21451,7 @@
           <a:p>
             <a:fld id="{DB41915D-5741-AE4A-919E-812B067D5353}" type="datetime1">
               <a:rPr lang="fr-FR" smtClean="0"/>
-              <a:t>16/11/16</a:t>
+              <a:t>08/11/2018</a:t>
             </a:fld>
             <a:endParaRPr lang="fr-FR" dirty="0"/>
           </a:p>
@@ -22634,7 +21473,7 @@
           <a:lstStyle/>
           <a:p>
             <a:r>
-              <a:rPr lang="fr-FR" smtClean="0"/>
+              <a:rPr lang="fr-FR"/>
               <a:t>Python pour la biologie</a:t>
             </a:r>
             <a:endParaRPr lang="fr-FR" dirty="0"/>
@@ -22707,19 +21546,8 @@
                 <a:latin typeface="Arial"/>
                 <a:cs typeface="Arial"/>
               </a:rPr>
-              <a:t>&gt;&gt;&gt; coding_dna.translate(</a:t>
-            </a:r>
-            <a:r>
-              <a:rPr lang="mr-IN" sz="1200" dirty="0" smtClean="0">
-                <a:latin typeface="Arial"/>
-                <a:cs typeface="Arial"/>
-              </a:rPr>
-              <a:t>)</a:t>
-            </a:r>
-            <a:endParaRPr lang="mr-IN" sz="1200" dirty="0">
-              <a:latin typeface="Arial"/>
-              <a:cs typeface="Arial"/>
-            </a:endParaRPr>
+              <a:t>&gt;&gt;&gt; coding_dna.translate()</a:t>
+            </a:r>
           </a:p>
         </p:txBody>
       </p:sp>
@@ -23009,29 +21837,18 @@
                 <a:latin typeface="Arial"/>
                 <a:cs typeface="Arial"/>
               </a:rPr>
-              <a:t>&gt;&gt;&gt; coding_dna.translate(table=2, to_stop=True</a:t>
-            </a:r>
-            <a:r>
-              <a:rPr lang="mr-IN" sz="1200" dirty="0" smtClean="0">
+              <a:t>&gt;&gt;&gt; coding_dna.translate(table=2, to_stop=True)</a:t>
+            </a:r>
+            <a:r>
+              <a:rPr lang="fr-FR" sz="1200" dirty="0">
                 <a:latin typeface="Arial"/>
                 <a:cs typeface="Arial"/>
               </a:rPr>
-              <a:t>)</a:t>
-            </a:r>
-            <a:r>
-              <a:rPr lang="fr-FR" sz="1200" dirty="0" smtClean="0">
-                <a:latin typeface="Arial"/>
-                <a:cs typeface="Arial"/>
-              </a:rPr>
               <a:t> ## </a:t>
             </a:r>
             <a:r>
-              <a:rPr lang="en-US" sz="1200" dirty="0" smtClean="0"/>
-              <a:t>the </a:t>
-            </a:r>
-            <a:r>
               <a:rPr lang="en-US" sz="1200" dirty="0"/>
-              <a:t>stop codon itself is not translated</a:t>
+              <a:t>the stop codon itself is not translated</a:t>
             </a:r>
             <a:endParaRPr lang="mr-IN" sz="1200" dirty="0">
               <a:latin typeface="Arial"/>
@@ -23299,24 +22116,8 @@
           </a:lstStyle>
           <a:p>
             <a:r>
-              <a:rPr lang="en-US" dirty="0" smtClean="0"/>
-              <a:t>Translate nucleotides </a:t>
-            </a:r>
-            <a:r>
               <a:rPr lang="en-US" dirty="0"/>
-              <a:t>up to the </a:t>
-            </a:r>
-            <a:r>
-              <a:rPr lang="en-US" dirty="0" smtClean="0"/>
-              <a:t>first </a:t>
-            </a:r>
-            <a:r>
-              <a:rPr lang="en-US" dirty="0"/>
-              <a:t>in frame stop codon, and then </a:t>
-            </a:r>
-            <a:r>
-              <a:rPr lang="en-US" dirty="0" smtClean="0"/>
-              <a:t>stop</a:t>
+              <a:t>Translate nucleotides up to the first in frame stop codon, and then stop</a:t>
             </a:r>
             <a:endParaRPr lang="fr-FR" dirty="0"/>
           </a:p>
@@ -23360,43 +22161,23 @@
             </a:r>
             <a:r>
               <a:rPr lang="pt-BR" dirty="0"/>
-              <a:t> </a:t>
-            </a:r>
-            <a:r>
-              <a:rPr lang="pt-BR" dirty="0" smtClean="0"/>
-              <a:t>CDS, </a:t>
-            </a:r>
-            <a:r>
-              <a:rPr lang="en-US" dirty="0" smtClean="0"/>
-              <a:t>(e.g. mRNA </a:t>
+              <a:t> CDS, </a:t>
             </a:r>
             <a:r>
               <a:rPr lang="en-US" dirty="0"/>
-              <a:t>{ after any splicing</a:t>
-            </a:r>
-            <a:r>
-              <a:rPr lang="en-US" dirty="0" smtClean="0"/>
-              <a:t>)</a:t>
+              <a:t>(e.g. mRNA { after any splicing)</a:t>
             </a:r>
           </a:p>
           <a:p>
             <a:r>
               <a:rPr lang="en-US" dirty="0"/>
-              <a:t>commences with a start codon, ends with a stop codon, and has no internal in-frame stop </a:t>
-            </a:r>
-            <a:r>
-              <a:rPr lang="en-US" dirty="0" smtClean="0"/>
-              <a:t>codons</a:t>
+              <a:t>commences with a start codon, ends with a stop codon, and has no internal in-frame stop codons</a:t>
             </a:r>
           </a:p>
           <a:p>
             <a:r>
               <a:rPr lang="en-US" dirty="0"/>
-              <a:t>what if your sequence uses a non-standard start codon</a:t>
-            </a:r>
-            <a:r>
-              <a:rPr lang="en-US" dirty="0" smtClean="0"/>
-              <a:t>?</a:t>
+              <a:t>what if your sequence uses a non-standard start codon?</a:t>
             </a:r>
           </a:p>
           <a:p>
@@ -23410,13 +22191,8 @@
             </a:r>
             <a:r>
               <a:rPr lang="en-US" dirty="0"/>
-              <a:t> in E. coli </a:t>
-            </a:r>
-            <a:r>
-              <a:rPr lang="en-US" dirty="0" smtClean="0"/>
-              <a:t>K12</a:t>
-            </a:r>
-            <a:endParaRPr lang="en-US" dirty="0"/>
+              <a:t> in E. coli K12</a:t>
+            </a:r>
           </a:p>
           <a:p>
             <a:endParaRPr lang="fr-FR" dirty="0"/>
@@ -23469,10 +22245,9 @@
           <a:lstStyle/>
           <a:p>
             <a:r>
-              <a:rPr lang="fr-FR" dirty="0" smtClean="0"/>
+              <a:rPr lang="fr-FR" dirty="0"/>
               <a:t>Translation (3)</a:t>
             </a:r>
-            <a:endParaRPr lang="fr-FR" dirty="0"/>
           </a:p>
         </p:txBody>
       </p:sp>
@@ -23493,7 +22268,7 @@
           <a:p>
             <a:fld id="{1756404F-D190-1049-81CC-036776657879}" type="datetime1">
               <a:rPr lang="fr-FR" smtClean="0"/>
-              <a:t>16/11/16</a:t>
+              <a:t>08/11/2018</a:t>
             </a:fld>
             <a:endParaRPr lang="fr-FR" dirty="0"/>
           </a:p>
@@ -23515,7 +22290,7 @@
           <a:lstStyle/>
           <a:p>
             <a:r>
-              <a:rPr lang="fr-FR" smtClean="0"/>
+              <a:rPr lang="fr-FR"/>
               <a:t>Python pour la biologie</a:t>
             </a:r>
             <a:endParaRPr lang="fr-FR" dirty="0"/>
@@ -23584,18 +22359,11 @@
           </a:lstStyle>
           <a:p>
             <a:r>
-              <a:rPr lang="en-US" sz="1200" dirty="0" smtClean="0">
-                <a:latin typeface="Arial"/>
-                <a:cs typeface="Arial"/>
-              </a:rPr>
-              <a:t>&gt;</a:t>
-            </a:r>
-            <a:r>
               <a:rPr lang="en-US" sz="1200" dirty="0">
                 <a:latin typeface="Arial"/>
                 <a:cs typeface="Arial"/>
               </a:rPr>
-              <a:t>&gt;&gt; from </a:t>
+              <a:t>&gt;&gt;&gt; from </a:t>
             </a:r>
             <a:r>
               <a:rPr lang="en-US" sz="1200" dirty="0" err="1">
@@ -23768,7 +22536,7 @@
           </a:lstStyle>
           <a:p>
             <a:r>
-              <a:rPr lang="nl-NL" sz="1200" dirty="0" err="1" smtClean="0">
+              <a:rPr lang="nl-NL" sz="1200" dirty="0" err="1">
                 <a:solidFill>
                   <a:srgbClr val="FF0000"/>
                 </a:solidFill>
@@ -23778,7 +22546,7 @@
               <a:t>Seq</a:t>
             </a:r>
             <a:r>
-              <a:rPr lang="nl-NL" sz="1200" dirty="0" smtClean="0">
+              <a:rPr lang="nl-NL" sz="1200" dirty="0">
                 <a:solidFill>
                   <a:srgbClr val="FF0000"/>
                 </a:solidFill>
@@ -23795,25 +22563,8 @@
                 <a:latin typeface="Arial"/>
                 <a:cs typeface="Arial"/>
               </a:rPr>
-              <a:t> HasStopCodon(ExtendedIUPACProtein(), '</a:t>
-            </a:r>
-            <a:r>
-              <a:rPr lang="mr-IN" sz="1200" dirty="0" smtClean="0">
-                <a:solidFill>
-                  <a:srgbClr val="FF0000"/>
-                </a:solidFill>
-                <a:latin typeface="Arial"/>
-                <a:cs typeface="Arial"/>
-              </a:rPr>
-              <a:t>*’)</a:t>
-            </a:r>
-            <a:endParaRPr lang="mr-IN" sz="1200" dirty="0">
-              <a:solidFill>
-                <a:srgbClr val="FF0000"/>
-              </a:solidFill>
-              <a:latin typeface="Arial"/>
-              <a:cs typeface="Arial"/>
-            </a:endParaRPr>
+              <a:t> HasStopCodon(ExtendedIUPACProtein(), '*’)</a:t>
+            </a:r>
           </a:p>
         </p:txBody>
       </p:sp>
@@ -23964,40 +22715,8 @@
           <a:p>
             <a:pPr algn="just"/>
             <a:r>
-              <a:rPr lang="en-US" dirty="0" smtClean="0"/>
-              <a:t>In </a:t>
-            </a:r>
-            <a:r>
               <a:rPr lang="en-US" dirty="0"/>
-              <a:t>the bacterial genetic </a:t>
-            </a:r>
-            <a:r>
-              <a:rPr lang="en-US" dirty="0" smtClean="0"/>
-              <a:t>code GTG</a:t>
-            </a:r>
-            <a:r>
-              <a:rPr lang="en-US" dirty="0"/>
-              <a:t> </a:t>
-            </a:r>
-            <a:r>
-              <a:rPr lang="en-US" dirty="0" smtClean="0"/>
-              <a:t>is </a:t>
-            </a:r>
-            <a:r>
-              <a:rPr lang="en-US" dirty="0"/>
-              <a:t>a valid start codon, and while it </a:t>
-            </a:r>
-            <a:r>
-              <a:rPr lang="en-US" dirty="0" smtClean="0"/>
-              <a:t>does normally</a:t>
-            </a:r>
-            <a:r>
-              <a:rPr lang="en-US" dirty="0"/>
-              <a:t> </a:t>
-            </a:r>
-            <a:r>
-              <a:rPr lang="en-US" dirty="0" smtClean="0"/>
-              <a:t>encode </a:t>
+              <a:t>In the bacterial genetic code GTG is a valid start codon, and while it does normally encode </a:t>
             </a:r>
             <a:r>
               <a:rPr lang="en-US" dirty="0" err="1"/>
@@ -24005,23 +22724,7 @@
             </a:r>
             <a:r>
               <a:rPr lang="en-US" dirty="0"/>
-              <a:t>, if used </a:t>
-            </a:r>
-            <a:r>
-              <a:rPr lang="en-US" dirty="0" smtClean="0"/>
-              <a:t>as a </a:t>
-            </a:r>
-            <a:r>
-              <a:rPr lang="en-US" dirty="0"/>
-              <a:t>start codon it should be translated as methionine. This happens if you tell Biopython your sequence is </a:t>
-            </a:r>
-            <a:r>
-              <a:rPr lang="en-US" dirty="0" smtClean="0"/>
-              <a:t>a complete </a:t>
-            </a:r>
-            <a:r>
-              <a:rPr lang="en-US" dirty="0"/>
-              <a:t>CDS:</a:t>
+              <a:t>, if used as a start codon it should be translated as methionine. This happens if you tell Biopython your sequence is a complete CDS:</a:t>
             </a:r>
           </a:p>
           <a:p>
@@ -24196,10 +22899,9 @@
           <a:lstStyle/>
           <a:p>
             <a:r>
-              <a:rPr lang="fr-FR" dirty="0" smtClean="0"/>
+              <a:rPr lang="fr-FR" dirty="0"/>
               <a:t>Translation Tables</a:t>
             </a:r>
-            <a:endParaRPr lang="fr-FR" dirty="0"/>
           </a:p>
         </p:txBody>
       </p:sp>
@@ -24220,7 +22922,7 @@
           <a:p>
             <a:fld id="{9FDB5FE5-E111-8B43-907E-911C1A8B8ACA}" type="datetime1">
               <a:rPr lang="fr-FR" smtClean="0"/>
-              <a:t>16/11/16</a:t>
+              <a:t>08/11/2018</a:t>
             </a:fld>
             <a:endParaRPr lang="fr-FR" dirty="0"/>
           </a:p>
@@ -24242,7 +22944,7 @@
           <a:lstStyle/>
           <a:p>
             <a:r>
-              <a:rPr lang="fr-FR" smtClean="0"/>
+              <a:rPr lang="fr-FR"/>
               <a:t>Python pour la biologie</a:t>
             </a:r>
             <a:endParaRPr lang="fr-FR" dirty="0"/>
@@ -24517,16 +23219,9 @@
                 <a:latin typeface="Arial"/>
                 <a:cs typeface="Arial"/>
               </a:rPr>
-              <a:t>&gt;&gt;&gt; print(standard_table</a:t>
-            </a:r>
-            <a:r>
-              <a:rPr lang="mr-IN" sz="1200" dirty="0" smtClean="0">
-                <a:latin typeface="Arial"/>
-                <a:cs typeface="Arial"/>
-              </a:rPr>
-              <a:t>)</a:t>
-            </a:r>
-            <a:endParaRPr lang="fr-FR" sz="1200" dirty="0" smtClean="0">
+              <a:t>&gt;&gt;&gt; print(standard_table)</a:t>
+            </a:r>
+            <a:endParaRPr lang="fr-FR" sz="1200" dirty="0">
               <a:latin typeface="Arial"/>
               <a:cs typeface="Arial"/>
             </a:endParaRPr>
@@ -24626,13 +23321,8 @@
           <a:p>
             <a:r>
               <a:rPr lang="fr-FR" dirty="0"/>
-              <a:t>Translation </a:t>
-            </a:r>
-            <a:r>
-              <a:rPr lang="fr-FR" dirty="0" smtClean="0"/>
-              <a:t>Tables (2)</a:t>
-            </a:r>
-            <a:endParaRPr lang="fr-FR" dirty="0"/>
+              <a:t>Translation Tables (2)</a:t>
+            </a:r>
           </a:p>
         </p:txBody>
       </p:sp>
@@ -24681,7 +23371,7 @@
           <a:p>
             <a:fld id="{90CA1F5A-103A-244D-8F4A-262A8624F39D}" type="datetime1">
               <a:rPr lang="fr-FR" smtClean="0"/>
-              <a:t>16/11/16</a:t>
+              <a:t>08/11/2018</a:t>
             </a:fld>
             <a:endParaRPr lang="fr-FR" dirty="0"/>
           </a:p>
@@ -24703,7 +23393,7 @@
           <a:lstStyle/>
           <a:p>
             <a:r>
-              <a:rPr lang="fr-FR" smtClean="0"/>
+              <a:rPr lang="fr-FR"/>
               <a:t>Python pour la biologie</a:t>
             </a:r>
             <a:endParaRPr lang="fr-FR" dirty="0"/>
@@ -24776,30 +23466,23 @@
                 <a:latin typeface="Arial"/>
                 <a:cs typeface="Arial"/>
               </a:rPr>
-              <a:t>&gt;&gt;&gt; print</a:t>
-            </a:r>
-            <a:r>
-              <a:rPr lang="mr-IN" sz="1200" dirty="0" smtClean="0">
+              <a:t>&gt;&gt;&gt; print(</a:t>
+            </a:r>
+            <a:r>
+              <a:rPr lang="fr-FR" sz="1200" dirty="0" err="1">
                 <a:latin typeface="Arial"/>
                 <a:cs typeface="Arial"/>
               </a:rPr>
-              <a:t>(</a:t>
-            </a:r>
-            <a:r>
-              <a:rPr lang="fr-FR" sz="1200" dirty="0" err="1" smtClean="0">
+              <a:t>mito</a:t>
+            </a:r>
+            <a:r>
+              <a:rPr lang="mr-IN" sz="1200" dirty="0">
                 <a:latin typeface="Arial"/>
                 <a:cs typeface="Arial"/>
               </a:rPr>
-              <a:t>mito</a:t>
-            </a:r>
-            <a:r>
-              <a:rPr lang="mr-IN" sz="1200" dirty="0" smtClean="0">
-                <a:latin typeface="Arial"/>
-                <a:cs typeface="Arial"/>
-              </a:rPr>
               <a:t>_table)</a:t>
             </a:r>
-            <a:endParaRPr lang="fr-FR" sz="1200" dirty="0" smtClean="0">
+            <a:endParaRPr lang="fr-FR" sz="1200" dirty="0">
               <a:latin typeface="Arial"/>
               <a:cs typeface="Arial"/>
             </a:endParaRPr>
@@ -24956,33 +23639,22 @@
                 <a:latin typeface="Arial"/>
                 <a:cs typeface="Arial"/>
               </a:rPr>
-              <a:t>&gt;&gt;&gt; </a:t>
-            </a:r>
-            <a:r>
-              <a:rPr lang="mr-IN" sz="1200" dirty="0" smtClean="0">
+              <a:t>&gt;&gt;&gt; mito_table.st</a:t>
+            </a:r>
+            <a:r>
+              <a:rPr lang="fr-FR" sz="1200" dirty="0">
                 <a:latin typeface="Arial"/>
                 <a:cs typeface="Arial"/>
               </a:rPr>
-              <a:t>mito_table.st</a:t>
-            </a:r>
-            <a:r>
-              <a:rPr lang="fr-FR" sz="1200" dirty="0" smtClean="0">
+              <a:t>art</a:t>
+            </a:r>
+            <a:r>
+              <a:rPr lang="mr-IN" sz="1200" dirty="0">
                 <a:latin typeface="Arial"/>
                 <a:cs typeface="Arial"/>
               </a:rPr>
-              <a:t>art</a:t>
-            </a:r>
-            <a:r>
-              <a:rPr lang="mr-IN" sz="1200" dirty="0" smtClean="0">
-                <a:latin typeface="Arial"/>
-                <a:cs typeface="Arial"/>
-              </a:rPr>
               <a:t>_codons</a:t>
             </a:r>
-            <a:endParaRPr lang="mr-IN" sz="1200" dirty="0">
-              <a:latin typeface="Arial"/>
-              <a:cs typeface="Arial"/>
-            </a:endParaRPr>
           </a:p>
           <a:p>
             <a:r>
@@ -25139,88 +23811,35 @@
           <a:lstStyle/>
           <a:p>
             <a:r>
-              <a:rPr lang="en-US" dirty="0" smtClean="0"/>
-              <a:t>Meaning </a:t>
-            </a:r>
-            <a:r>
               <a:rPr lang="en-US" dirty="0"/>
-              <a:t>of the letters in a sequence are context </a:t>
-            </a:r>
-            <a:r>
-              <a:rPr lang="en-US" dirty="0" smtClean="0"/>
-              <a:t>dependent</a:t>
+              <a:t>Meaning of the letters in a sequence are context dependent</a:t>
             </a:r>
           </a:p>
           <a:p>
             <a:r>
               <a:rPr lang="en-US" dirty="0"/>
-              <a:t>T</a:t>
-            </a:r>
-            <a:r>
-              <a:rPr lang="en-US" dirty="0" smtClean="0"/>
-              <a:t>he letter “A</a:t>
-            </a:r>
+              <a:t>The letter “A" could be part of a DNA, RNA or protein sequence. </a:t>
+            </a:r>
+          </a:p>
+          <a:p>
             <a:r>
               <a:rPr lang="en-US" dirty="0"/>
-              <a:t>" could be part of a DNA, RNA or protein sequence. </a:t>
-            </a:r>
-          </a:p>
-          <a:p>
-            <a:r>
-              <a:rPr lang="en-US" dirty="0" smtClean="0"/>
               <a:t>Comparing two </a:t>
             </a:r>
             <a:r>
-              <a:rPr lang="en-US" dirty="0" err="1" smtClean="0"/>
+              <a:rPr lang="en-US" dirty="0" err="1"/>
               <a:t>Seq</a:t>
             </a:r>
             <a:r>
               <a:rPr lang="en-US" dirty="0"/>
-              <a:t> </a:t>
-            </a:r>
-            <a:r>
-              <a:rPr lang="en-US" dirty="0" smtClean="0"/>
-              <a:t>objects </a:t>
-            </a:r>
+              <a:t> objects could mean considering both the sequence strings and the alphabets</a:t>
+            </a:r>
+          </a:p>
+          <a:p>
             <a:r>
               <a:rPr lang="en-US" dirty="0"/>
-              <a:t>could mean considering </a:t>
-            </a:r>
-            <a:r>
-              <a:rPr lang="en-US" dirty="0" smtClean="0"/>
-              <a:t>both the </a:t>
-            </a:r>
-            <a:r>
-              <a:rPr lang="en-US" dirty="0"/>
-              <a:t>sequence </a:t>
-            </a:r>
-            <a:r>
-              <a:rPr lang="en-US" dirty="0" smtClean="0"/>
-              <a:t>strings and</a:t>
-            </a:r>
-            <a:r>
-              <a:rPr lang="en-US" dirty="0"/>
-              <a:t> </a:t>
-            </a:r>
-            <a:r>
-              <a:rPr lang="en-US" dirty="0" smtClean="0"/>
-              <a:t>the alphabets</a:t>
-            </a:r>
-          </a:p>
-          <a:p>
-            <a:r>
-              <a:rPr lang="en-US" dirty="0" smtClean="0"/>
-              <a:t>Compare the sequences </a:t>
-            </a:r>
-            <a:r>
-              <a:rPr lang="en-US" dirty="0"/>
-              <a:t>as </a:t>
-            </a:r>
-            <a:r>
-              <a:rPr lang="en-US" dirty="0" smtClean="0"/>
-              <a:t>string:</a:t>
-            </a:r>
-            <a:endParaRPr lang="en-US" dirty="0"/>
+              <a:t>Compare the sequences as string:</a:t>
+            </a:r>
           </a:p>
           <a:p>
             <a:endParaRPr lang="en-US" dirty="0"/>
@@ -25247,7 +23866,7 @@
           <a:p>
             <a:fld id="{91722139-D3E7-4C40-A912-CF1D68207057}" type="datetime1">
               <a:rPr lang="fr-FR" smtClean="0"/>
-              <a:t>16/11/16</a:t>
+              <a:t>08/11/2018</a:t>
             </a:fld>
             <a:endParaRPr lang="fr-FR" dirty="0"/>
           </a:p>
@@ -25269,7 +23888,7 @@
           <a:lstStyle/>
           <a:p>
             <a:r>
-              <a:rPr lang="fr-FR" smtClean="0"/>
+              <a:rPr lang="fr-FR"/>
               <a:t>Python pour la biologie</a:t>
             </a:r>
             <a:endParaRPr lang="fr-FR" dirty="0"/>
@@ -25442,7 +24061,7 @@
           </a:p>
           <a:p>
             <a:r>
-              <a:rPr lang="de-DE" sz="1200" dirty="0" smtClean="0">
+              <a:rPr lang="de-DE" sz="1200" dirty="0">
                 <a:solidFill>
                   <a:srgbClr val="FF0000"/>
                 </a:solidFill>
@@ -25750,16 +24369,8 @@
           </a:lstStyle>
           <a:p>
             <a:r>
-              <a:rPr lang="en-US" dirty="0" smtClean="0"/>
-              <a:t>Sequence </a:t>
-            </a:r>
-            <a:r>
               <a:rPr lang="en-US" dirty="0"/>
-              <a:t>comparison only looks at the </a:t>
-            </a:r>
-            <a:r>
-              <a:rPr lang="en-US" dirty="0" smtClean="0"/>
-              <a:t>sequence, ignoring alphabet</a:t>
+              <a:t>Sequence comparison only looks at the sequence, ignoring alphabet</a:t>
             </a:r>
             <a:endParaRPr lang="fr-FR" dirty="0"/>
           </a:p>
@@ -25844,23 +24455,7 @@
             </a:r>
             <a:r>
               <a:rPr lang="en-US" dirty="0"/>
-              <a:t> RNA, or nucleotide </a:t>
-            </a:r>
-            <a:r>
-              <a:rPr lang="en-US" dirty="0" smtClean="0"/>
-              <a:t>versus protein</a:t>
-            </a:r>
-            <a:r>
-              <a:rPr lang="en-US" dirty="0"/>
-              <a:t>), then you will get a warning but for the comparison itself only the string of letters in the </a:t>
-            </a:r>
-            <a:r>
-              <a:rPr lang="en-US" dirty="0" smtClean="0"/>
-              <a:t>sequence is </a:t>
-            </a:r>
-            <a:r>
-              <a:rPr lang="en-US" dirty="0"/>
-              <a:t>used:</a:t>
+              <a:t> RNA, or nucleotide versus protein), then you will get a warning but for the comparison itself only the string of letters in the sequence is used:</a:t>
             </a:r>
           </a:p>
           <a:p>
@@ -25885,7 +24480,7 @@
           <a:p>
             <a:fld id="{F575202B-7270-FA4F-9347-72520CA09DD1}" type="datetime1">
               <a:rPr lang="fr-FR" smtClean="0"/>
-              <a:t>16/11/16</a:t>
+              <a:t>08/11/2018</a:t>
             </a:fld>
             <a:endParaRPr lang="fr-FR" dirty="0"/>
           </a:p>
@@ -25907,7 +24502,7 @@
           <a:lstStyle/>
           <a:p>
             <a:r>
-              <a:rPr lang="fr-FR" smtClean="0"/>
+              <a:rPr lang="fr-FR"/>
               <a:t>Python pour la biologie</a:t>
             </a:r>
             <a:endParaRPr lang="fr-FR" dirty="0"/>
@@ -26094,10 +24689,10 @@
               <a:t> == </a:t>
             </a:r>
             <a:r>
-              <a:rPr lang="en-US" sz="1200" dirty="0" err="1" smtClean="0"/>
+              <a:rPr lang="en-US" sz="1200" dirty="0" err="1"/>
               <a:t>prot_seq</a:t>
             </a:r>
-            <a:endParaRPr lang="en-US" sz="1200" dirty="0" smtClean="0"/>
+            <a:endParaRPr lang="en-US" sz="1200" dirty="0"/>
           </a:p>
           <a:p>
             <a:r>
@@ -26151,18 +24746,13 @@
           </a:p>
           <a:p>
             <a:r>
-              <a:rPr lang="en-US" sz="1200" dirty="0" smtClean="0">
+              <a:rPr lang="en-US" sz="1200" dirty="0">
                 <a:solidFill>
                   <a:srgbClr val="FF0000"/>
                 </a:solidFill>
               </a:rPr>
               <a:t>True</a:t>
             </a:r>
-            <a:endParaRPr lang="en-US" sz="1200" dirty="0">
-              <a:solidFill>
-                <a:srgbClr val="FF0000"/>
-              </a:solidFill>
-            </a:endParaRPr>
           </a:p>
         </p:txBody>
       </p:sp>
@@ -26381,39 +24971,35 @@
           </a:lstStyle>
           <a:p>
             <a:r>
-              <a:rPr lang="en-US" dirty="0" smtClean="0"/>
+              <a:rPr lang="en-US" dirty="0"/>
               <a:t>WARNING: Older versions of Biopython instead used to check if the </a:t>
             </a:r>
             <a:r>
-              <a:rPr lang="en-US" dirty="0" err="1" smtClean="0"/>
+              <a:rPr lang="en-US" dirty="0" err="1"/>
               <a:t>Seq</a:t>
             </a:r>
             <a:r>
-              <a:rPr lang="en-US" dirty="0" smtClean="0"/>
+              <a:rPr lang="en-US" dirty="0"/>
               <a:t> objects were the same object in memory. </a:t>
             </a:r>
           </a:p>
           <a:p>
             <a:r>
               <a:rPr lang="en-US" dirty="0"/>
-              <a:t>I</a:t>
-            </a:r>
-            <a:r>
-              <a:rPr lang="en-US" dirty="0" smtClean="0"/>
-              <a:t>mportant if you need to support scripts on both old and new versions of Biopython.</a:t>
-            </a:r>
-          </a:p>
-          <a:p>
-            <a:r>
-              <a:rPr lang="en-US" dirty="0" smtClean="0"/>
+              <a:t>Important if you need to support scripts on both old and new versions of Biopython.</a:t>
+            </a:r>
+          </a:p>
+          <a:p>
+            <a:r>
+              <a:rPr lang="en-US" dirty="0"/>
               <a:t>Make the comparison explicit by wrapping your sequence objects with either </a:t>
             </a:r>
             <a:r>
-              <a:rPr lang="en-US" dirty="0" err="1" smtClean="0"/>
+              <a:rPr lang="en-US" dirty="0" err="1"/>
               <a:t>str</a:t>
             </a:r>
             <a:r>
-              <a:rPr lang="en-US" dirty="0" smtClean="0"/>
+              <a:rPr lang="en-US" dirty="0"/>
               <a:t>(...) for string based comparison or id(...) for object instance based comparison.</a:t>
             </a:r>
           </a:p>
@@ -26432,13 +25018,6 @@
   <p:clrMapOvr>
     <a:masterClrMapping/>
   </p:clrMapOvr>
-  <p:timing>
-    <p:tnLst>
-      <p:par>
-        <p:cTn xmlns:p14="http://schemas.microsoft.com/office/powerpoint/2010/main" id="1" dur="indefinite" restart="never" nodeType="tmRoot"/>
-      </p:par>
-    </p:tnLst>
-  </p:timing>
 </p:sld>
 </file>
 
@@ -26536,36 +25115,20 @@
           <a:lstStyle/>
           <a:p>
             <a:r>
-              <a:rPr lang="fr-FR" dirty="0" err="1" smtClean="0"/>
+              <a:rPr lang="fr-FR" dirty="0" err="1"/>
               <a:t>T</a:t>
             </a:r>
             <a:r>
-              <a:rPr lang="en-US" dirty="0" smtClean="0"/>
+              <a:rPr lang="en-US" dirty="0"/>
               <a:t>he </a:t>
             </a:r>
             <a:r>
-              <a:rPr lang="en-US" dirty="0" err="1" smtClean="0"/>
+              <a:rPr lang="en-US" dirty="0" err="1"/>
               <a:t>Seq</a:t>
             </a:r>
             <a:r>
               <a:rPr lang="en-US" dirty="0"/>
-              <a:t> </a:t>
-            </a:r>
-            <a:r>
-              <a:rPr lang="en-US" dirty="0" smtClean="0"/>
-              <a:t>object </a:t>
-            </a:r>
-            <a:r>
-              <a:rPr lang="en-US" dirty="0"/>
-              <a:t>is </a:t>
-            </a:r>
-            <a:r>
-              <a:rPr lang="en-US" dirty="0" smtClean="0"/>
-              <a:t>“read </a:t>
-            </a:r>
-            <a:r>
-              <a:rPr lang="en-US" dirty="0"/>
-              <a:t>only", or in Python terminology, immutable</a:t>
+              <a:t> object is “read only", or in Python terminology, immutable</a:t>
             </a:r>
           </a:p>
           <a:p>
@@ -26590,7 +25153,7 @@
           <a:p>
             <a:fld id="{7CB59A03-4E78-3143-BA5B-9B04A458933E}" type="datetime1">
               <a:rPr lang="fr-FR" smtClean="0"/>
-              <a:t>16/11/16</a:t>
+              <a:t>08/11/2018</a:t>
             </a:fld>
             <a:endParaRPr lang="fr-FR" dirty="0"/>
           </a:p>
@@ -26612,7 +25175,7 @@
           <a:lstStyle/>
           <a:p>
             <a:r>
-              <a:rPr lang="fr-FR" smtClean="0"/>
+              <a:rPr lang="fr-FR"/>
               <a:t>Python pour la biologie</a:t>
             </a:r>
             <a:endParaRPr lang="fr-FR" dirty="0"/>
@@ -26681,55 +25244,55 @@
           </a:lstStyle>
           <a:p>
             <a:r>
-              <a:rPr lang="en-US" sz="1200" dirty="0" smtClean="0">
+              <a:rPr lang="en-US" sz="1200" dirty="0">
                 <a:latin typeface="Arial"/>
                 <a:cs typeface="Arial"/>
               </a:rPr>
               <a:t>&gt;&gt;&gt; from </a:t>
             </a:r>
             <a:r>
-              <a:rPr lang="en-US" sz="1200" dirty="0" err="1" smtClean="0">
+              <a:rPr lang="en-US" sz="1200" dirty="0" err="1">
                 <a:latin typeface="Arial"/>
                 <a:cs typeface="Arial"/>
               </a:rPr>
               <a:t>Bio.Seq</a:t>
             </a:r>
             <a:r>
-              <a:rPr lang="en-US" sz="1200" dirty="0" smtClean="0">
+              <a:rPr lang="en-US" sz="1200" dirty="0">
                 <a:latin typeface="Arial"/>
                 <a:cs typeface="Arial"/>
               </a:rPr>
               <a:t> import </a:t>
             </a:r>
             <a:r>
-              <a:rPr lang="en-US" sz="1200" dirty="0" err="1" smtClean="0">
+              <a:rPr lang="en-US" sz="1200" dirty="0" err="1">
                 <a:latin typeface="Arial"/>
                 <a:cs typeface="Arial"/>
               </a:rPr>
               <a:t>Seq</a:t>
             </a:r>
-            <a:endParaRPr lang="en-US" sz="1200" dirty="0" smtClean="0">
+            <a:endParaRPr lang="en-US" sz="1200" dirty="0">
               <a:latin typeface="Arial"/>
               <a:cs typeface="Arial"/>
             </a:endParaRPr>
           </a:p>
           <a:p>
             <a:r>
-              <a:rPr lang="en-US" sz="1200" dirty="0" smtClean="0">
+              <a:rPr lang="en-US" sz="1200" dirty="0">
                 <a:latin typeface="Arial"/>
                 <a:cs typeface="Arial"/>
               </a:rPr>
               <a:t>&gt;&gt;&gt; from </a:t>
             </a:r>
             <a:r>
-              <a:rPr lang="en-US" sz="1200" dirty="0" err="1" smtClean="0">
+              <a:rPr lang="en-US" sz="1200" dirty="0" err="1">
                 <a:latin typeface="Arial"/>
                 <a:cs typeface="Arial"/>
               </a:rPr>
               <a:t>Bio.Alphabet</a:t>
             </a:r>
             <a:r>
-              <a:rPr lang="en-US" sz="1200" dirty="0" smtClean="0">
+              <a:rPr lang="en-US" sz="1200" dirty="0">
                 <a:latin typeface="Arial"/>
                 <a:cs typeface="Arial"/>
               </a:rPr>
@@ -26738,49 +25301,49 @@
           </a:p>
           <a:p>
             <a:r>
-              <a:rPr lang="en-US" sz="1200" dirty="0" smtClean="0">
+              <a:rPr lang="en-US" sz="1200" dirty="0">
                 <a:latin typeface="Arial"/>
                 <a:cs typeface="Arial"/>
               </a:rPr>
               <a:t>&gt;&gt;&gt; </a:t>
             </a:r>
             <a:r>
-              <a:rPr lang="en-US" sz="1200" dirty="0" err="1" smtClean="0">
+              <a:rPr lang="en-US" sz="1200" dirty="0" err="1">
                 <a:latin typeface="Arial"/>
                 <a:cs typeface="Arial"/>
               </a:rPr>
               <a:t>my_seq</a:t>
             </a:r>
             <a:r>
-              <a:rPr lang="en-US" sz="1200" dirty="0" smtClean="0">
+              <a:rPr lang="en-US" sz="1200" dirty="0">
                 <a:latin typeface="Arial"/>
                 <a:cs typeface="Arial"/>
               </a:rPr>
               <a:t> = </a:t>
             </a:r>
             <a:r>
-              <a:rPr lang="en-US" sz="1200" dirty="0" err="1" smtClean="0">
+              <a:rPr lang="en-US" sz="1200" dirty="0" err="1">
                 <a:latin typeface="Arial"/>
                 <a:cs typeface="Arial"/>
               </a:rPr>
               <a:t>Seq</a:t>
             </a:r>
             <a:r>
-              <a:rPr lang="en-US" sz="1200" dirty="0" smtClean="0">
+              <a:rPr lang="en-US" sz="1200" dirty="0">
                 <a:latin typeface="Arial"/>
                 <a:cs typeface="Arial"/>
               </a:rPr>
               <a:t>("GCCATTGTAATGGGCCGCTGAAAGGGTGCCCGA", </a:t>
             </a:r>
             <a:r>
-              <a:rPr lang="en-US" sz="1200" dirty="0" err="1" smtClean="0">
+              <a:rPr lang="en-US" sz="1200" dirty="0" err="1">
                 <a:latin typeface="Arial"/>
                 <a:cs typeface="Arial"/>
               </a:rPr>
               <a:t>IUPAC.unambiguous_dna</a:t>
             </a:r>
             <a:r>
-              <a:rPr lang="en-US" sz="1200" dirty="0" smtClean="0">
+              <a:rPr lang="en-US" sz="1200" dirty="0">
                 <a:latin typeface="Arial"/>
                 <a:cs typeface="Arial"/>
               </a:rPr>
@@ -26827,35 +25390,35 @@
           </a:lstStyle>
           <a:p>
             <a:r>
-              <a:rPr lang="en-US" sz="1200" dirty="0" smtClean="0">
+              <a:rPr lang="en-US" sz="1200" dirty="0">
                 <a:latin typeface="Arial"/>
                 <a:cs typeface="Arial"/>
               </a:rPr>
               <a:t>&gt;&gt;&gt; </a:t>
             </a:r>
             <a:r>
-              <a:rPr lang="en-US" sz="1200" dirty="0" err="1" smtClean="0">
+              <a:rPr lang="en-US" sz="1200" dirty="0" err="1">
                 <a:latin typeface="Arial"/>
                 <a:cs typeface="Arial"/>
               </a:rPr>
               <a:t>mutable_seq</a:t>
             </a:r>
             <a:r>
-              <a:rPr lang="en-US" sz="1200" dirty="0" smtClean="0">
+              <a:rPr lang="en-US" sz="1200" dirty="0">
                 <a:latin typeface="Arial"/>
                 <a:cs typeface="Arial"/>
               </a:rPr>
               <a:t> = </a:t>
             </a:r>
             <a:r>
-              <a:rPr lang="en-US" sz="1200" dirty="0" err="1" smtClean="0">
+              <a:rPr lang="en-US" sz="1200" dirty="0" err="1">
                 <a:latin typeface="Arial"/>
                 <a:cs typeface="Arial"/>
               </a:rPr>
               <a:t>my_seq.tomutable</a:t>
             </a:r>
             <a:r>
-              <a:rPr lang="en-US" sz="1200" dirty="0" smtClean="0">
+              <a:rPr lang="en-US" sz="1200" dirty="0">
                 <a:latin typeface="Arial"/>
                 <a:cs typeface="Arial"/>
               </a:rPr>
@@ -26864,27 +25427,27 @@
           </a:p>
           <a:p>
             <a:r>
-              <a:rPr lang="en-US" sz="1200" dirty="0" smtClean="0">
+              <a:rPr lang="en-US" sz="1200" dirty="0">
                 <a:latin typeface="Arial"/>
                 <a:cs typeface="Arial"/>
               </a:rPr>
               <a:t>&gt;&gt;&gt; </a:t>
             </a:r>
             <a:r>
-              <a:rPr lang="en-US" sz="1200" dirty="0" err="1" smtClean="0">
+              <a:rPr lang="en-US" sz="1200" dirty="0" err="1">
                 <a:latin typeface="Arial"/>
                 <a:cs typeface="Arial"/>
               </a:rPr>
               <a:t>mutable_seq</a:t>
             </a:r>
-            <a:endParaRPr lang="en-US" sz="1200" dirty="0" smtClean="0">
+            <a:endParaRPr lang="en-US" sz="1200" dirty="0">
               <a:latin typeface="Arial"/>
               <a:cs typeface="Arial"/>
             </a:endParaRPr>
           </a:p>
           <a:p>
             <a:r>
-              <a:rPr lang="en-US" sz="1200" dirty="0" err="1" smtClean="0">
+              <a:rPr lang="en-US" sz="1200" dirty="0" err="1">
                 <a:solidFill>
                   <a:srgbClr val="FF0000"/>
                 </a:solidFill>
@@ -26894,7 +25457,7 @@
               <a:t>MutableSeq</a:t>
             </a:r>
             <a:r>
-              <a:rPr lang="en-US" sz="1200" dirty="0" smtClean="0">
+              <a:rPr lang="en-US" sz="1200" dirty="0">
                 <a:solidFill>
                   <a:srgbClr val="FF0000"/>
                 </a:solidFill>
@@ -26904,7 +25467,7 @@
               <a:t>('GCCATTGTAATGGGCCGCTGAAAGGGTGCCCGA', </a:t>
             </a:r>
             <a:r>
-              <a:rPr lang="en-US" sz="1200" dirty="0" err="1" smtClean="0">
+              <a:rPr lang="en-US" sz="1200" dirty="0" err="1">
                 <a:solidFill>
                   <a:srgbClr val="FF0000"/>
                 </a:solidFill>
@@ -26914,7 +25477,7 @@
               <a:t>IUPACUnambiguousDNA</a:t>
             </a:r>
             <a:r>
-              <a:rPr lang="en-US" sz="1200" dirty="0" smtClean="0">
+              <a:rPr lang="en-US" sz="1200" dirty="0">
                 <a:solidFill>
                   <a:srgbClr val="FF0000"/>
                 </a:solidFill>
@@ -26964,20 +25527,20 @@
           </a:lstStyle>
           <a:p>
             <a:r>
-              <a:rPr lang="mr-IN" sz="1200" dirty="0" smtClean="0">
+              <a:rPr lang="mr-IN" sz="1200" dirty="0">
                 <a:latin typeface="Arial"/>
                 <a:cs typeface="Arial"/>
               </a:rPr>
               <a:t>&gt;&gt;&gt; my_seq[5] = "G »</a:t>
             </a:r>
-            <a:endParaRPr lang="fr-FR" sz="1200" dirty="0" smtClean="0">
+            <a:endParaRPr lang="fr-FR" sz="1200" dirty="0">
               <a:latin typeface="Arial"/>
               <a:cs typeface="Arial"/>
             </a:endParaRPr>
           </a:p>
           <a:p>
             <a:r>
-              <a:rPr lang="en-US" sz="1200" dirty="0" err="1" smtClean="0">
+              <a:rPr lang="en-US" sz="1200" dirty="0" err="1">
                 <a:solidFill>
                   <a:srgbClr val="FF0000"/>
                 </a:solidFill>
@@ -26987,7 +25550,7 @@
               <a:t>Traceback</a:t>
             </a:r>
             <a:r>
-              <a:rPr lang="en-US" sz="1200" dirty="0" smtClean="0">
+              <a:rPr lang="en-US" sz="1200" dirty="0">
                 <a:solidFill>
                   <a:srgbClr val="FF0000"/>
                 </a:solidFill>
@@ -26999,7 +25562,7 @@
           </a:p>
           <a:p>
             <a:r>
-              <a:rPr lang="en-US" sz="1200" dirty="0" err="1" smtClean="0">
+              <a:rPr lang="en-US" sz="1200" dirty="0" err="1">
                 <a:solidFill>
                   <a:srgbClr val="FF0000"/>
                 </a:solidFill>
@@ -27009,7 +25572,7 @@
               <a:t>TypeError</a:t>
             </a:r>
             <a:r>
-              <a:rPr lang="en-US" sz="1200" dirty="0" smtClean="0">
+              <a:rPr lang="en-US" sz="1200" dirty="0">
                 <a:solidFill>
                   <a:srgbClr val="FF0000"/>
                 </a:solidFill>
@@ -27019,7 +25582,7 @@
               <a:t>: '</a:t>
             </a:r>
             <a:r>
-              <a:rPr lang="en-US" sz="1200" dirty="0" err="1" smtClean="0">
+              <a:rPr lang="en-US" sz="1200" dirty="0" err="1">
                 <a:solidFill>
                   <a:srgbClr val="FF0000"/>
                 </a:solidFill>
@@ -27029,7 +25592,7 @@
               <a:t>Seq</a:t>
             </a:r>
             <a:r>
-              <a:rPr lang="en-US" sz="1200" dirty="0" smtClean="0">
+              <a:rPr lang="en-US" sz="1200" dirty="0">
                 <a:solidFill>
                   <a:srgbClr val="FF0000"/>
                 </a:solidFill>
@@ -27634,55 +26197,55 @@
           </a:lstStyle>
           <a:p>
             <a:r>
-              <a:rPr lang="en-US" sz="1200" dirty="0" smtClean="0">
+              <a:rPr lang="en-US" sz="1200" dirty="0">
                 <a:latin typeface="Arial"/>
                 <a:cs typeface="Arial"/>
               </a:rPr>
               <a:t>&gt;&gt;&gt; from </a:t>
             </a:r>
             <a:r>
-              <a:rPr lang="en-US" sz="1200" dirty="0" err="1" smtClean="0">
+              <a:rPr lang="en-US" sz="1200" dirty="0" err="1">
                 <a:latin typeface="Arial"/>
                 <a:cs typeface="Arial"/>
               </a:rPr>
               <a:t>Bio.Seq</a:t>
             </a:r>
             <a:r>
-              <a:rPr lang="en-US" sz="1200" dirty="0" smtClean="0">
+              <a:rPr lang="en-US" sz="1200" dirty="0">
                 <a:latin typeface="Arial"/>
                 <a:cs typeface="Arial"/>
               </a:rPr>
               <a:t> import </a:t>
             </a:r>
             <a:r>
-              <a:rPr lang="en-US" sz="1200" dirty="0" err="1" smtClean="0">
+              <a:rPr lang="en-US" sz="1200" dirty="0" err="1">
                 <a:latin typeface="Arial"/>
                 <a:cs typeface="Arial"/>
               </a:rPr>
               <a:t>MutableSeq</a:t>
             </a:r>
-            <a:endParaRPr lang="en-US" sz="1200" dirty="0" smtClean="0">
+            <a:endParaRPr lang="en-US" sz="1200" dirty="0">
               <a:latin typeface="Arial"/>
               <a:cs typeface="Arial"/>
             </a:endParaRPr>
           </a:p>
           <a:p>
             <a:r>
-              <a:rPr lang="en-US" sz="1200" dirty="0" smtClean="0">
+              <a:rPr lang="en-US" sz="1200" dirty="0">
                 <a:latin typeface="Arial"/>
                 <a:cs typeface="Arial"/>
               </a:rPr>
               <a:t>&gt;&gt;&gt; from </a:t>
             </a:r>
             <a:r>
-              <a:rPr lang="en-US" sz="1200" dirty="0" err="1" smtClean="0">
+              <a:rPr lang="en-US" sz="1200" dirty="0" err="1">
                 <a:latin typeface="Arial"/>
                 <a:cs typeface="Arial"/>
               </a:rPr>
               <a:t>Bio.Alphabet</a:t>
             </a:r>
             <a:r>
-              <a:rPr lang="en-US" sz="1200" dirty="0" smtClean="0">
+              <a:rPr lang="en-US" sz="1200" dirty="0">
                 <a:latin typeface="Arial"/>
                 <a:cs typeface="Arial"/>
               </a:rPr>
@@ -27691,49 +26254,49 @@
           </a:p>
           <a:p>
             <a:r>
-              <a:rPr lang="en-US" sz="1200" dirty="0" smtClean="0">
+              <a:rPr lang="en-US" sz="1200" dirty="0">
                 <a:latin typeface="Arial"/>
                 <a:cs typeface="Arial"/>
               </a:rPr>
               <a:t>&gt;&gt;&gt; </a:t>
             </a:r>
             <a:r>
-              <a:rPr lang="en-US" sz="1200" dirty="0" err="1" smtClean="0">
+              <a:rPr lang="en-US" sz="1200" dirty="0" err="1">
                 <a:latin typeface="Arial"/>
                 <a:cs typeface="Arial"/>
               </a:rPr>
               <a:t>mutable_seq</a:t>
             </a:r>
             <a:r>
-              <a:rPr lang="en-US" sz="1200" dirty="0" smtClean="0">
+              <a:rPr lang="en-US" sz="1200" dirty="0">
                 <a:latin typeface="Arial"/>
                 <a:cs typeface="Arial"/>
               </a:rPr>
               <a:t> = </a:t>
             </a:r>
             <a:r>
-              <a:rPr lang="en-US" sz="1200" dirty="0" err="1" smtClean="0">
+              <a:rPr lang="en-US" sz="1200" dirty="0" err="1">
                 <a:latin typeface="Arial"/>
                 <a:cs typeface="Arial"/>
               </a:rPr>
               <a:t>MutableSeq</a:t>
             </a:r>
             <a:r>
-              <a:rPr lang="en-US" sz="1200" dirty="0" smtClean="0">
+              <a:rPr lang="en-US" sz="1200" dirty="0">
                 <a:latin typeface="Arial"/>
                 <a:cs typeface="Arial"/>
               </a:rPr>
               <a:t>("GCCATTGTAATGGGCCGCTGAAAGGGTGCCCGA", </a:t>
             </a:r>
             <a:r>
-              <a:rPr lang="en-US" sz="1200" dirty="0" err="1" smtClean="0">
+              <a:rPr lang="en-US" sz="1200" dirty="0" err="1">
                 <a:latin typeface="Arial"/>
                 <a:cs typeface="Arial"/>
               </a:rPr>
               <a:t>IUPAC.unambiguous_dna</a:t>
             </a:r>
             <a:r>
-              <a:rPr lang="en-US" sz="1200" dirty="0" smtClean="0">
+              <a:rPr lang="en-US" sz="1200" dirty="0">
                 <a:latin typeface="Arial"/>
                 <a:cs typeface="Arial"/>
               </a:rPr>
@@ -27758,25 +26321,8 @@
                 <a:latin typeface="Arial"/>
                 <a:cs typeface="Arial"/>
               </a:rPr>
-              <a:t>MutableSeq('GCCATTGTAATGGGCCGCTGAAAGGGTGCCCGA', IUPACUnambiguousDNA()</a:t>
-            </a:r>
-            <a:r>
-              <a:rPr lang="mr-IN" sz="1200" dirty="0" smtClean="0">
-                <a:solidFill>
-                  <a:srgbClr val="FF0000"/>
-                </a:solidFill>
-                <a:latin typeface="Arial"/>
-                <a:cs typeface="Arial"/>
-              </a:rPr>
-              <a:t>)</a:t>
-            </a:r>
-            <a:endParaRPr lang="mr-IN" sz="1200" dirty="0">
-              <a:solidFill>
-                <a:srgbClr val="FF0000"/>
-              </a:solidFill>
-              <a:latin typeface="Arial"/>
-              <a:cs typeface="Arial"/>
-            </a:endParaRPr>
+              <a:t>MutableSeq('GCCATTGTAATGGGCCGCTGAAAGGGTGCCCGA', IUPACUnambiguousDNA())</a:t>
+            </a:r>
           </a:p>
         </p:txBody>
       </p:sp>
@@ -27826,22 +26372,21 @@
           <a:lstStyle/>
           <a:p>
             <a:r>
-              <a:rPr lang="fr-FR" dirty="0" err="1" smtClean="0"/>
+              <a:rPr lang="fr-FR" dirty="0" err="1"/>
               <a:t>What</a:t>
             </a:r>
             <a:r>
-              <a:rPr lang="fr-FR" dirty="0" smtClean="0"/>
+              <a:rPr lang="fr-FR" dirty="0"/>
               <a:t> </a:t>
             </a:r>
             <a:r>
-              <a:rPr lang="fr-FR" dirty="0" err="1" smtClean="0"/>
+              <a:rPr lang="fr-FR" dirty="0" err="1"/>
               <a:t>is</a:t>
             </a:r>
             <a:r>
-              <a:rPr lang="fr-FR" dirty="0" smtClean="0"/>
+              <a:rPr lang="fr-FR" dirty="0"/>
               <a:t> Biopython ?</a:t>
             </a:r>
-            <a:endParaRPr lang="fr-FR" dirty="0"/>
           </a:p>
         </p:txBody>
       </p:sp>
@@ -27872,15 +26417,11 @@
             </a:r>
             <a:r>
               <a:rPr lang="en-US" dirty="0"/>
-              <a:t>) tools for computational molecular </a:t>
-            </a:r>
-            <a:r>
-              <a:rPr lang="en-US" dirty="0" smtClean="0"/>
-              <a:t>biology</a:t>
-            </a:r>
-          </a:p>
-          <a:p>
-            <a:endParaRPr lang="en-US" dirty="0" smtClean="0"/>
+              <a:t>) tools for computational molecular biology</a:t>
+            </a:r>
+          </a:p>
+          <a:p>
+            <a:endParaRPr lang="en-US" dirty="0"/>
           </a:p>
           <a:p>
             <a:r>
@@ -27895,11 +26436,7 @@
             </a:r>
             <a:r>
               <a:rPr lang="en-US" dirty="0"/>
-              <a:t>) provides an online resource for modules, scripts, and web links for developers of Python-based software for bioinformatics use and </a:t>
-            </a:r>
-            <a:r>
-              <a:rPr lang="en-US" dirty="0" smtClean="0"/>
-              <a:t>research</a:t>
+              <a:t>) provides an online resource for modules, scripts, and web links for developers of Python-based software for bioinformatics use and research</a:t>
             </a:r>
           </a:p>
           <a:p>
@@ -27907,37 +26444,12 @@
           </a:p>
           <a:p>
             <a:r>
-              <a:rPr lang="en-US" dirty="0" smtClean="0"/>
-              <a:t>Basically</a:t>
-            </a:r>
-            <a:r>
               <a:rPr lang="en-US" dirty="0"/>
-              <a:t>, </a:t>
-            </a:r>
-            <a:r>
-              <a:rPr lang="en-US" dirty="0" smtClean="0"/>
-              <a:t>the goal </a:t>
-            </a:r>
-            <a:r>
-              <a:rPr lang="en-US" dirty="0"/>
-              <a:t>of Biopython is to make it as easy as possible to use Python for bioinformatics by creating high-quality</a:t>
-            </a:r>
-            <a:r>
-              <a:rPr lang="en-US" dirty="0" smtClean="0"/>
-              <a:t>, reusable </a:t>
-            </a:r>
-            <a:r>
-              <a:rPr lang="en-US" dirty="0"/>
-              <a:t>modules and </a:t>
-            </a:r>
-            <a:r>
-              <a:rPr lang="en-US" dirty="0" smtClean="0"/>
-              <a:t>classes</a:t>
-            </a:r>
-            <a:endParaRPr lang="en-US" dirty="0"/>
-          </a:p>
-          <a:p>
-            <a:endParaRPr lang="fr-FR" dirty="0" smtClean="0"/>
+              <a:t>Basically, the goal of Biopython is to make it as easy as possible to use Python for bioinformatics by creating high-quality, reusable modules and classes</a:t>
+            </a:r>
+          </a:p>
+          <a:p>
+            <a:endParaRPr lang="fr-FR" dirty="0"/>
           </a:p>
         </p:txBody>
       </p:sp>
@@ -27958,7 +26470,7 @@
           <a:p>
             <a:fld id="{9BBFB046-DC18-C04D-BD7C-1BA0FC9E7F71}" type="datetime1">
               <a:rPr lang="fr-FR" smtClean="0"/>
-              <a:t>16/11/16</a:t>
+              <a:t>08/11/2018</a:t>
             </a:fld>
             <a:endParaRPr lang="fr-FR" dirty="0"/>
           </a:p>
@@ -27980,7 +26492,7 @@
           <a:lstStyle/>
           <a:p>
             <a:r>
-              <a:rPr lang="fr-FR" smtClean="0"/>
+              <a:rPr lang="fr-FR"/>
               <a:t>Python pour la biologie</a:t>
             </a:r>
             <a:endParaRPr lang="fr-FR" dirty="0"/>
@@ -28105,7 +26617,7 @@
           <a:p>
             <a:fld id="{816908AA-A60E-9D4B-A089-9B6A43B56327}" type="datetime1">
               <a:rPr lang="fr-FR" smtClean="0"/>
-              <a:t>16/11/16</a:t>
+              <a:t>08/11/2018</a:t>
             </a:fld>
             <a:endParaRPr lang="fr-FR" dirty="0"/>
           </a:p>
@@ -28127,7 +26639,7 @@
           <a:lstStyle/>
           <a:p>
             <a:r>
-              <a:rPr lang="fr-FR" smtClean="0"/>
+              <a:rPr lang="fr-FR"/>
               <a:t>Python pour la biologie</a:t>
             </a:r>
             <a:endParaRPr lang="fr-FR" dirty="0"/>
@@ -28196,18 +26708,11 @@
           </a:lstStyle>
           <a:p>
             <a:r>
-              <a:rPr lang="mr-IN" sz="1200" dirty="0" smtClean="0">
-                <a:latin typeface="Arial"/>
-                <a:cs typeface="Arial"/>
-              </a:rPr>
-              <a:t>&gt;</a:t>
-            </a:r>
-            <a:r>
               <a:rPr lang="mr-IN" sz="1200" dirty="0">
                 <a:latin typeface="Arial"/>
                 <a:cs typeface="Arial"/>
               </a:rPr>
-              <a:t>&gt;&gt; mutable_seq[5] = "C"</a:t>
+              <a:t>&gt;&gt;&gt; mutable_seq[5] = "C"</a:t>
             </a:r>
           </a:p>
           <a:p>
@@ -28288,25 +26793,8 @@
                 <a:latin typeface="Arial"/>
                 <a:cs typeface="Arial"/>
               </a:rPr>
-              <a:t>MutableSeq('AGCCCGTGGGAAAGTCGCCGGGTAATGCACCG', IUPACUnambiguousDNA()</a:t>
-            </a:r>
-            <a:r>
-              <a:rPr lang="mr-IN" sz="1200" dirty="0" smtClean="0">
-                <a:solidFill>
-                  <a:srgbClr val="FF0000"/>
-                </a:solidFill>
-                <a:latin typeface="Arial"/>
-                <a:cs typeface="Arial"/>
-              </a:rPr>
-              <a:t>)</a:t>
-            </a:r>
-            <a:endParaRPr lang="mr-IN" sz="1200" dirty="0">
-              <a:solidFill>
-                <a:srgbClr val="FF0000"/>
-              </a:solidFill>
-              <a:latin typeface="Arial"/>
-              <a:cs typeface="Arial"/>
-            </a:endParaRPr>
+              <a:t>MutableSeq('AGCCCGTGGGAAAGTCGCCGGGTAATGCACCG', IUPACUnambiguousDNA())</a:t>
+            </a:r>
           </a:p>
         </p:txBody>
       </p:sp>
@@ -28348,55 +26836,55 @@
           </a:lstStyle>
           <a:p>
             <a:r>
-              <a:rPr lang="en-US" sz="1200" dirty="0" smtClean="0">
+              <a:rPr lang="en-US" sz="1200" dirty="0">
                 <a:latin typeface="Arial"/>
                 <a:cs typeface="Arial"/>
               </a:rPr>
               <a:t>&gt;&gt;&gt; from </a:t>
             </a:r>
             <a:r>
-              <a:rPr lang="en-US" sz="1200" dirty="0" err="1" smtClean="0">
+              <a:rPr lang="en-US" sz="1200" dirty="0" err="1">
                 <a:latin typeface="Arial"/>
                 <a:cs typeface="Arial"/>
               </a:rPr>
               <a:t>Bio.Seq</a:t>
             </a:r>
             <a:r>
-              <a:rPr lang="en-US" sz="1200" dirty="0" smtClean="0">
+              <a:rPr lang="en-US" sz="1200" dirty="0">
                 <a:latin typeface="Arial"/>
                 <a:cs typeface="Arial"/>
               </a:rPr>
               <a:t> import </a:t>
             </a:r>
             <a:r>
-              <a:rPr lang="en-US" sz="1200" dirty="0" err="1" smtClean="0">
+              <a:rPr lang="en-US" sz="1200" dirty="0" err="1">
                 <a:latin typeface="Arial"/>
                 <a:cs typeface="Arial"/>
               </a:rPr>
               <a:t>MutableSeq</a:t>
             </a:r>
-            <a:endParaRPr lang="en-US" sz="1200" dirty="0" smtClean="0">
+            <a:endParaRPr lang="en-US" sz="1200" dirty="0">
               <a:latin typeface="Arial"/>
               <a:cs typeface="Arial"/>
             </a:endParaRPr>
           </a:p>
           <a:p>
             <a:r>
-              <a:rPr lang="en-US" sz="1200" dirty="0" smtClean="0">
+              <a:rPr lang="en-US" sz="1200" dirty="0">
                 <a:latin typeface="Arial"/>
                 <a:cs typeface="Arial"/>
               </a:rPr>
               <a:t>&gt;&gt;&gt; from </a:t>
             </a:r>
             <a:r>
-              <a:rPr lang="en-US" sz="1200" dirty="0" err="1" smtClean="0">
+              <a:rPr lang="en-US" sz="1200" dirty="0" err="1">
                 <a:latin typeface="Arial"/>
                 <a:cs typeface="Arial"/>
               </a:rPr>
               <a:t>Bio.Alphabet</a:t>
             </a:r>
             <a:r>
-              <a:rPr lang="en-US" sz="1200" dirty="0" smtClean="0">
+              <a:rPr lang="en-US" sz="1200" dirty="0">
                 <a:latin typeface="Arial"/>
                 <a:cs typeface="Arial"/>
               </a:rPr>
@@ -28405,49 +26893,49 @@
           </a:p>
           <a:p>
             <a:r>
-              <a:rPr lang="en-US" sz="1200" dirty="0" smtClean="0">
+              <a:rPr lang="en-US" sz="1200" dirty="0">
                 <a:latin typeface="Arial"/>
                 <a:cs typeface="Arial"/>
               </a:rPr>
               <a:t>&gt;&gt;&gt; </a:t>
             </a:r>
             <a:r>
-              <a:rPr lang="en-US" sz="1200" dirty="0" err="1" smtClean="0">
+              <a:rPr lang="en-US" sz="1200" dirty="0" err="1">
                 <a:latin typeface="Arial"/>
                 <a:cs typeface="Arial"/>
               </a:rPr>
               <a:t>mutable_seq</a:t>
             </a:r>
             <a:r>
-              <a:rPr lang="en-US" sz="1200" dirty="0" smtClean="0">
+              <a:rPr lang="en-US" sz="1200" dirty="0">
                 <a:latin typeface="Arial"/>
                 <a:cs typeface="Arial"/>
               </a:rPr>
               <a:t> = </a:t>
             </a:r>
             <a:r>
-              <a:rPr lang="en-US" sz="1200" dirty="0" err="1" smtClean="0">
+              <a:rPr lang="en-US" sz="1200" dirty="0" err="1">
                 <a:latin typeface="Arial"/>
                 <a:cs typeface="Arial"/>
               </a:rPr>
               <a:t>MutableSeq</a:t>
             </a:r>
             <a:r>
-              <a:rPr lang="en-US" sz="1200" dirty="0" smtClean="0">
+              <a:rPr lang="en-US" sz="1200" dirty="0">
                 <a:latin typeface="Arial"/>
                 <a:cs typeface="Arial"/>
               </a:rPr>
               <a:t>("GCCATTGTAATGGGCCGCTGAAAGGGTGCCCGA", </a:t>
             </a:r>
             <a:r>
-              <a:rPr lang="en-US" sz="1200" dirty="0" err="1" smtClean="0">
+              <a:rPr lang="en-US" sz="1200" dirty="0" err="1">
                 <a:latin typeface="Arial"/>
                 <a:cs typeface="Arial"/>
               </a:rPr>
               <a:t>IUPAC.unambiguous_dna</a:t>
             </a:r>
             <a:r>
-              <a:rPr lang="en-US" sz="1200" dirty="0" smtClean="0">
+              <a:rPr lang="en-US" sz="1200" dirty="0">
                 <a:latin typeface="Arial"/>
                 <a:cs typeface="Arial"/>
               </a:rPr>
@@ -28472,25 +26960,8 @@
                 <a:latin typeface="Arial"/>
                 <a:cs typeface="Arial"/>
               </a:rPr>
-              <a:t>MutableSeq('GCCATTGTAATGGGCCGCTGAAAGGGTGCCCGA', IUPACUnambiguousDNA()</a:t>
-            </a:r>
-            <a:r>
-              <a:rPr lang="mr-IN" sz="1200" dirty="0" smtClean="0">
-                <a:solidFill>
-                  <a:srgbClr val="FF0000"/>
-                </a:solidFill>
-                <a:latin typeface="Arial"/>
-                <a:cs typeface="Arial"/>
-              </a:rPr>
-              <a:t>)</a:t>
-            </a:r>
-            <a:endParaRPr lang="mr-IN" sz="1200" dirty="0">
-              <a:solidFill>
-                <a:srgbClr val="FF0000"/>
-              </a:solidFill>
-              <a:latin typeface="Arial"/>
-              <a:cs typeface="Arial"/>
-            </a:endParaRPr>
+              <a:t>MutableSeq('GCCATTGTAATGGGCCGCTGAAAGGGTGCCCGA', IUPACUnambiguousDNA())</a:t>
+            </a:r>
           </a:p>
         </p:txBody>
       </p:sp>
@@ -28704,91 +27175,31 @@
           <a:p>
             <a:r>
               <a:rPr lang="en-US" dirty="0"/>
-              <a:t>N</a:t>
-            </a:r>
-            <a:r>
-              <a:rPr lang="en-US" dirty="0" smtClean="0"/>
-              <a:t>ote </a:t>
+              <a:t>Note that unlike the </a:t>
+            </a:r>
+            <a:r>
+              <a:rPr lang="en-US" dirty="0" err="1"/>
+              <a:t>Seq</a:t>
             </a:r>
             <a:r>
               <a:rPr lang="en-US" dirty="0"/>
-              <a:t>that unlike </a:t>
-            </a:r>
-            <a:r>
-              <a:rPr lang="en-US" dirty="0" smtClean="0"/>
-              <a:t>the </a:t>
-            </a:r>
-            <a:r>
-              <a:rPr lang="en-US" dirty="0" err="1" smtClean="0"/>
-              <a:t>Seq</a:t>
+              <a:t> object, the </a:t>
+            </a:r>
+            <a:r>
+              <a:rPr lang="en-US" dirty="0" err="1"/>
+              <a:t>MutableSeq</a:t>
             </a:r>
             <a:r>
               <a:rPr lang="en-US" dirty="0"/>
-              <a:t> </a:t>
-            </a:r>
-            <a:r>
-              <a:rPr lang="en-US" dirty="0" smtClean="0"/>
-              <a:t>object</a:t>
+              <a:t> object's methods like </a:t>
+            </a:r>
+            <a:r>
+              <a:rPr lang="en-US" dirty="0" err="1"/>
+              <a:t>reverse_complement</a:t>
             </a:r>
             <a:r>
               <a:rPr lang="en-US" dirty="0"/>
-              <a:t>, </a:t>
-            </a:r>
-            <a:r>
-              <a:rPr lang="en-US" dirty="0" smtClean="0"/>
-              <a:t>the </a:t>
-            </a:r>
-            <a:r>
-              <a:rPr lang="en-US" dirty="0" err="1" smtClean="0"/>
-              <a:t>MutableSeq</a:t>
-            </a:r>
-            <a:r>
-              <a:rPr lang="en-US" dirty="0"/>
-              <a:t> </a:t>
-            </a:r>
-            <a:r>
-              <a:rPr lang="en-US" dirty="0" smtClean="0"/>
-              <a:t>object's </a:t>
-            </a:r>
-            <a:r>
-              <a:rPr lang="en-US" dirty="0"/>
-              <a:t>methods </a:t>
-            </a:r>
-            <a:r>
-              <a:rPr lang="en-US" dirty="0" smtClean="0"/>
-              <a:t>like </a:t>
-            </a:r>
-            <a:r>
-              <a:rPr lang="en-US" dirty="0" err="1" smtClean="0"/>
-              <a:t>reverse_complement</a:t>
-            </a:r>
-            <a:r>
-              <a:rPr lang="en-US" dirty="0"/>
-              <a:t>(</a:t>
-            </a:r>
-            <a:r>
-              <a:rPr lang="en-US" dirty="0" smtClean="0"/>
-              <a:t>) and</a:t>
-            </a:r>
-            <a:r>
-              <a:rPr lang="en-US" dirty="0"/>
-              <a:t> </a:t>
-            </a:r>
-            <a:r>
-              <a:rPr lang="en-US" dirty="0" smtClean="0"/>
-              <a:t>reverse</a:t>
-            </a:r>
-            <a:r>
-              <a:rPr lang="en-US" dirty="0"/>
-              <a:t>(</a:t>
-            </a:r>
-            <a:r>
-              <a:rPr lang="en-US" dirty="0" smtClean="0"/>
-              <a:t>) act </a:t>
-            </a:r>
-            <a:r>
-              <a:rPr lang="en-US" dirty="0"/>
-              <a:t>in-situ!</a:t>
+              <a:t>() and reverse() act in-situ!</a:t>
             </a:r>
           </a:p>
           <a:p>
@@ -28947,15 +27358,15 @@
           <a:lstStyle/>
           <a:p>
             <a:r>
-              <a:rPr lang="fr-FR" dirty="0" err="1" smtClean="0"/>
+              <a:rPr lang="fr-FR" dirty="0" err="1"/>
               <a:t>UnknowSeq</a:t>
             </a:r>
             <a:r>
-              <a:rPr lang="fr-FR" dirty="0" smtClean="0"/>
+              <a:rPr lang="fr-FR" dirty="0"/>
               <a:t> </a:t>
             </a:r>
             <a:r>
-              <a:rPr lang="fr-FR" dirty="0" err="1" smtClean="0"/>
+              <a:rPr lang="fr-FR" dirty="0" err="1"/>
               <a:t>objects</a:t>
             </a:r>
             <a:endParaRPr lang="fr-FR" dirty="0"/>
@@ -28983,63 +27394,37 @@
           <a:lstStyle/>
           <a:p>
             <a:r>
-              <a:rPr lang="en-US" dirty="0" smtClean="0"/>
-              <a:t>Subclass </a:t>
-            </a:r>
-            <a:r>
               <a:rPr lang="en-US" dirty="0"/>
-              <a:t>of the </a:t>
-            </a:r>
-            <a:r>
-              <a:rPr lang="en-US" dirty="0" smtClean="0"/>
-              <a:t>basic </a:t>
-            </a:r>
-            <a:r>
-              <a:rPr lang="en-US" dirty="0" err="1" smtClean="0"/>
+              <a:t>Subclass of the basic </a:t>
+            </a:r>
+            <a:r>
+              <a:rPr lang="en-US" dirty="0" err="1"/>
               <a:t>Seq</a:t>
             </a:r>
             <a:r>
               <a:rPr lang="en-US" dirty="0"/>
-              <a:t> </a:t>
-            </a:r>
-            <a:r>
-              <a:rPr lang="en-US" dirty="0" smtClean="0"/>
-              <a:t>object </a:t>
-            </a:r>
-          </a:p>
-          <a:p>
-            <a:r>
-              <a:rPr lang="en-US" dirty="0" smtClean="0"/>
-              <a:t>Represent </a:t>
-            </a:r>
+              <a:t> object </a:t>
+            </a:r>
+          </a:p>
+          <a:p>
             <a:r>
               <a:rPr lang="en-US" dirty="0"/>
-              <a:t>a sequence </a:t>
-            </a:r>
-            <a:r>
-              <a:rPr lang="en-US" dirty="0" smtClean="0"/>
-              <a:t>where we </a:t>
-            </a:r>
+              <a:t>Represent a sequence where we know the length, but not the actual letters making it up. </a:t>
+            </a:r>
+          </a:p>
+          <a:p>
             <a:r>
               <a:rPr lang="en-US" dirty="0"/>
-              <a:t>know the length, but not the actual letters making it up. </a:t>
-            </a:r>
-            <a:endParaRPr lang="en-US" dirty="0" smtClean="0"/>
-          </a:p>
-          <a:p>
-            <a:r>
-              <a:rPr lang="en-US" dirty="0" smtClean="0"/>
               <a:t>Better than </a:t>
             </a:r>
             <a:r>
-              <a:rPr lang="en-US" dirty="0" err="1" smtClean="0"/>
+              <a:rPr lang="en-US" dirty="0" err="1"/>
               <a:t>Seq</a:t>
             </a:r>
             <a:r>
-              <a:rPr lang="en-US" dirty="0" smtClean="0"/>
+              <a:rPr lang="en-US" dirty="0"/>
               <a:t> object for memory</a:t>
             </a:r>
-            <a:endParaRPr lang="en-US" dirty="0"/>
           </a:p>
           <a:p>
             <a:endParaRPr lang="en-US" dirty="0"/>
@@ -29066,7 +27451,7 @@
           <a:p>
             <a:fld id="{FA7473CA-1C1D-5047-82A9-6D3164075AEC}" type="datetime1">
               <a:rPr lang="fr-FR" smtClean="0"/>
-              <a:t>16/11/16</a:t>
+              <a:t>08/11/2018</a:t>
             </a:fld>
             <a:endParaRPr lang="fr-FR" dirty="0"/>
           </a:p>
@@ -29088,7 +27473,7 @@
           <a:lstStyle/>
           <a:p>
             <a:r>
-              <a:rPr lang="fr-FR" smtClean="0"/>
+              <a:rPr lang="fr-FR"/>
               <a:t>Python pour la biologie</a:t>
             </a:r>
             <a:endParaRPr lang="fr-FR" dirty="0"/>
@@ -29226,7 +27611,7 @@
           </a:p>
           <a:p>
             <a:r>
-              <a:rPr lang="mr-IN" sz="1200" dirty="0" smtClean="0">
+              <a:rPr lang="mr-IN" sz="1200" dirty="0">
                 <a:solidFill>
                   <a:srgbClr val="FF0000"/>
                 </a:solidFill>
@@ -29235,7 +27620,7 @@
               </a:rPr>
               <a:t>20</a:t>
             </a:r>
-            <a:endParaRPr lang="fr-FR" sz="1200" dirty="0" smtClean="0">
+            <a:endParaRPr lang="fr-FR" sz="1200" dirty="0">
               <a:solidFill>
                 <a:srgbClr val="FF0000"/>
               </a:solidFill>
@@ -29390,47 +27775,7 @@
           <a:p>
             <a:r>
               <a:rPr lang="en-US" dirty="0"/>
-              <a:t>S</a:t>
-            </a:r>
-            <a:r>
-              <a:rPr lang="en-US" dirty="0" smtClean="0"/>
-              <a:t>pecify </a:t>
-            </a:r>
-            <a:r>
-              <a:rPr lang="en-US" dirty="0"/>
-              <a:t>an alphabet, meaning for nucleotide sequences the letter defaults to </a:t>
-            </a:r>
-            <a:r>
-              <a:rPr lang="en-US" dirty="0" smtClean="0"/>
-              <a:t>“N</a:t>
-            </a:r>
-            <a:r>
-              <a:rPr lang="en-US" dirty="0"/>
-              <a:t>" </a:t>
-            </a:r>
-            <a:r>
-              <a:rPr lang="en-US" dirty="0" smtClean="0"/>
-              <a:t>and for </a:t>
-            </a:r>
-            <a:r>
-              <a:rPr lang="en-US" dirty="0"/>
-              <a:t>proteins </a:t>
-            </a:r>
-            <a:r>
-              <a:rPr lang="en-US" dirty="0" smtClean="0"/>
-              <a:t>“X</a:t>
-            </a:r>
-            <a:r>
-              <a:rPr lang="en-US" dirty="0"/>
-              <a:t>", rather than just </a:t>
-            </a:r>
-            <a:r>
-              <a:rPr lang="en-US" dirty="0" smtClean="0"/>
-              <a:t>“?</a:t>
-            </a:r>
-            <a:r>
-              <a:rPr lang="en-US" dirty="0"/>
-              <a:t>"</a:t>
+              <a:t>Specify an alphabet, meaning for nucleotide sequences the letter defaults to “N" and for proteins “X", rather than just “?"</a:t>
             </a:r>
           </a:p>
           <a:p>
@@ -29476,12 +27821,8 @@
           </a:lstStyle>
           <a:p>
             <a:r>
-              <a:rPr lang="en-US" sz="1200" dirty="0" smtClean="0"/>
-              <a:t>&gt;</a:t>
-            </a:r>
-            <a:r>
               <a:rPr lang="en-US" sz="1200" dirty="0"/>
-              <a:t>&gt;&gt; from </a:t>
+              <a:t>&gt;&gt;&gt; from </a:t>
             </a:r>
             <a:r>
               <a:rPr lang="en-US" sz="1200" dirty="0" err="1"/>
@@ -29602,18 +27943,13 @@
           </a:p>
           <a:p>
             <a:r>
-              <a:rPr lang="en-US" sz="1200" dirty="0" smtClean="0">
+              <a:rPr lang="en-US" sz="1200" dirty="0">
                 <a:solidFill>
                   <a:srgbClr val="FF0000"/>
                 </a:solidFill>
               </a:rPr>
               <a:t>NNNNNNNNNNNNNNNNNNNN</a:t>
             </a:r>
-            <a:endParaRPr lang="en-US" sz="1200" dirty="0">
-              <a:solidFill>
-                <a:srgbClr val="FF0000"/>
-              </a:solidFill>
-            </a:endParaRPr>
           </a:p>
         </p:txBody>
       </p:sp>
@@ -29671,14 +28007,13 @@
               <a:t>functionalities</a:t>
             </a:r>
             <a:r>
-              <a:rPr lang="mr-IN" dirty="0" smtClean="0"/>
+              <a:rPr lang="mr-IN" dirty="0"/>
               <a:t>(</a:t>
             </a:r>
             <a:r>
-              <a:rPr lang="fr-FR" dirty="0" smtClean="0"/>
+              <a:rPr lang="fr-FR" dirty="0"/>
               <a:t>1)</a:t>
             </a:r>
-            <a:endParaRPr lang="fr-FR" dirty="0"/>
           </a:p>
         </p:txBody>
       </p:sp>
@@ -29699,84 +28034,45 @@
           <a:p>
             <a:r>
               <a:rPr lang="en-US" dirty="0"/>
-              <a:t>The ability to parse bioinformatics </a:t>
-            </a:r>
-            <a:r>
-              <a:rPr lang="en-US" dirty="0" smtClean="0"/>
-              <a:t>files </a:t>
-            </a:r>
-            <a:r>
-              <a:rPr lang="en-US" dirty="0"/>
-              <a:t>into Python utilizable data structures, including support </a:t>
-            </a:r>
-            <a:r>
-              <a:rPr lang="en-US" dirty="0" smtClean="0"/>
-              <a:t>for the </a:t>
-            </a:r>
-            <a:r>
-              <a:rPr lang="en-US" dirty="0"/>
-              <a:t>following formats</a:t>
-            </a:r>
-            <a:r>
-              <a:rPr lang="en-US" dirty="0" smtClean="0"/>
-              <a:t>:</a:t>
-            </a:r>
-            <a:endParaRPr lang="en-US" dirty="0"/>
+              <a:t>The ability to parse bioinformatics files into Python utilizable data structures, including support for the following formats:</a:t>
+            </a:r>
           </a:p>
           <a:p>
             <a:pPr lvl="1"/>
             <a:r>
               <a:rPr lang="en-US" sz="1800" dirty="0"/>
-              <a:t>Blast output </a:t>
-            </a:r>
-            <a:r>
-              <a:rPr lang="en-US" sz="1800" dirty="0" smtClean="0"/>
-              <a:t>- </a:t>
-            </a:r>
+              <a:t>Blast output - both from standalone and WWW Blast</a:t>
+            </a:r>
+          </a:p>
+          <a:p>
+            <a:pPr lvl="1"/>
+            <a:r>
+              <a:rPr lang="en-US" sz="1800" dirty="0" err="1"/>
+              <a:t>Clustalw</a:t>
+            </a:r>
+            <a:endParaRPr lang="en-US" sz="1800" dirty="0"/>
+          </a:p>
+          <a:p>
+            <a:pPr lvl="1"/>
             <a:r>
               <a:rPr lang="en-US" sz="1800" dirty="0"/>
-              <a:t>both from standalone and WWW </a:t>
-            </a:r>
-            <a:r>
-              <a:rPr lang="en-US" sz="1800" dirty="0" smtClean="0"/>
-              <a:t>Blast</a:t>
+              <a:t>FASTA</a:t>
             </a:r>
           </a:p>
           <a:p>
             <a:pPr lvl="1"/>
             <a:r>
-              <a:rPr lang="en-US" sz="1800" dirty="0" err="1" smtClean="0"/>
-              <a:t>Clustalw</a:t>
+              <a:rPr lang="en-US" sz="1800" dirty="0" err="1"/>
+              <a:t>GenBank</a:t>
             </a:r>
             <a:endParaRPr lang="en-US" sz="1800" dirty="0"/>
           </a:p>
           <a:p>
             <a:pPr lvl="1"/>
             <a:r>
-              <a:rPr lang="en-US" sz="1800" dirty="0" smtClean="0"/>
-              <a:t>FASTA</a:t>
-            </a:r>
-            <a:endParaRPr lang="en-US" sz="1800" dirty="0"/>
-          </a:p>
-          <a:p>
-            <a:pPr lvl="1"/>
-            <a:r>
-              <a:rPr lang="en-US" sz="1800" dirty="0" err="1" smtClean="0"/>
-              <a:t>GenBank</a:t>
-            </a:r>
-            <a:endParaRPr lang="en-US" sz="1800" dirty="0"/>
-          </a:p>
-          <a:p>
-            <a:pPr lvl="1"/>
-            <a:r>
               <a:rPr lang="en-US" sz="1800" dirty="0"/>
-              <a:t>PubMed and </a:t>
-            </a:r>
-            <a:r>
-              <a:rPr lang="en-US" sz="1800" dirty="0" smtClean="0"/>
-              <a:t>Medline</a:t>
-            </a:r>
-            <a:endParaRPr lang="en-US" sz="1800" dirty="0"/>
+              <a:t>PubMed and Medline</a:t>
+            </a:r>
           </a:p>
           <a:p>
             <a:pPr lvl="1"/>
@@ -29786,62 +28082,41 @@
             </a:r>
             <a:r>
               <a:rPr lang="en-US" sz="1800" dirty="0"/>
-              <a:t> </a:t>
-            </a:r>
-            <a:r>
-              <a:rPr lang="en-US" sz="1800" dirty="0" smtClean="0"/>
-              <a:t>files</a:t>
-            </a:r>
+              <a:t> files, like Enzyme and </a:t>
+            </a:r>
+            <a:r>
+              <a:rPr lang="en-US" sz="1800" dirty="0" err="1"/>
+              <a:t>Prosite</a:t>
+            </a:r>
+            <a:endParaRPr lang="en-US" sz="1800" dirty="0"/>
+          </a:p>
+          <a:p>
+            <a:pPr lvl="1"/>
             <a:r>
               <a:rPr lang="en-US" sz="1800" dirty="0"/>
-              <a:t>, like Enzyme and </a:t>
-            </a:r>
-            <a:r>
-              <a:rPr lang="en-US" sz="1800" dirty="0" err="1" smtClean="0"/>
-              <a:t>Prosite</a:t>
-            </a:r>
-            <a:endParaRPr lang="en-US" sz="1800" dirty="0"/>
+              <a:t>SCOP, including “</a:t>
+            </a:r>
+            <a:r>
+              <a:rPr lang="en-US" sz="1800" dirty="0" err="1"/>
+              <a:t>dom</a:t>
+            </a:r>
+            <a:r>
+              <a:rPr lang="en-US" sz="1800" dirty="0"/>
+              <a:t>” and “</a:t>
+            </a:r>
+            <a:r>
+              <a:rPr lang="en-US" sz="1800" dirty="0" err="1"/>
+              <a:t>lin</a:t>
+            </a:r>
+            <a:r>
+              <a:rPr lang="en-US" sz="1800" dirty="0"/>
+              <a:t>” files</a:t>
+            </a:r>
           </a:p>
           <a:p>
             <a:pPr lvl="1"/>
             <a:r>
-              <a:rPr lang="en-US" sz="1800" dirty="0"/>
-              <a:t>SCOP, including </a:t>
-            </a:r>
-            <a:r>
-              <a:rPr lang="en-US" sz="1800" dirty="0" smtClean="0"/>
-              <a:t>“</a:t>
-            </a:r>
-            <a:r>
-              <a:rPr lang="en-US" sz="1800" dirty="0" err="1" smtClean="0"/>
-              <a:t>dom</a:t>
-            </a:r>
-            <a:r>
-              <a:rPr lang="en-US" sz="1800" dirty="0" smtClean="0"/>
-              <a:t>” </a:t>
-            </a:r>
-            <a:r>
-              <a:rPr lang="en-US" sz="1800" dirty="0"/>
-              <a:t>and </a:t>
-            </a:r>
-            <a:r>
-              <a:rPr lang="en-US" sz="1800" dirty="0" smtClean="0"/>
-              <a:t>“</a:t>
-            </a:r>
-            <a:r>
-              <a:rPr lang="en-US" sz="1800" dirty="0" err="1" smtClean="0"/>
-              <a:t>lin</a:t>
-            </a:r>
-            <a:r>
-              <a:rPr lang="en-US" sz="1800" dirty="0" smtClean="0"/>
-              <a:t>” files</a:t>
-            </a:r>
-            <a:endParaRPr lang="en-US" sz="1800" dirty="0"/>
-          </a:p>
-          <a:p>
-            <a:pPr lvl="1"/>
-            <a:r>
-              <a:rPr lang="en-US" sz="1800" dirty="0" err="1" smtClean="0"/>
+              <a:rPr lang="en-US" sz="1800" dirty="0" err="1"/>
               <a:t>UniGene</a:t>
             </a:r>
             <a:endParaRPr lang="en-US" sz="1800" dirty="0"/>
@@ -29876,7 +28151,7 @@
           <a:p>
             <a:fld id="{B30A75EC-4088-B547-BDB8-649A7E021FEA}" type="datetime1">
               <a:rPr lang="fr-FR" smtClean="0"/>
-              <a:t>16/11/16</a:t>
+              <a:t>08/11/2018</a:t>
             </a:fld>
             <a:endParaRPr lang="fr-FR" dirty="0"/>
           </a:p>
@@ -29898,7 +28173,7 @@
           <a:lstStyle/>
           <a:p>
             <a:r>
-              <a:rPr lang="fr-FR" smtClean="0"/>
+              <a:rPr lang="fr-FR"/>
               <a:t>Python pour la biologie</a:t>
             </a:r>
             <a:endParaRPr lang="fr-FR" dirty="0"/>
@@ -29975,22 +28250,21 @@
           <a:lstStyle/>
           <a:p>
             <a:r>
-              <a:rPr lang="fr-FR" dirty="0" smtClean="0"/>
+              <a:rPr lang="fr-FR" dirty="0"/>
               <a:t>Biopython </a:t>
             </a:r>
             <a:r>
-              <a:rPr lang="fr-FR" dirty="0" err="1" smtClean="0"/>
+              <a:rPr lang="fr-FR" dirty="0" err="1"/>
               <a:t>functionalities</a:t>
             </a:r>
             <a:r>
-              <a:rPr lang="mr-IN" dirty="0" smtClean="0"/>
+              <a:rPr lang="mr-IN" dirty="0"/>
               <a:t>(</a:t>
             </a:r>
             <a:r>
-              <a:rPr lang="fr-FR" dirty="0" smtClean="0"/>
+              <a:rPr lang="fr-FR" dirty="0"/>
               <a:t>2)</a:t>
             </a:r>
-            <a:endParaRPr lang="fr-FR" dirty="0"/>
           </a:p>
         </p:txBody>
       </p:sp>
@@ -30011,34 +28285,17 @@
           <a:p>
             <a:r>
               <a:rPr lang="en-US" dirty="0"/>
-              <a:t>Files in the supported formats can be iterated over record by record or indexed and accessed via </a:t>
-            </a:r>
-            <a:r>
-              <a:rPr lang="en-US" dirty="0" smtClean="0"/>
-              <a:t>a Dictionary </a:t>
-            </a:r>
+              <a:t>Files in the supported formats can be iterated over record by record or indexed and accessed via a Dictionary interface.</a:t>
+            </a:r>
+          </a:p>
+          <a:p>
+            <a:endParaRPr lang="en-US" dirty="0"/>
+          </a:p>
+          <a:p>
             <a:r>
               <a:rPr lang="en-US" dirty="0"/>
-              <a:t>interface</a:t>
-            </a:r>
-            <a:r>
-              <a:rPr lang="en-US" dirty="0" smtClean="0"/>
-              <a:t>.</a:t>
-            </a:r>
-          </a:p>
-          <a:p>
-            <a:endParaRPr lang="en-US" dirty="0"/>
-          </a:p>
-          <a:p>
-            <a:r>
-              <a:rPr lang="en-US" dirty="0"/>
-              <a:t>Code to deal with popular on-line bioinformatics destinations such as</a:t>
-            </a:r>
-            <a:r>
-              <a:rPr lang="en-US" dirty="0" smtClean="0"/>
-              <a:t>:</a:t>
-            </a:r>
-            <a:endParaRPr lang="en-US" dirty="0"/>
+              <a:t>Code to deal with popular on-line bioinformatics destinations such as:</a:t>
+            </a:r>
           </a:p>
           <a:p>
             <a:pPr lvl="1"/>
@@ -30052,26 +28309,18 @@
             </a:r>
             <a:r>
               <a:rPr lang="en-US" sz="1800" dirty="0"/>
-              <a:t> and PubMed </a:t>
-            </a:r>
-            <a:r>
-              <a:rPr lang="en-US" sz="1800" dirty="0" smtClean="0"/>
-              <a:t>services</a:t>
+              <a:t> and PubMed services</a:t>
             </a:r>
           </a:p>
           <a:p>
             <a:pPr lvl="1"/>
             <a:r>
-              <a:rPr lang="en-US" sz="1800" dirty="0" err="1" smtClean="0"/>
+              <a:rPr lang="en-US" sz="1800" dirty="0" err="1"/>
               <a:t>ExPASy</a:t>
             </a:r>
             <a:r>
-              <a:rPr lang="en-US" sz="1800" dirty="0" smtClean="0"/>
-              <a:t> </a:t>
-            </a:r>
-            <a:r>
               <a:rPr lang="en-US" sz="1800" dirty="0"/>
-              <a:t>{ Swiss-</a:t>
+              <a:t> { Swiss-</a:t>
             </a:r>
             <a:r>
               <a:rPr lang="en-US" sz="1800" dirty="0" err="1"/>
@@ -30095,11 +28344,7 @@
             </a:r>
             <a:r>
               <a:rPr lang="en-US" sz="1800" dirty="0"/>
-              <a:t> </a:t>
-            </a:r>
-            <a:r>
-              <a:rPr lang="en-US" sz="1800" dirty="0" smtClean="0"/>
-              <a:t>searches</a:t>
+              <a:t> searches</a:t>
             </a:r>
           </a:p>
           <a:p>
@@ -30115,34 +28360,26 @@
           <a:p>
             <a:pPr lvl="1"/>
             <a:r>
-              <a:rPr lang="en-US" sz="1800" dirty="0" smtClean="0"/>
+              <a:rPr lang="en-US" sz="1800" dirty="0"/>
               <a:t>Standalone Blast from NCBI</a:t>
             </a:r>
           </a:p>
           <a:p>
             <a:pPr lvl="1"/>
             <a:r>
-              <a:rPr lang="en-US" sz="1800" dirty="0" err="1" smtClean="0"/>
+              <a:rPr lang="en-US" sz="1800" dirty="0" err="1"/>
               <a:t>Clustalw</a:t>
             </a:r>
             <a:r>
-              <a:rPr lang="en-US" sz="1800" dirty="0" smtClean="0"/>
-              <a:t> </a:t>
-            </a:r>
-            <a:r>
               <a:rPr lang="en-US" sz="1800" dirty="0"/>
-              <a:t>alignment program</a:t>
+              <a:t> alignment program</a:t>
             </a:r>
           </a:p>
           <a:p>
             <a:pPr lvl="1"/>
             <a:r>
-              <a:rPr lang="en-US" sz="1800" dirty="0" smtClean="0"/>
-              <a:t>EMBOSS </a:t>
-            </a:r>
-            <a:r>
               <a:rPr lang="en-US" sz="1800" dirty="0"/>
-              <a:t>command line tools</a:t>
+              <a:t>EMBOSS command line tools</a:t>
             </a:r>
           </a:p>
           <a:p>
@@ -30170,7 +28407,7 @@
           <a:p>
             <a:fld id="{B78E4C01-D620-5F47-81AE-6CCE1DF3C584}" type="datetime1">
               <a:rPr lang="fr-FR" smtClean="0"/>
-              <a:t>16/11/16</a:t>
+              <a:t>08/11/2018</a:t>
             </a:fld>
             <a:endParaRPr lang="fr-FR" dirty="0"/>
           </a:p>
@@ -30192,7 +28429,7 @@
           <a:lstStyle/>
           <a:p>
             <a:r>
-              <a:rPr lang="fr-FR" smtClean="0"/>
+              <a:rPr lang="fr-FR"/>
               <a:t>Python pour la biologie</a:t>
             </a:r>
             <a:endParaRPr lang="fr-FR" dirty="0"/>
@@ -30273,14 +28510,13 @@
               <a:t>Les fonctionnalités Biopython </a:t>
             </a:r>
             <a:r>
-              <a:rPr lang="mr-IN" dirty="0" smtClean="0"/>
+              <a:rPr lang="mr-IN" dirty="0"/>
               <a:t>(</a:t>
             </a:r>
             <a:r>
-              <a:rPr lang="fr-FR" dirty="0" smtClean="0"/>
+              <a:rPr lang="fr-FR" dirty="0"/>
               <a:t>3)</a:t>
             </a:r>
-            <a:endParaRPr lang="fr-FR" dirty="0"/>
           </a:p>
         </p:txBody>
       </p:sp>
@@ -30306,15 +28542,7 @@
             </a:pPr>
             <a:r>
               <a:rPr lang="en-US" dirty="0"/>
-              <a:t>S</a:t>
-            </a:r>
-            <a:r>
-              <a:rPr lang="en-US" dirty="0" smtClean="0"/>
-              <a:t>tandard </a:t>
-            </a:r>
-            <a:r>
-              <a:rPr lang="en-US" dirty="0"/>
-              <a:t>sequence class that deals with sequences, ids on sequences, and sequence features.</a:t>
+              <a:t>Standard sequence class that deals with sequences, ids on sequences, and sequence features.</a:t>
             </a:r>
           </a:p>
           <a:p>
@@ -30325,23 +28553,7 @@
             </a:pPr>
             <a:r>
               <a:rPr lang="en-US" dirty="0"/>
-              <a:t>P</a:t>
-            </a:r>
-            <a:r>
-              <a:rPr lang="en-US" dirty="0" smtClean="0"/>
-              <a:t>erforming </a:t>
-            </a:r>
-            <a:r>
-              <a:rPr lang="en-US" dirty="0"/>
-              <a:t>common operations on sequences, such as translation, transcription and </a:t>
-            </a:r>
-            <a:r>
-              <a:rPr lang="en-US" dirty="0" smtClean="0"/>
-              <a:t>weight calculations</a:t>
-            </a:r>
-            <a:r>
-              <a:rPr lang="en-US" dirty="0"/>
-              <a:t>.</a:t>
+              <a:t>Performing common operations on sequences, such as translation, transcription and weight calculations.</a:t>
             </a:r>
           </a:p>
           <a:p>
@@ -30352,34 +28564,18 @@
             </a:pPr>
             <a:r>
               <a:rPr lang="en-US" dirty="0"/>
-              <a:t>P</a:t>
-            </a:r>
-            <a:r>
-              <a:rPr lang="en-US" dirty="0" smtClean="0"/>
-              <a:t>erform </a:t>
-            </a:r>
-            <a:r>
-              <a:rPr lang="en-US" dirty="0" err="1" smtClean="0"/>
+              <a:t>Perform </a:t>
+            </a:r>
+            <a:r>
+              <a:rPr lang="en-US" dirty="0" err="1"/>
               <a:t>classication</a:t>
             </a:r>
             <a:r>
-              <a:rPr lang="en-US" dirty="0" smtClean="0"/>
-              <a:t> </a:t>
-            </a:r>
-            <a:r>
               <a:rPr lang="en-US" dirty="0"/>
-              <a:t>of data using </a:t>
-            </a:r>
-            <a:r>
-              <a:rPr lang="en-US" dirty="0" smtClean="0"/>
-              <a:t>k-Nearest </a:t>
-            </a:r>
-            <a:r>
-              <a:rPr lang="en-US" dirty="0"/>
-              <a:t>Neighbors, Naive Bayes or Support </a:t>
-            </a:r>
-            <a:r>
-              <a:rPr lang="en-US" dirty="0" err="1" smtClean="0"/>
+              <a:t> of data using k-Nearest Neighbors, Naive Bayes or Support </a:t>
+            </a:r>
+            <a:r>
+              <a:rPr lang="en-US" dirty="0" err="1"/>
               <a:t>VectorMachines</a:t>
             </a:r>
             <a:r>
@@ -30395,23 +28591,7 @@
             </a:pPr>
             <a:r>
               <a:rPr lang="en-US" dirty="0"/>
-              <a:t>D</a:t>
-            </a:r>
-            <a:r>
-              <a:rPr lang="en-US" dirty="0" smtClean="0"/>
-              <a:t>ealing </a:t>
-            </a:r>
-            <a:r>
-              <a:rPr lang="en-US" dirty="0"/>
-              <a:t>with alignments, including a standard way to create and deal with </a:t>
-            </a:r>
-            <a:r>
-              <a:rPr lang="en-US" dirty="0" smtClean="0"/>
-              <a:t>substitution matrices</a:t>
-            </a:r>
-            <a:r>
-              <a:rPr lang="en-US" dirty="0"/>
-              <a:t>.</a:t>
+              <a:t>Dealing with alignments, including a standard way to create and deal with substitution matrices.</a:t>
             </a:r>
           </a:p>
           <a:p>
@@ -30422,23 +28602,7 @@
             </a:pPr>
             <a:r>
               <a:rPr lang="en-US" dirty="0"/>
-              <a:t>M</a:t>
-            </a:r>
-            <a:r>
-              <a:rPr lang="en-US" dirty="0" smtClean="0"/>
-              <a:t>aking </a:t>
-            </a:r>
-            <a:r>
-              <a:rPr lang="en-US" dirty="0"/>
-              <a:t>it easy to split up parallelizable tasks into </a:t>
-            </a:r>
-            <a:r>
-              <a:rPr lang="en-US" dirty="0" smtClean="0"/>
-              <a:t>separate processes</a:t>
-            </a:r>
-            <a:r>
-              <a:rPr lang="en-US" dirty="0"/>
-              <a:t>.</a:t>
+              <a:t>Making it easy to split up parallelizable tasks into separate processes.</a:t>
             </a:r>
           </a:p>
           <a:p>
@@ -30448,12 +28612,8 @@
               </a:lnSpc>
             </a:pPr>
             <a:r>
-              <a:rPr lang="en-US" dirty="0" smtClean="0"/>
-              <a:t>GUI</a:t>
-            </a:r>
-            <a:r>
               <a:rPr lang="en-US" dirty="0"/>
-              <a:t>-based programs to do basic sequence manipulations, translations, </a:t>
+              <a:t>GUI-based programs to do basic sequence manipulations, translations, </a:t>
             </a:r>
             <a:r>
               <a:rPr lang="en-US" dirty="0" err="1"/>
@@ -30471,20 +28631,8 @@
               </a:lnSpc>
             </a:pPr>
             <a:r>
-              <a:rPr lang="en-US" dirty="0" smtClean="0"/>
-              <a:t>Extensive </a:t>
-            </a:r>
-            <a:r>
               <a:rPr lang="en-US" dirty="0"/>
-              <a:t>documentation and help with using the modules, including this le, on-line wiki </a:t>
-            </a:r>
-            <a:r>
-              <a:rPr lang="en-US" dirty="0" smtClean="0"/>
-              <a:t>documentation</a:t>
-            </a:r>
-            <a:r>
-              <a:rPr lang="en-US" dirty="0"/>
-              <a:t>, the web site, and the mailing list.</a:t>
+              <a:t>Extensive documentation and help with using the modules, including this le, on-line wiki documentation, the web site, and the mailing list.</a:t>
             </a:r>
           </a:p>
           <a:p>
@@ -30509,7 +28657,7 @@
           <a:p>
             <a:fld id="{CECE4330-7765-6A46-8D6E-E482C0B014EB}" type="datetime1">
               <a:rPr lang="fr-FR" smtClean="0"/>
-              <a:t>16/11/16</a:t>
+              <a:t>08/11/2018</a:t>
             </a:fld>
             <a:endParaRPr lang="fr-FR" dirty="0"/>
           </a:p>
@@ -30531,7 +28679,7 @@
           <a:lstStyle/>
           <a:p>
             <a:r>
-              <a:rPr lang="fr-FR" smtClean="0"/>
+              <a:rPr lang="fr-FR"/>
               <a:t>Python pour la biologie</a:t>
             </a:r>
             <a:endParaRPr lang="fr-FR" dirty="0"/>
@@ -30608,38 +28756,37 @@
           <a:lstStyle/>
           <a:p>
             <a:r>
-              <a:rPr lang="fr-FR" dirty="0" err="1" smtClean="0"/>
+              <a:rPr lang="fr-FR" dirty="0" err="1"/>
               <a:t>Working</a:t>
             </a:r>
             <a:r>
-              <a:rPr lang="fr-FR" dirty="0" smtClean="0"/>
+              <a:rPr lang="fr-FR" dirty="0"/>
               <a:t> </a:t>
             </a:r>
             <a:r>
-              <a:rPr lang="fr-FR" dirty="0" err="1" smtClean="0"/>
+              <a:rPr lang="fr-FR" dirty="0" err="1"/>
               <a:t>with</a:t>
             </a:r>
             <a:r>
-              <a:rPr lang="fr-FR" dirty="0" smtClean="0"/>
+              <a:rPr lang="fr-FR" dirty="0"/>
               <a:t> </a:t>
             </a:r>
             <a:r>
-              <a:rPr lang="fr-FR" dirty="0" err="1" smtClean="0"/>
+              <a:rPr lang="fr-FR" dirty="0" err="1"/>
               <a:t>sequence</a:t>
             </a:r>
             <a:r>
-              <a:rPr lang="fr-FR" dirty="0" smtClean="0"/>
+              <a:rPr lang="fr-FR" dirty="0"/>
               <a:t>: The </a:t>
             </a:r>
             <a:r>
-              <a:rPr lang="fr-FR" dirty="0" err="1" smtClean="0"/>
+              <a:rPr lang="fr-FR" dirty="0" err="1"/>
               <a:t>Seq</a:t>
             </a:r>
             <a:r>
-              <a:rPr lang="fr-FR" dirty="0" smtClean="0"/>
+              <a:rPr lang="fr-FR" dirty="0"/>
               <a:t> Object</a:t>
             </a:r>
-            <a:endParaRPr lang="fr-FR" dirty="0"/>
           </a:p>
         </p:txBody>
       </p:sp>
@@ -30665,47 +28812,27 @@
           <a:p>
             <a:r>
               <a:rPr lang="en-US" dirty="0"/>
-              <a:t>Most of the time when we think about sequences we have in my mind a string of letters like </a:t>
-            </a:r>
-            <a:r>
-              <a:rPr lang="en-US" dirty="0" smtClean="0"/>
-              <a:t>`AGTACACTGGT’. </a:t>
-            </a:r>
-          </a:p>
-          <a:p>
-            <a:r>
-              <a:rPr lang="en-US" dirty="0" smtClean="0"/>
+              <a:t>Most of the time when we think about sequences we have in my mind a string of letters like `AGTACACTGGT’. </a:t>
+            </a:r>
+          </a:p>
+          <a:p>
+            <a:r>
+              <a:rPr lang="en-US" dirty="0"/>
               <a:t>You can create such </a:t>
             </a:r>
             <a:r>
-              <a:rPr lang="en-US" dirty="0" err="1" smtClean="0"/>
+              <a:rPr lang="en-US" dirty="0" err="1"/>
               <a:t>Seq</a:t>
             </a:r>
             <a:r>
-              <a:rPr lang="en-US" dirty="0" smtClean="0"/>
-              <a:t> object with this sequence as follows the “&gt;&gt;&gt;” represents the </a:t>
-            </a:r>
-            <a:r>
               <a:rPr lang="en-US" dirty="0"/>
-              <a:t>Python prompt followed by what you would type </a:t>
-            </a:r>
-            <a:r>
-              <a:rPr lang="en-US" dirty="0" smtClean="0"/>
-              <a:t>in</a:t>
-            </a:r>
-          </a:p>
-          <a:p>
-            <a:r>
-              <a:rPr lang="en-US" dirty="0" smtClean="0"/>
-              <a:t>DON’T </a:t>
-            </a:r>
+              <a:t> object with this sequence as follows the “&gt;&gt;&gt;” represents the Python prompt followed by what you would type in</a:t>
+            </a:r>
+          </a:p>
+          <a:p>
             <a:r>
               <a:rPr lang="en-US" dirty="0"/>
-              <a:t>FORGET TO </a:t>
-            </a:r>
-            <a:r>
-              <a:rPr lang="en-US" dirty="0" smtClean="0"/>
-              <a:t>USE =&gt;  </a:t>
+              <a:t>DON’T FORGET TO USE =&gt;  </a:t>
             </a:r>
             <a:r>
               <a:rPr lang="en-US" dirty="0">
@@ -30732,7 +28859,7 @@
               <a:t> import </a:t>
             </a:r>
             <a:r>
-              <a:rPr lang="en-US" dirty="0" err="1" smtClean="0">
+              <a:rPr lang="en-US" dirty="0" err="1">
                 <a:solidFill>
                   <a:srgbClr val="FF0000"/>
                 </a:solidFill>
@@ -30740,7 +28867,7 @@
               <a:t>Seq</a:t>
             </a:r>
             <a:r>
-              <a:rPr lang="en-US" dirty="0" smtClean="0">
+              <a:rPr lang="en-US" dirty="0">
                 <a:solidFill>
                   <a:srgbClr val="FF0000"/>
                 </a:solidFill>
@@ -30748,7 +28875,7 @@
               <a:t> </a:t>
             </a:r>
             <a:r>
-              <a:rPr lang="en-US" dirty="0" smtClean="0"/>
+              <a:rPr lang="en-US" dirty="0"/>
               <a:t>in your script</a:t>
             </a:r>
           </a:p>
@@ -30771,7 +28898,7 @@
           <a:p>
             <a:fld id="{CB78E28A-D2CD-F44F-A0BB-600E48514626}" type="datetime1">
               <a:rPr lang="fr-FR" smtClean="0"/>
-              <a:t>16/11/16</a:t>
+              <a:t>08/11/2018</a:t>
             </a:fld>
             <a:endParaRPr lang="fr-FR" dirty="0"/>
           </a:p>
@@ -30793,7 +28920,7 @@
           <a:lstStyle/>
           <a:p>
             <a:r>
-              <a:rPr lang="fr-FR" smtClean="0"/>
+              <a:rPr lang="fr-FR"/>
               <a:t>Python pour la biologie</a:t>
             </a:r>
             <a:endParaRPr lang="fr-FR" dirty="0"/>
@@ -30862,20 +28989,12 @@
           </a:lstStyle>
           <a:p>
             <a:r>
-              <a:rPr lang="fr-FR" sz="1200" dirty="0" smtClean="0"/>
-              <a:t>&gt;</a:t>
-            </a:r>
-            <a:r>
               <a:rPr lang="fr-FR" sz="1200" dirty="0"/>
-              <a:t>&gt;&gt;</a:t>
-            </a:r>
-            <a:r>
-              <a:rPr lang="mr-IN" sz="1200" dirty="0" smtClean="0"/>
-              <a:t>my_seq </a:t>
+              <a:t>&gt;&gt;&gt;</a:t>
             </a:r>
             <a:r>
               <a:rPr lang="mr-IN" sz="1200" dirty="0"/>
-              <a:t>= Seq</a:t>
+              <a:t>my_seq = Seq</a:t>
             </a:r>
             <a:r>
               <a:rPr lang="fr-FR" sz="1200" dirty="0"/>
@@ -30886,7 +29005,7 @@
               <a:t>"AGTACACTGGT”</a:t>
             </a:r>
             <a:r>
-              <a:rPr lang="fr-FR" sz="1200" dirty="0" smtClean="0"/>
+              <a:rPr lang="fr-FR" sz="1200" dirty="0"/>
               <a:t>)</a:t>
             </a:r>
             <a:endParaRPr lang="mr-IN" sz="1200" dirty="0"/>
@@ -30897,10 +29016,9 @@
               <a:t>&gt;&gt;&gt;</a:t>
             </a:r>
             <a:r>
-              <a:rPr lang="mr-IN" sz="1200" dirty="0" smtClean="0"/>
+              <a:rPr lang="mr-IN" sz="1200" dirty="0"/>
               <a:t>my_seq</a:t>
             </a:r>
-            <a:endParaRPr lang="mr-IN" sz="1200" dirty="0"/>
           </a:p>
         </p:txBody>
       </p:sp>
@@ -30942,7 +29060,7 @@
           </a:lstStyle>
           <a:p>
             <a:r>
-              <a:rPr lang="mr-IN" sz="1200" dirty="0" smtClean="0">
+              <a:rPr lang="mr-IN" sz="1200" dirty="0">
                 <a:solidFill>
                   <a:srgbClr val="CE4215"/>
                 </a:solidFill>
@@ -30971,15 +29089,7 @@
                   <a:srgbClr val="CE4215"/>
                 </a:solidFill>
               </a:rPr>
-              <a:t>()</a:t>
-            </a:r>
-            <a:r>
-              <a:rPr lang="fr-FR" sz="1200" dirty="0" smtClean="0">
-                <a:solidFill>
-                  <a:srgbClr val="CE4215"/>
-                </a:solidFill>
-              </a:rPr>
-              <a:t>)</a:t>
+              <a:t>())</a:t>
             </a:r>
           </a:p>
         </p:txBody>
@@ -31022,18 +29132,18 @@
           </a:lstStyle>
           <a:p>
             <a:r>
-              <a:rPr lang="fr-FR" sz="1200" dirty="0" smtClean="0"/>
+              <a:rPr lang="fr-FR" sz="1200" dirty="0"/>
               <a:t>&gt;&gt;&gt;</a:t>
             </a:r>
             <a:r>
-              <a:rPr lang="mr-IN" sz="1200" dirty="0" smtClean="0"/>
+              <a:rPr lang="mr-IN" sz="1200" dirty="0"/>
               <a:t>my_seq.reverse_complement</a:t>
             </a:r>
             <a:r>
-              <a:rPr lang="fr-FR" sz="1200" dirty="0" smtClean="0"/>
+              <a:rPr lang="fr-FR" sz="1200" dirty="0"/>
               <a:t>()</a:t>
             </a:r>
-            <a:endParaRPr lang="mr-IN" sz="1200" dirty="0" smtClean="0"/>
+            <a:endParaRPr lang="mr-IN" sz="1200" dirty="0"/>
           </a:p>
         </p:txBody>
       </p:sp>
@@ -31075,7 +29185,7 @@
           </a:lstStyle>
           <a:p>
             <a:r>
-              <a:rPr lang="mr-IN" sz="1200" dirty="0" smtClean="0">
+              <a:rPr lang="mr-IN" sz="1200" dirty="0">
                 <a:solidFill>
                   <a:srgbClr val="CE4215"/>
                 </a:solidFill>
@@ -31096,47 +29206,23 @@
                   <a:srgbClr val="CE4215"/>
                 </a:solidFill>
               </a:rPr>
-              <a:t>TCATGTGACCA', </a:t>
-            </a:r>
-            <a:r>
-              <a:rPr lang="mr-IN" sz="1200" dirty="0" smtClean="0">
+              <a:t>TCATGTGACCA', Alphabe</a:t>
+            </a:r>
+            <a:r>
+              <a:rPr lang="fr-FR" sz="1200" dirty="0" err="1">
                 <a:solidFill>
                   <a:srgbClr val="CE4215"/>
                 </a:solidFill>
               </a:rPr>
-              <a:t>Alphabe</a:t>
-            </a:r>
-            <a:r>
-              <a:rPr lang="fr-FR" sz="1200" dirty="0" err="1" smtClean="0">
+              <a:t>t</a:t>
+            </a:r>
+            <a:r>
+              <a:rPr lang="fr-FR" sz="1200" dirty="0">
                 <a:solidFill>
                   <a:srgbClr val="CE4215"/>
                 </a:solidFill>
               </a:rPr>
-              <a:t>t</a:t>
-            </a:r>
-            <a:r>
-              <a:rPr lang="fr-FR" sz="1200" dirty="0" smtClean="0">
-                <a:solidFill>
-                  <a:srgbClr val="CE4215"/>
-                </a:solidFill>
-              </a:rPr>
-              <a:t>(</a:t>
-            </a:r>
-            <a:r>
-              <a:rPr lang="fr-FR" sz="1200" dirty="0">
-                <a:solidFill>
-                  <a:srgbClr val="CE4215"/>
-                </a:solidFill>
-              </a:rPr>
-              <a:t>)</a:t>
-            </a:r>
-            <a:r>
-              <a:rPr lang="fr-FR" sz="1200" dirty="0" smtClean="0">
-                <a:solidFill>
-                  <a:srgbClr val="CE4215"/>
-                </a:solidFill>
-              </a:rPr>
-              <a:t>)</a:t>
+              <a:t>())</a:t>
             </a:r>
           </a:p>
         </p:txBody>
@@ -31179,24 +29265,16 @@
           </a:lstStyle>
           <a:p>
             <a:r>
-              <a:rPr lang="fr-FR" sz="1200" dirty="0" smtClean="0"/>
-              <a:t>&gt;</a:t>
-            </a:r>
-            <a:r>
               <a:rPr lang="fr-FR" sz="1200" dirty="0"/>
-              <a:t>&gt;&gt;</a:t>
-            </a:r>
-            <a:r>
-              <a:rPr lang="mr-IN" sz="1200" dirty="0" smtClean="0"/>
+              <a:t>&gt;&gt;&gt;</a:t>
+            </a:r>
+            <a:r>
+              <a:rPr lang="mr-IN" sz="1200" dirty="0"/>
               <a:t>my_seq.complement</a:t>
             </a:r>
             <a:r>
               <a:rPr lang="fr-FR" sz="1200" dirty="0"/>
-              <a:t>(</a:t>
-            </a:r>
-            <a:r>
-              <a:rPr lang="fr-FR" sz="1200" dirty="0" smtClean="0"/>
-              <a:t>)</a:t>
+              <a:t>()</a:t>
             </a:r>
             <a:endParaRPr lang="mr-IN" sz="1200" dirty="0"/>
           </a:p>
@@ -31240,7 +29318,7 @@
           </a:lstStyle>
           <a:p>
             <a:r>
-              <a:rPr lang="mr-IN" sz="1200" dirty="0" smtClean="0">
+              <a:rPr lang="mr-IN" sz="1200" dirty="0">
                 <a:solidFill>
                   <a:srgbClr val="CE4215"/>
                 </a:solidFill>
@@ -31248,26 +29326,13 @@
               <a:t>Alphabet</a:t>
             </a:r>
             <a:r>
-              <a:rPr lang="fr-FR" sz="1200" dirty="0" smtClean="0">
+              <a:rPr lang="fr-FR" sz="1200" dirty="0">
                 <a:solidFill>
                   <a:srgbClr val="CE4215"/>
                 </a:solidFill>
               </a:rPr>
-              <a:t>(</a:t>
-            </a:r>
-            <a:r>
-              <a:rPr lang="fr-FR" sz="1200" dirty="0">
-                <a:solidFill>
-                  <a:srgbClr val="CE4215"/>
-                </a:solidFill>
-              </a:rPr>
-              <a:t>)</a:t>
-            </a:r>
-            <a:endParaRPr lang="fr-FR" sz="1200" dirty="0" smtClean="0">
-              <a:solidFill>
-                <a:srgbClr val="CE4215"/>
-              </a:solidFill>
-            </a:endParaRPr>
+              <a:t>()</a:t>
+            </a:r>
           </a:p>
         </p:txBody>
       </p:sp>
@@ -31309,18 +29374,13 @@
           </a:lstStyle>
           <a:p>
             <a:r>
-              <a:rPr lang="fr-FR" sz="1200" dirty="0" smtClean="0"/>
-              <a:t>&gt;</a:t>
-            </a:r>
-            <a:r>
               <a:rPr lang="fr-FR" sz="1200" dirty="0"/>
-              <a:t>&gt;&gt;</a:t>
-            </a:r>
-            <a:r>
-              <a:rPr lang="mr-IN" sz="1200" dirty="0" smtClean="0"/>
+              <a:t>&gt;&gt;&gt;</a:t>
+            </a:r>
+            <a:r>
+              <a:rPr lang="mr-IN" sz="1200" dirty="0"/>
               <a:t>my_seq.alphabet</a:t>
             </a:r>
-            <a:endParaRPr lang="mr-IN" sz="1200" dirty="0"/>
           </a:p>
         </p:txBody>
       </p:sp>
@@ -31362,7 +29422,7 @@
           </a:lstStyle>
           <a:p>
             <a:r>
-              <a:rPr lang="mr-IN" sz="1200" dirty="0" smtClean="0">
+              <a:rPr lang="mr-IN" sz="1200" dirty="0">
                 <a:solidFill>
                   <a:srgbClr val="CE4215"/>
                 </a:solidFill>
@@ -31411,20 +29471,12 @@
           </a:lstStyle>
           <a:p>
             <a:r>
-              <a:rPr lang="fr-FR" sz="1200" dirty="0" smtClean="0"/>
-              <a:t>&gt;</a:t>
-            </a:r>
-            <a:r>
               <a:rPr lang="fr-FR" sz="1200" dirty="0"/>
-              <a:t>&gt;&gt;</a:t>
-            </a:r>
-            <a:r>
-              <a:rPr lang="mr-IN" sz="1200" dirty="0" smtClean="0"/>
-              <a:t> </a:t>
+              <a:t>&gt;&gt;&gt;</a:t>
             </a:r>
             <a:r>
               <a:rPr lang="mr-IN" sz="1200" dirty="0"/>
-              <a:t>print</a:t>
+              <a:t> print</a:t>
             </a:r>
             <a:r>
               <a:rPr lang="fr-FR" sz="1200" dirty="0"/>
@@ -31435,7 +29487,7 @@
               <a:t>my_seq</a:t>
             </a:r>
             <a:r>
-              <a:rPr lang="fr-FR" sz="1200" dirty="0" smtClean="0"/>
+              <a:rPr lang="fr-FR" sz="1200" dirty="0"/>
               <a:t>)</a:t>
             </a:r>
             <a:endParaRPr lang="mr-IN" sz="1200" dirty="0"/>
@@ -31480,7 +29532,7 @@
           </a:lstStyle>
           <a:p>
             <a:r>
-              <a:rPr lang="mr-IN" sz="1200" dirty="0" smtClean="0">
+              <a:rPr lang="mr-IN" sz="1200" dirty="0">
                 <a:solidFill>
                   <a:schemeClr val="accent6">
                     <a:lumMod val="75000"/>
@@ -31517,17 +29569,7 @@
                   </a:schemeClr>
                 </a:solidFill>
               </a:rPr>
-              <a:t>()</a:t>
-            </a:r>
-            <a:r>
-              <a:rPr lang="fr-FR" sz="1200" dirty="0" smtClean="0">
-                <a:solidFill>
-                  <a:schemeClr val="accent6">
-                    <a:lumMod val="75000"/>
-                  </a:schemeClr>
-                </a:solidFill>
-              </a:rPr>
-              <a:t>)</a:t>
+              <a:t>())</a:t>
             </a:r>
             <a:endParaRPr lang="mr-IN" sz="1200" dirty="0"/>
           </a:p>
@@ -31546,7 +29588,7 @@
   <p:timing>
     <p:tnLst>
       <p:par>
-        <p:cTn xmlns:p14="http://schemas.microsoft.com/office/powerpoint/2010/main" id="1" dur="indefinite" restart="never" nodeType="tmRoot">
+        <p:cTn id="1" dur="indefinite" restart="never" nodeType="tmRoot">
           <p:childTnLst>
             <p:seq concurrent="1" nextAc="seek">
               <p:cTn id="2" dur="indefinite" nodeType="mainSeq">
@@ -31848,14 +29890,10 @@
             </a:r>
             <a:r>
               <a:rPr lang="fr-FR" dirty="0"/>
-              <a:t> et </a:t>
-            </a:r>
-            <a:r>
-              <a:rPr lang="fr-FR" dirty="0" smtClean="0"/>
-              <a:t>Alphabet: IUPAC Alphabet for </a:t>
-            </a:r>
-            <a:r>
-              <a:rPr lang="en-US" dirty="0" smtClean="0"/>
+              <a:t> et Alphabet: IUPAC Alphabet for </a:t>
+            </a:r>
+            <a:r>
+              <a:rPr lang="en-US" dirty="0"/>
               <a:t>DNA, RNA and proteins</a:t>
             </a:r>
             <a:endParaRPr lang="fr-FR" dirty="0"/>
@@ -31879,97 +29917,57 @@
           <a:p>
             <a:r>
               <a:rPr lang="en-US" dirty="0"/>
-              <a:t>A</a:t>
-            </a:r>
-            <a:r>
-              <a:rPr lang="en-US" dirty="0" smtClean="0"/>
-              <a:t>vailable </a:t>
+              <a:t>Available alphabets for Biopython are defined in the </a:t>
+            </a:r>
+            <a:r>
+              <a:rPr lang="en-US" dirty="0" err="1"/>
+              <a:t>Bio.Alphabet</a:t>
             </a:r>
             <a:r>
               <a:rPr lang="en-US" dirty="0"/>
-              <a:t>alphabets for Biopython are </a:t>
-            </a:r>
-            <a:r>
-              <a:rPr lang="en-US" dirty="0" smtClean="0"/>
-              <a:t>defined </a:t>
-            </a:r>
+              <a:t> module.</a:t>
+            </a:r>
+          </a:p>
+          <a:p>
             <a:r>
               <a:rPr lang="en-US" dirty="0"/>
-              <a:t>in </a:t>
-            </a:r>
-            <a:r>
-              <a:rPr lang="en-US" dirty="0" smtClean="0"/>
-              <a:t>the </a:t>
-            </a:r>
-            <a:r>
-              <a:rPr lang="en-US" dirty="0" err="1" smtClean="0"/>
-              <a:t>Bio.Alphabet</a:t>
-            </a:r>
-            <a:r>
-              <a:rPr lang="en-US" dirty="0"/>
-              <a:t> </a:t>
-            </a:r>
-            <a:r>
-              <a:rPr lang="en-US" dirty="0" smtClean="0"/>
-              <a:t>module.</a:t>
-            </a:r>
-          </a:p>
-          <a:p>
-            <a:r>
-              <a:rPr lang="en-US" dirty="0" smtClean="0"/>
               <a:t>IUPAC (</a:t>
-            </a:r>
-            <a:r>
-              <a:rPr lang="en-US" dirty="0" smtClean="0">
-                <a:hlinkClick r:id="rId2"/>
-              </a:rPr>
-              <a:t>http</a:t>
             </a:r>
             <a:r>
               <a:rPr lang="en-US" dirty="0">
                 <a:hlinkClick r:id="rId2"/>
               </a:rPr>
-              <a:t>://www.chem.qmw.ac.uk/iupac</a:t>
-            </a:r>
-            <a:r>
-              <a:rPr lang="en-US" dirty="0" smtClean="0">
-                <a:hlinkClick r:id="rId2"/>
-              </a:rPr>
-              <a:t>/</a:t>
-            </a:r>
-            <a:r>
-              <a:rPr lang="en-US" dirty="0" smtClean="0"/>
+              <a:t>http://www.chem.qmw.ac.uk/iupac/</a:t>
+            </a:r>
+            <a:r>
+              <a:rPr lang="en-US" dirty="0"/>
               <a:t>): </a:t>
             </a:r>
             <a:r>
-              <a:rPr lang="pt-BR" dirty="0" err="1" smtClean="0"/>
+              <a:rPr lang="pt-BR" dirty="0" err="1"/>
               <a:t>Bio.Alphabet.IUPAC</a:t>
             </a:r>
-            <a:endParaRPr lang="pt-BR" dirty="0" smtClean="0"/>
+            <a:endParaRPr lang="pt-BR" dirty="0"/>
           </a:p>
           <a:p>
             <a:pPr lvl="1"/>
             <a:r>
               <a:rPr lang="en-US" sz="1600" dirty="0"/>
-              <a:t>B</a:t>
-            </a:r>
-            <a:r>
-              <a:rPr lang="en-US" sz="1600" dirty="0" smtClean="0"/>
-              <a:t>asic </a:t>
-            </a:r>
-            <a:r>
-              <a:rPr lang="en-US" sz="1600" dirty="0" err="1" smtClean="0"/>
+              <a:t>Basic </a:t>
+            </a:r>
+            <a:r>
+              <a:rPr lang="en-US" sz="1600" dirty="0" err="1"/>
               <a:t>IUPACProtein</a:t>
             </a:r>
             <a:r>
-              <a:rPr lang="en-US" sz="1600" dirty="0" smtClean="0"/>
+              <a:rPr lang="en-US" sz="1600" dirty="0"/>
               <a:t> class</a:t>
             </a:r>
           </a:p>
           <a:p>
             <a:pPr lvl="1"/>
             <a:r>
-              <a:rPr lang="en-US" sz="1600" dirty="0" smtClean="0"/>
+              <a:rPr lang="en-US" sz="1600" dirty="0"/>
               <a:t>Additional </a:t>
             </a:r>
             <a:r>
@@ -31978,38 +29976,45 @@
             </a:r>
             <a:r>
               <a:rPr lang="en-US" sz="1600" dirty="0"/>
-              <a:t> </a:t>
-            </a:r>
-            <a:r>
-              <a:rPr lang="en-US" sz="1600" dirty="0" smtClean="0"/>
-              <a:t>class with </a:t>
-            </a:r>
-            <a:r>
-              <a:rPr lang="fr-FR" sz="1600" dirty="0" smtClean="0"/>
+              <a:t> class with </a:t>
+            </a:r>
+            <a:r>
+              <a:rPr lang="fr-FR" sz="1600" dirty="0"/>
               <a:t>A</a:t>
             </a:r>
             <a:r>
-              <a:rPr lang="en-US" sz="1600" dirty="0" err="1" smtClean="0"/>
+              <a:rPr lang="en-US" sz="1600" dirty="0" err="1"/>
               <a:t>dditional</a:t>
             </a:r>
             <a:r>
-              <a:rPr lang="en-US" sz="1600" dirty="0" smtClean="0"/>
+              <a:rPr lang="en-US" sz="1600" dirty="0"/>
               <a:t> elements:</a:t>
             </a:r>
           </a:p>
           <a:p>
             <a:pPr lvl="2"/>
             <a:r>
-              <a:rPr lang="en-US" sz="1400" dirty="0" smtClean="0"/>
-              <a:t>"U</a:t>
-            </a:r>
-            <a:r>
               <a:rPr lang="en-US" sz="1400" dirty="0"/>
-              <a:t>" (or "</a:t>
-            </a:r>
-            <a:r>
-              <a:rPr lang="en-US" sz="1400" dirty="0" smtClean="0"/>
-              <a:t>Sec</a:t>
+              <a:t>"U" (or "Sec" for </a:t>
+            </a:r>
+            <a:r>
+              <a:rPr lang="en-US" sz="1400" dirty="0" err="1"/>
+              <a:t>selenocysteine</a:t>
+            </a:r>
+            <a:r>
+              <a:rPr lang="en-US" sz="1400" dirty="0"/>
+              <a:t>) </a:t>
+            </a:r>
+          </a:p>
+          <a:p>
+            <a:pPr lvl="2"/>
+            <a:r>
+              <a:rPr lang="en-US" sz="1400" dirty="0"/>
+              <a:t>"O" (or "</a:t>
+            </a:r>
+            <a:r>
+              <a:rPr lang="en-US" sz="1400" dirty="0" err="1"/>
+              <a:t>Pyl</a:t>
             </a:r>
             <a:r>
               <a:rPr lang="en-US" sz="1400" dirty="0"/>
@@ -32017,61 +30022,25 @@
             </a:r>
             <a:r>
               <a:rPr lang="en-US" sz="1400" dirty="0" err="1"/>
-              <a:t>selenocysteine</a:t>
+              <a:t>pyrrolysine</a:t>
             </a:r>
             <a:r>
               <a:rPr lang="en-US" sz="1400" dirty="0"/>
-              <a:t>) </a:t>
+              <a:t>)</a:t>
+            </a:r>
+          </a:p>
+          <a:p>
+            <a:pPr lvl="1"/>
+            <a:r>
+              <a:rPr lang="en-US" sz="1600" dirty="0"/>
+              <a:t>Plus the ambiguous symbols:</a:t>
             </a:r>
           </a:p>
           <a:p>
             <a:pPr lvl="2"/>
             <a:r>
-              <a:rPr lang="en-US" sz="1400" dirty="0" smtClean="0"/>
-              <a:t>"O</a:t>
-            </a:r>
-            <a:r>
               <a:rPr lang="en-US" sz="1400" dirty="0"/>
-              <a:t>" (or "</a:t>
-            </a:r>
-            <a:r>
-              <a:rPr lang="en-US" sz="1400" dirty="0" err="1" smtClean="0"/>
-              <a:t>Pyl</a:t>
-            </a:r>
-            <a:r>
-              <a:rPr lang="en-US" sz="1400" dirty="0"/>
-              <a:t>" for </a:t>
-            </a:r>
-            <a:r>
-              <a:rPr lang="en-US" sz="1400" dirty="0" err="1"/>
-              <a:t>pyrrolysine</a:t>
-            </a:r>
-            <a:r>
-              <a:rPr lang="en-US" sz="1400" dirty="0" smtClean="0"/>
-              <a:t>)</a:t>
-            </a:r>
-            <a:endParaRPr lang="en-US" sz="1400" dirty="0"/>
-          </a:p>
-          <a:p>
-            <a:pPr lvl="1"/>
-            <a:r>
-              <a:rPr lang="en-US" sz="1600" dirty="0" smtClean="0"/>
-              <a:t>Plus </a:t>
-            </a:r>
-            <a:r>
-              <a:rPr lang="en-US" sz="1600" dirty="0"/>
-              <a:t>the ambiguous symbols:</a:t>
-            </a:r>
-          </a:p>
-          <a:p>
-            <a:pPr lvl="2"/>
-            <a:r>
-              <a:rPr lang="en-US" sz="1400" dirty="0" smtClean="0"/>
-              <a:t>"</a:t>
-            </a:r>
-            <a:r>
-              <a:rPr lang="en-US" sz="1400" dirty="0"/>
-              <a:t>B" (or "</a:t>
+              <a:t>"B" (or "</a:t>
             </a:r>
             <a:r>
               <a:rPr lang="en-US" sz="1400" dirty="0" err="1"/>
@@ -32079,53 +30048,36 @@
             </a:r>
             <a:r>
               <a:rPr lang="en-US" sz="1400" dirty="0"/>
-              <a:t>" for asparagine or aspartic acid</a:t>
-            </a:r>
-            <a:r>
-              <a:rPr lang="en-US" sz="1400" dirty="0" smtClean="0"/>
-              <a:t>)</a:t>
+              <a:t>" for asparagine or aspartic acid)</a:t>
             </a:r>
           </a:p>
           <a:p>
             <a:pPr lvl="2"/>
             <a:r>
-              <a:rPr lang="en-US" sz="1400" dirty="0" smtClean="0"/>
-              <a:t>"Z</a:t>
-            </a:r>
-            <a:r>
               <a:rPr lang="en-US" sz="1400" dirty="0"/>
-              <a:t>" (or "</a:t>
-            </a:r>
-            <a:r>
-              <a:rPr lang="en-US" sz="1400" dirty="0" err="1" smtClean="0"/>
+              <a:t>"Z" (or "</a:t>
+            </a:r>
+            <a:r>
+              <a:rPr lang="en-US" sz="1400" dirty="0" err="1"/>
               <a:t>Glx</a:t>
             </a:r>
             <a:r>
               <a:rPr lang="en-US" sz="1400" dirty="0"/>
-              <a:t>" for glutamine or glutamic acid</a:t>
-            </a:r>
-            <a:r>
-              <a:rPr lang="en-US" sz="1400" dirty="0" smtClean="0"/>
-              <a:t>)</a:t>
-            </a:r>
-            <a:endParaRPr lang="en-US" sz="1400" dirty="0"/>
+              <a:t>" for glutamine or glutamic acid)</a:t>
+            </a:r>
           </a:p>
           <a:p>
             <a:pPr lvl="2"/>
             <a:r>
-              <a:rPr lang="en-US" sz="1400" dirty="0" smtClean="0"/>
-              <a:t>"J</a:t>
-            </a:r>
-            <a:r>
               <a:rPr lang="en-US" sz="1400" dirty="0"/>
-              <a:t>" (or "</a:t>
-            </a:r>
-            <a:r>
-              <a:rPr lang="en-US" sz="1400" dirty="0" err="1" smtClean="0"/>
+              <a:t>"J" (or "</a:t>
+            </a:r>
+            <a:r>
+              <a:rPr lang="en-US" sz="1400" dirty="0" err="1"/>
               <a:t>Xle</a:t>
             </a:r>
             <a:r>
-              <a:rPr lang="en-US" sz="1400" dirty="0" smtClean="0"/>
+              <a:rPr lang="en-US" sz="1400" dirty="0"/>
               <a:t>” for </a:t>
             </a:r>
             <a:r>
@@ -32134,80 +30086,52 @@
             </a:r>
             <a:r>
               <a:rPr lang="en-US" sz="1400" dirty="0"/>
-              <a:t> isoleucine</a:t>
-            </a:r>
-            <a:r>
-              <a:rPr lang="en-US" sz="1400" dirty="0" smtClean="0"/>
-              <a:t>) </a:t>
+              <a:t> isoleucine) </a:t>
             </a:r>
           </a:p>
           <a:p>
             <a:pPr lvl="2"/>
             <a:r>
-              <a:rPr lang="en-US" sz="1400" dirty="0" smtClean="0"/>
-              <a:t>"X</a:t>
-            </a:r>
-            <a:r>
               <a:rPr lang="en-US" sz="1400" dirty="0"/>
-              <a:t>" (or "</a:t>
-            </a:r>
-            <a:r>
-              <a:rPr lang="en-US" sz="1400" dirty="0" smtClean="0"/>
-              <a:t>Xxx</a:t>
-            </a:r>
-            <a:r>
-              <a:rPr lang="en-US" sz="1400" dirty="0"/>
-              <a:t>" for an unknown amino acid).</a:t>
+              <a:t>"X" (or "Xxx" for an unknown amino acid).</a:t>
             </a:r>
           </a:p>
           <a:p>
             <a:pPr lvl="1"/>
             <a:r>
-              <a:rPr lang="it-IT" sz="1600" dirty="0" err="1" smtClean="0"/>
+              <a:rPr lang="it-IT" sz="1600" dirty="0" err="1"/>
               <a:t>IUPACUnambiguousDNA</a:t>
             </a:r>
             <a:r>
-              <a:rPr lang="it-IT" sz="1600" dirty="0" smtClean="0"/>
+              <a:rPr lang="it-IT" sz="1600" dirty="0"/>
               <a:t>,</a:t>
             </a:r>
             <a:r>
               <a:rPr lang="en-US" sz="1600" dirty="0"/>
               <a:t> which provides for just the basic letters</a:t>
             </a:r>
-            <a:endParaRPr lang="it-IT" sz="1600" dirty="0" smtClean="0"/>
+            <a:endParaRPr lang="it-IT" sz="1600" dirty="0"/>
           </a:p>
           <a:p>
             <a:pPr lvl="1"/>
             <a:r>
-              <a:rPr lang="it-IT" sz="1600" dirty="0" err="1" smtClean="0"/>
+              <a:rPr lang="it-IT" sz="1600" dirty="0" err="1"/>
               <a:t>IUPACAmbiguousDNA</a:t>
             </a:r>
             <a:r>
-              <a:rPr lang="it-IT" sz="1600" dirty="0" smtClean="0"/>
+              <a:rPr lang="it-IT" sz="1600" dirty="0"/>
               <a:t>, </a:t>
             </a:r>
             <a:r>
               <a:rPr lang="en-US" sz="1600" dirty="0"/>
-              <a:t>which provides </a:t>
-            </a:r>
-            <a:r>
-              <a:rPr lang="en-US" sz="1600" dirty="0" smtClean="0"/>
-              <a:t>for ambiguity </a:t>
-            </a:r>
-            <a:r>
-              <a:rPr lang="en-US" sz="1600" dirty="0"/>
-              <a:t>letters for every possible </a:t>
-            </a:r>
-            <a:r>
-              <a:rPr lang="en-US" sz="1600" dirty="0" smtClean="0"/>
-              <a:t>situation</a:t>
+              <a:t>which provides for ambiguity letters for every possible situation</a:t>
             </a:r>
             <a:endParaRPr lang="it-IT" sz="1600" dirty="0"/>
           </a:p>
           <a:p>
             <a:pPr lvl="1"/>
             <a:r>
-              <a:rPr lang="en-US" sz="1600" dirty="0" err="1" smtClean="0"/>
+              <a:rPr lang="en-US" sz="1600" dirty="0" err="1"/>
               <a:t>ExtendedIUPACDNA</a:t>
             </a:r>
             <a:r>
@@ -32215,7 +30139,7 @@
               <a:t>, which allows letters for </a:t>
             </a:r>
             <a:r>
-              <a:rPr lang="en-US" sz="1600" dirty="0" err="1" smtClean="0"/>
+              <a:rPr lang="en-US" sz="1600" dirty="0" err="1"/>
               <a:t>modifiedbase</a:t>
             </a:r>
             <a:endParaRPr lang="en-US" sz="1600" dirty="0"/>
@@ -32255,7 +30179,7 @@
           <a:p>
             <a:fld id="{67C2DE1B-3D66-5E48-B45C-4460F9197AEE}" type="datetime1">
               <a:rPr lang="fr-FR" smtClean="0"/>
-              <a:t>16/11/16</a:t>
+              <a:t>08/11/2018</a:t>
             </a:fld>
             <a:endParaRPr lang="fr-FR" dirty="0"/>
           </a:p>
@@ -32277,7 +30201,7 @@
           <a:lstStyle/>
           <a:p>
             <a:r>
-              <a:rPr lang="fr-FR" smtClean="0"/>
+              <a:rPr lang="fr-FR"/>
               <a:t>Python pour la biologie</a:t>
             </a:r>
             <a:endParaRPr lang="fr-FR" dirty="0"/>
@@ -32318,13 +30242,6 @@
   <p:clrMapOvr>
     <a:masterClrMapping/>
   </p:clrMapOvr>
-  <p:timing>
-    <p:tnLst>
-      <p:par>
-        <p:cTn xmlns:p14="http://schemas.microsoft.com/office/powerpoint/2010/main" id="1" dur="indefinite" restart="never" nodeType="tmRoot"/>
-      </p:par>
-    </p:tnLst>
-  </p:timing>
 </p:sld>
 </file>
 
@@ -32361,14 +30278,13 @@
           <a:lstStyle/>
           <a:p>
             <a:r>
-              <a:rPr lang="fr-FR" dirty="0" err="1" smtClean="0"/>
+              <a:rPr lang="fr-FR" dirty="0" err="1"/>
               <a:t>Sequences</a:t>
             </a:r>
             <a:r>
-              <a:rPr lang="fr-FR" dirty="0" smtClean="0"/>
+              <a:rPr lang="fr-FR" dirty="0"/>
               <a:t> et Alphabet (2)</a:t>
             </a:r>
-            <a:endParaRPr lang="fr-FR" dirty="0"/>
           </a:p>
         </p:txBody>
       </p:sp>
@@ -32393,16 +30309,8 @@
           <a:lstStyle/>
           <a:p>
             <a:r>
-              <a:rPr lang="en-US" dirty="0" smtClean="0"/>
-              <a:t>Create </a:t>
-            </a:r>
-            <a:r>
               <a:rPr lang="en-US" dirty="0"/>
-              <a:t>an ambiguous sequence with the default generic </a:t>
-            </a:r>
-            <a:r>
-              <a:rPr lang="en-US" dirty="0" smtClean="0"/>
-              <a:t>alphabet:</a:t>
+              <a:t>Create an ambiguous sequence with the default generic alphabet:</a:t>
             </a:r>
             <a:endParaRPr lang="fr-FR" dirty="0"/>
           </a:p>
@@ -32425,7 +30333,7 @@
           <a:p>
             <a:fld id="{93CBED37-D7BB-174A-9FC7-56685CD6E865}" type="datetime1">
               <a:rPr lang="fr-FR" smtClean="0"/>
-              <a:t>16/11/16</a:t>
+              <a:t>08/11/2018</a:t>
             </a:fld>
             <a:endParaRPr lang="fr-FR" dirty="0"/>
           </a:p>
@@ -32447,7 +30355,7 @@
           <a:lstStyle/>
           <a:p>
             <a:r>
-              <a:rPr lang="fr-FR" smtClean="0"/>
+              <a:rPr lang="fr-FR"/>
               <a:t>Python pour la biologie</a:t>
             </a:r>
             <a:endParaRPr lang="fr-FR" dirty="0"/>
@@ -32516,49 +30424,36 @@
           </a:lstStyle>
           <a:p>
             <a:r>
-              <a:rPr lang="en-US" sz="1200" dirty="0" smtClean="0"/>
-              <a:t>&gt;</a:t>
-            </a:r>
-            <a:r>
-              <a:rPr lang="en-US" sz="1200" dirty="0"/>
-              <a:t>&gt;&gt; </a:t>
-            </a:r>
-            <a:r>
-              <a:rPr lang="mr-IN" sz="1200" dirty="0" smtClean="0"/>
-              <a:t>my_seq </a:t>
-            </a:r>
-            <a:r>
-              <a:rPr lang="mr-IN" sz="1200" dirty="0"/>
-              <a:t>= </a:t>
-            </a:r>
-            <a:r>
-              <a:rPr lang="mr-IN" sz="1200" dirty="0" smtClean="0"/>
-              <a:t>Seq</a:t>
-            </a:r>
-            <a:r>
-              <a:rPr lang="fr-FR" sz="1200" dirty="0" smtClean="0"/>
-              <a:t>(</a:t>
-            </a:r>
-            <a:r>
-              <a:rPr lang="mr-IN" sz="1200" dirty="0" smtClean="0"/>
-              <a:t>"AGTACACTGGT”</a:t>
-            </a:r>
-            <a:r>
-              <a:rPr lang="fr-FR" sz="1200" dirty="0" smtClean="0"/>
-              <a:t>)</a:t>
-            </a:r>
-            <a:endParaRPr lang="mr-IN" sz="1200" dirty="0"/>
-          </a:p>
-          <a:p>
-            <a:r>
               <a:rPr lang="en-US" sz="1200" dirty="0"/>
               <a:t>&gt;&gt;&gt; </a:t>
             </a:r>
             <a:r>
-              <a:rPr lang="mr-IN" sz="1200" dirty="0" smtClean="0"/>
+              <a:rPr lang="mr-IN" sz="1200" dirty="0"/>
+              <a:t>my_seq = Seq</a:t>
+            </a:r>
+            <a:r>
+              <a:rPr lang="fr-FR" sz="1200" dirty="0"/>
+              <a:t>(</a:t>
+            </a:r>
+            <a:r>
+              <a:rPr lang="mr-IN" sz="1200" dirty="0"/>
+              <a:t>"AGTACACTGGT”</a:t>
+            </a:r>
+            <a:r>
+              <a:rPr lang="fr-FR" sz="1200" dirty="0"/>
+              <a:t>)</a:t>
+            </a:r>
+            <a:endParaRPr lang="mr-IN" sz="1200" dirty="0"/>
+          </a:p>
+          <a:p>
+            <a:r>
+              <a:rPr lang="en-US" sz="1200" dirty="0"/>
+              <a:t>&gt;&gt;&gt; </a:t>
+            </a:r>
+            <a:r>
+              <a:rPr lang="mr-IN" sz="1200" dirty="0"/>
               <a:t>my_seq</a:t>
             </a:r>
-            <a:endParaRPr lang="mr-IN" sz="1200" dirty="0"/>
           </a:p>
         </p:txBody>
       </p:sp>
@@ -32600,12 +30495,8 @@
           </a:lstStyle>
           <a:p>
             <a:r>
-              <a:rPr lang="en-US" sz="1200" dirty="0" smtClean="0"/>
-              <a:t>&gt;</a:t>
-            </a:r>
-            <a:r>
               <a:rPr lang="en-US" sz="1200" dirty="0"/>
-              <a:t>&gt;&gt; from </a:t>
+              <a:t>&gt;&gt;&gt; from </a:t>
             </a:r>
             <a:r>
               <a:rPr lang="en-US" sz="1200" dirty="0" err="1"/>
@@ -32652,7 +30543,7 @@
               <a:t>&gt;&gt;&gt; </a:t>
             </a:r>
             <a:r>
-              <a:rPr lang="en-US" sz="1200" dirty="0" err="1" smtClean="0"/>
+              <a:rPr lang="en-US" sz="1200" dirty="0" err="1"/>
               <a:t>my_seq</a:t>
             </a:r>
             <a:endParaRPr lang="en-US" sz="1200" dirty="0"/>
@@ -32697,12 +30588,8 @@
           </a:lstStyle>
           <a:p>
             <a:r>
-              <a:rPr lang="en-US" sz="1200" dirty="0" smtClean="0"/>
-              <a:t>&gt;</a:t>
-            </a:r>
-            <a:r>
               <a:rPr lang="en-US" sz="1200" dirty="0"/>
-              <a:t>&gt;&gt; from </a:t>
+              <a:t>&gt;&gt;&gt; from </a:t>
             </a:r>
             <a:r>
               <a:rPr lang="en-US" sz="1200" dirty="0" err="1"/>
@@ -32749,7 +30636,7 @@
               <a:t>&gt;&gt;&gt; </a:t>
             </a:r>
             <a:r>
-              <a:rPr lang="en-US" sz="1200" dirty="0" err="1" smtClean="0"/>
+              <a:rPr lang="en-US" sz="1200" dirty="0" err="1"/>
               <a:t>my_prot</a:t>
             </a:r>
             <a:endParaRPr lang="en-US" sz="1200" dirty="0"/>
@@ -32965,12 +30852,8 @@
           </a:lstStyle>
           <a:p>
             <a:r>
-              <a:rPr lang="en-US" dirty="0" smtClean="0"/>
-              <a:t>Specify </a:t>
-            </a:r>
-            <a:r>
               <a:rPr lang="en-US" dirty="0"/>
-              <a:t>the alphabet explicitly</a:t>
+              <a:t>Specify the alphabet explicitly</a:t>
             </a:r>
           </a:p>
         </p:txBody>
@@ -33013,7 +30896,7 @@
           </a:lstStyle>
           <a:p>
             <a:r>
-              <a:rPr lang="mr-IN" sz="1200" dirty="0" smtClean="0">
+              <a:rPr lang="mr-IN" sz="1200" dirty="0">
                 <a:solidFill>
                   <a:srgbClr val="FF0000"/>
                 </a:solidFill>
@@ -33021,7 +30904,7 @@
               <a:t>Alphabet</a:t>
             </a:r>
             <a:r>
-              <a:rPr lang="fr-FR" sz="1200" dirty="0" smtClean="0">
+              <a:rPr lang="fr-FR" sz="1200" dirty="0">
                 <a:solidFill>
                   <a:srgbClr val="FF0000"/>
                 </a:solidFill>
@@ -33074,18 +30957,13 @@
           </a:lstStyle>
           <a:p>
             <a:r>
-              <a:rPr lang="en-US" sz="1200" dirty="0" smtClean="0"/>
-              <a:t>&gt;</a:t>
-            </a:r>
-            <a:r>
               <a:rPr lang="en-US" sz="1200" dirty="0"/>
-              <a:t>&gt;&gt; </a:t>
-            </a:r>
-            <a:r>
-              <a:rPr lang="mr-IN" sz="1200" dirty="0" smtClean="0"/>
+              <a:t>&gt;&gt;&gt; </a:t>
+            </a:r>
+            <a:r>
+              <a:rPr lang="mr-IN" sz="1200" dirty="0"/>
               <a:t>my_seq.alphabet</a:t>
             </a:r>
-            <a:endParaRPr lang="mr-IN" sz="1200" dirty="0"/>
           </a:p>
         </p:txBody>
       </p:sp>
@@ -33127,31 +31005,15 @@
           </a:lstStyle>
           <a:p>
             <a:r>
-              <a:rPr lang="mr-IN" sz="1200" dirty="0" smtClean="0">
+              <a:rPr lang="mr-IN" sz="1200" dirty="0">
                 <a:solidFill>
                   <a:srgbClr val="FF0000"/>
                 </a:solidFill>
               </a:rPr>
-              <a:t>Seq</a:t>
-            </a:r>
-            <a:r>
-              <a:rPr lang="mr-IN" sz="1200" dirty="0">
-                <a:solidFill>
-                  <a:srgbClr val="FF0000"/>
-                </a:solidFill>
-              </a:rPr>
-              <a:t>('AGTACACTGGT', </a:t>
-            </a:r>
-            <a:r>
-              <a:rPr lang="mr-IN" sz="1200" dirty="0" smtClean="0">
-                <a:solidFill>
-                  <a:srgbClr val="FF0000"/>
-                </a:solidFill>
-              </a:rPr>
-              <a:t>Alphabet</a:t>
-            </a:r>
-            <a:r>
-              <a:rPr lang="fr-FR" sz="1200" dirty="0" smtClean="0">
+              <a:t>Seq('AGTACACTGGT', Alphabet</a:t>
+            </a:r>
+            <a:r>
+              <a:rPr lang="fr-FR" sz="1200" dirty="0">
                 <a:solidFill>
                   <a:srgbClr val="FF0000"/>
                 </a:solidFill>
@@ -33204,7 +31066,7 @@
           </a:lstStyle>
           <a:p>
             <a:r>
-              <a:rPr lang="en-US" sz="1200" dirty="0" err="1" smtClean="0">
+              <a:rPr lang="en-US" sz="1200" dirty="0" err="1">
                 <a:solidFill>
                   <a:srgbClr val="FF0000"/>
                 </a:solidFill>
@@ -33260,15 +31122,11 @@
           </a:lstStyle>
           <a:p>
             <a:r>
-              <a:rPr lang="en-US" sz="1200" dirty="0" smtClean="0"/>
-              <a:t>&gt;</a:t>
-            </a:r>
-            <a:r>
               <a:rPr lang="en-US" sz="1200" dirty="0"/>
-              <a:t>&gt;&gt; </a:t>
-            </a:r>
-            <a:r>
-              <a:rPr lang="en-US" sz="1200" dirty="0" err="1" smtClean="0"/>
+              <a:t>&gt;&gt;&gt; </a:t>
+            </a:r>
+            <a:r>
+              <a:rPr lang="en-US" sz="1200" dirty="0" err="1"/>
               <a:t>my_seq.alphabet</a:t>
             </a:r>
             <a:endParaRPr lang="en-US" sz="1200" dirty="0"/>
@@ -33313,7 +31171,7 @@
           </a:lstStyle>
           <a:p>
             <a:r>
-              <a:rPr lang="en-US" sz="1200" dirty="0" err="1" smtClean="0">
+              <a:rPr lang="en-US" sz="1200" dirty="0" err="1">
                 <a:solidFill>
                   <a:srgbClr val="FF0000"/>
                 </a:solidFill>
@@ -33342,21 +31200,8 @@
                   <a:srgbClr val="FF0000"/>
                 </a:solidFill>
               </a:rPr>
-              <a:t>()</a:t>
-            </a:r>
-            <a:r>
-              <a:rPr lang="en-US" sz="1200" dirty="0" smtClean="0">
-                <a:solidFill>
-                  <a:srgbClr val="FF0000"/>
-                </a:solidFill>
-              </a:rPr>
-              <a:t>)</a:t>
-            </a:r>
-            <a:endParaRPr lang="en-US" sz="1200" dirty="0">
-              <a:solidFill>
-                <a:srgbClr val="FF0000"/>
-              </a:solidFill>
-            </a:endParaRPr>
+              <a:t>())</a:t>
+            </a:r>
           </a:p>
         </p:txBody>
       </p:sp>
@@ -33398,7 +31243,7 @@
           </a:lstStyle>
           <a:p>
             <a:r>
-              <a:rPr lang="en-US" sz="1200" dirty="0" err="1" smtClean="0">
+              <a:rPr lang="en-US" sz="1200" dirty="0" err="1">
                 <a:solidFill>
                   <a:srgbClr val="FF0000"/>
                 </a:solidFill>
@@ -33454,15 +31299,11 @@
           </a:lstStyle>
           <a:p>
             <a:r>
-              <a:rPr lang="en-US" sz="1200" dirty="0" smtClean="0"/>
-              <a:t>&gt;</a:t>
-            </a:r>
-            <a:r>
               <a:rPr lang="en-US" sz="1200" dirty="0"/>
-              <a:t>&gt;&gt; </a:t>
-            </a:r>
-            <a:r>
-              <a:rPr lang="en-US" sz="1200" dirty="0" err="1" smtClean="0"/>
+              <a:t>&gt;&gt;&gt; </a:t>
+            </a:r>
+            <a:r>
+              <a:rPr lang="en-US" sz="1200" dirty="0" err="1"/>
               <a:t>my_prot.alphabet</a:t>
             </a:r>
             <a:endParaRPr lang="en-US" sz="1200" dirty="0"/>
@@ -33507,7 +31348,7 @@
           </a:lstStyle>
           <a:p>
             <a:r>
-              <a:rPr lang="en-US" sz="1200" dirty="0" err="1" smtClean="0">
+              <a:rPr lang="en-US" sz="1200" dirty="0" err="1">
                 <a:solidFill>
                   <a:srgbClr val="FF0000"/>
                 </a:solidFill>
@@ -33536,21 +31377,8 @@
                   <a:srgbClr val="FF0000"/>
                 </a:solidFill>
               </a:rPr>
-              <a:t>()</a:t>
-            </a:r>
-            <a:r>
-              <a:rPr lang="en-US" sz="1200" dirty="0" smtClean="0">
-                <a:solidFill>
-                  <a:srgbClr val="FF0000"/>
-                </a:solidFill>
-              </a:rPr>
-              <a:t>)</a:t>
-            </a:r>
-            <a:endParaRPr lang="en-US" sz="1200" dirty="0">
-              <a:solidFill>
-                <a:srgbClr val="FF0000"/>
-              </a:solidFill>
-            </a:endParaRPr>
+              <a:t>())</a:t>
+            </a:r>
           </a:p>
         </p:txBody>
       </p:sp>
@@ -33567,7 +31395,7 @@
   <p:timing>
     <p:tnLst>
       <p:par>
-        <p:cTn xmlns:p14="http://schemas.microsoft.com/office/powerpoint/2010/main" id="1" dur="indefinite" restart="never" nodeType="tmRoot">
+        <p:cTn id="1" dur="indefinite" restart="never" nodeType="tmRoot">
           <p:childTnLst>
             <p:seq concurrent="1" nextAc="seek">
               <p:cTn id="2" dur="indefinite" nodeType="mainSeq">
